--- a/09. WEBPACK/09. JS-Applications-Webpack.pptx
+++ b/09. WEBPACK/09. JS-Applications-Webpack.pptx
@@ -5,7 +5,7 @@
     <p:sldMasterId id="2147483660" r:id="rId1"/>
   </p:sldMasterIdLst>
   <p:notesMasterIdLst>
-    <p:notesMasterId r:id="rId23"/>
+    <p:notesMasterId r:id="rId34"/>
   </p:notesMasterIdLst>
   <p:sldIdLst>
     <p:sldId id="257" r:id="rId2"/>
@@ -23,12 +23,23 @@
     <p:sldId id="310" r:id="rId14"/>
     <p:sldId id="311" r:id="rId15"/>
     <p:sldId id="312" r:id="rId16"/>
-    <p:sldId id="290" r:id="rId17"/>
-    <p:sldId id="291" r:id="rId18"/>
-    <p:sldId id="581" r:id="rId19"/>
-    <p:sldId id="582" r:id="rId20"/>
-    <p:sldId id="294" r:id="rId21"/>
-    <p:sldId id="295" r:id="rId22"/>
+    <p:sldId id="273" r:id="rId17"/>
+    <p:sldId id="274" r:id="rId18"/>
+    <p:sldId id="275" r:id="rId19"/>
+    <p:sldId id="298" r:id="rId20"/>
+    <p:sldId id="276" r:id="rId21"/>
+    <p:sldId id="277" r:id="rId22"/>
+    <p:sldId id="299" r:id="rId23"/>
+    <p:sldId id="300" r:id="rId24"/>
+    <p:sldId id="583" r:id="rId25"/>
+    <p:sldId id="301" r:id="rId26"/>
+    <p:sldId id="290" r:id="rId27"/>
+    <p:sldId id="584" r:id="rId28"/>
+    <p:sldId id="291" r:id="rId29"/>
+    <p:sldId id="581" r:id="rId30"/>
+    <p:sldId id="582" r:id="rId31"/>
+    <p:sldId id="294" r:id="rId32"/>
+    <p:sldId id="295" r:id="rId33"/>
   </p:sldIdLst>
   <p:sldSz cx="12192000" cy="6858000"/>
   <p:notesSz cx="6858000" cy="9144000"/>
@@ -161,9 +172,24 @@
             <p14:sldId id="312"/>
           </p14:sldIdLst>
         </p14:section>
+        <p14:section name="Advanced Builds" id="{26EA7E1A-9589-4A84-9AA0-06C06305D8EE}">
+          <p14:sldIdLst>
+            <p14:sldId id="273"/>
+            <p14:sldId id="274"/>
+            <p14:sldId id="275"/>
+            <p14:sldId id="298"/>
+            <p14:sldId id="276"/>
+            <p14:sldId id="277"/>
+            <p14:sldId id="299"/>
+            <p14:sldId id="300"/>
+            <p14:sldId id="583"/>
+            <p14:sldId id="301"/>
+          </p14:sldIdLst>
+        </p14:section>
         <p14:section name="Summary" id="{26F5F0CE-AAA3-404C-838A-A98D19DD7ACF}">
           <p14:sldIdLst>
             <p14:sldId id="290"/>
+            <p14:sldId id="584"/>
             <p14:sldId id="291"/>
             <p14:sldId id="581"/>
             <p14:sldId id="582"/>
@@ -273,7 +299,7 @@
           <a:p>
             <a:fld id="{FA0CA5E8-1D35-430A-9679-BFE021D86065}" type="datetimeFigureOut">
               <a:rPr lang="en-US" smtClean="0"/>
-              <a:t>7/26/2019</a:t>
+              <a:t>10/28/2019</a:t>
             </a:fld>
             <a:endParaRPr lang="en-US"/>
           </a:p>
@@ -645,121 +671,14 @@
           <a:bodyPr/>
           <a:lstStyle/>
           <a:p>
-            <a:endParaRPr lang="en-US" dirty="0"/>
-          </a:p>
-        </p:txBody>
-      </p:sp>
-      <p:sp>
-        <p:nvSpPr>
-          <p:cNvPr id="4" name="Footer Placeholder 3"/>
-          <p:cNvSpPr>
-            <a:spLocks noGrp="1"/>
-          </p:cNvSpPr>
-          <p:nvPr>
-            <p:ph type="ftr" sz="quarter" idx="10"/>
-          </p:nvPr>
-        </p:nvSpPr>
-        <p:spPr/>
-        <p:txBody>
-          <a:bodyPr/>
-          <a:lstStyle/>
-          <a:p>
-            <a:r>
-              <a:rPr lang="en-US" sz="1000" dirty="0">
-                <a:solidFill>
-                  <a:prstClr val="black"/>
-                </a:solidFill>
-              </a:rPr>
-              <a:t>© Software University Foundation – </a:t>
-            </a:r>
-            <a:r>
-              <a:rPr lang="en-US" sz="1000" u="sng" dirty="0">
-                <a:solidFill>
-                  <a:prstClr val="black"/>
-                </a:solidFill>
-                <a:hlinkClick r:id="rId3"/>
-              </a:rPr>
-              <a:t>http://softuni.org</a:t>
-            </a:r>
-            <a:endParaRPr lang="en-US" sz="1000" dirty="0">
-              <a:solidFill>
-                <a:prstClr val="black"/>
-              </a:solidFill>
-            </a:endParaRPr>
-          </a:p>
-          <a:p>
-            <a:r>
-              <a:rPr lang="en-US" sz="1000" dirty="0">
-                <a:solidFill>
-                  <a:prstClr val="black"/>
-                </a:solidFill>
-              </a:rPr>
-              <a:t>This work is licensed under the </a:t>
-            </a:r>
-            <a:r>
-              <a:rPr lang="en-US" sz="1000" u="sng" noProof="1">
-                <a:solidFill>
-                  <a:prstClr val="black"/>
-                </a:solidFill>
-                <a:hlinkClick r:id="rId4"/>
-              </a:rPr>
-              <a:t>Creative Commons Attribution-NonCommercial-ShareAlike</a:t>
-            </a:r>
-            <a:r>
-              <a:rPr lang="en-US" sz="1000" noProof="1">
-                <a:solidFill>
-                  <a:prstClr val="black"/>
-                </a:solidFill>
-              </a:rPr>
-              <a:t> </a:t>
-            </a:r>
-            <a:r>
-              <a:rPr lang="en-US" sz="1000" dirty="0">
-                <a:solidFill>
-                  <a:prstClr val="black"/>
-                </a:solidFill>
-              </a:rPr>
-              <a:t>license.</a:t>
-            </a:r>
-          </a:p>
-        </p:txBody>
-      </p:sp>
-      <p:sp>
-        <p:nvSpPr>
-          <p:cNvPr id="5" name="Slide Number Placeholder 4"/>
-          <p:cNvSpPr>
-            <a:spLocks noGrp="1"/>
-          </p:cNvSpPr>
-          <p:nvPr>
-            <p:ph type="sldNum" sz="quarter" idx="11"/>
-          </p:nvPr>
-        </p:nvSpPr>
-        <p:spPr/>
-        <p:txBody>
-          <a:bodyPr/>
-          <a:lstStyle/>
-          <a:p>
-            <a:fld id="{3EBA5BD7-F043-4D1B-AA17-CD412FC534DE}" type="slidenum">
-              <a:rPr lang="en-US" smtClean="0">
-                <a:solidFill>
-                  <a:prstClr val="black"/>
-                </a:solidFill>
-              </a:rPr>
-              <a:pPr/>
-              <a:t>17</a:t>
-            </a:fld>
-            <a:endParaRPr lang="en-US" dirty="0">
-              <a:solidFill>
-                <a:prstClr val="black"/>
-              </a:solidFill>
-            </a:endParaRPr>
+            <a:endParaRPr lang="en-US"/>
           </a:p>
         </p:txBody>
       </p:sp>
     </p:spTree>
     <p:extLst>
       <p:ext uri="{BB962C8B-B14F-4D97-AF65-F5344CB8AC3E}">
-        <p14:creationId xmlns:p14="http://schemas.microsoft.com/office/powerpoint/2010/main" val="2555764052"/>
+        <p14:creationId xmlns:p14="http://schemas.microsoft.com/office/powerpoint/2010/main" val="613827224"/>
       </p:ext>
     </p:extLst>
   </p:cSld>
@@ -788,23 +707,21 @@
       </p:grpSpPr>
       <p:sp>
         <p:nvSpPr>
-          <p:cNvPr id="445442" name="Rectangle 2"/>
+          <p:cNvPr id="2" name="Slide Image Placeholder 1"/>
           <p:cNvSpPr>
-            <a:spLocks noGrp="1" noRot="1" noChangeAspect="1" noChangeArrowheads="1" noTextEdit="1"/>
+            <a:spLocks noGrp="1" noRot="1" noChangeAspect="1"/>
           </p:cNvSpPr>
           <p:nvPr>
             <p:ph type="sldImg"/>
           </p:nvPr>
         </p:nvSpPr>
-        <p:spPr>
-          <a:ln/>
-        </p:spPr>
+        <p:spPr/>
       </p:sp>
       <p:sp>
         <p:nvSpPr>
-          <p:cNvPr id="445443" name="Rectangle 3"/>
+          <p:cNvPr id="3" name="Notes Placeholder 2"/>
           <p:cNvSpPr>
-            <a:spLocks noGrp="1" noChangeArrowheads="1"/>
+            <a:spLocks noGrp="1"/>
           </p:cNvSpPr>
           <p:nvPr>
             <p:ph type="body" idx="1"/>
@@ -815,14 +732,121 @@
           <a:bodyPr/>
           <a:lstStyle/>
           <a:p>
-            <a:endParaRPr lang="bg-BG"/>
+            <a:endParaRPr lang="en-US" dirty="0"/>
+          </a:p>
+        </p:txBody>
+      </p:sp>
+      <p:sp>
+        <p:nvSpPr>
+          <p:cNvPr id="4" name="Footer Placeholder 3"/>
+          <p:cNvSpPr>
+            <a:spLocks noGrp="1"/>
+          </p:cNvSpPr>
+          <p:nvPr>
+            <p:ph type="ftr" sz="quarter" idx="10"/>
+          </p:nvPr>
+        </p:nvSpPr>
+        <p:spPr/>
+        <p:txBody>
+          <a:bodyPr/>
+          <a:lstStyle/>
+          <a:p>
+            <a:r>
+              <a:rPr lang="en-US" sz="1000" dirty="0">
+                <a:solidFill>
+                  <a:prstClr val="black"/>
+                </a:solidFill>
+              </a:rPr>
+              <a:t>© Software University Foundation – </a:t>
+            </a:r>
+            <a:r>
+              <a:rPr lang="en-US" sz="1000" u="sng" dirty="0">
+                <a:solidFill>
+                  <a:prstClr val="black"/>
+                </a:solidFill>
+                <a:hlinkClick r:id="rId3"/>
+              </a:rPr>
+              <a:t>http://softuni.org</a:t>
+            </a:r>
+            <a:endParaRPr lang="en-US" sz="1000" dirty="0">
+              <a:solidFill>
+                <a:prstClr val="black"/>
+              </a:solidFill>
+            </a:endParaRPr>
+          </a:p>
+          <a:p>
+            <a:r>
+              <a:rPr lang="en-US" sz="1000" dirty="0">
+                <a:solidFill>
+                  <a:prstClr val="black"/>
+                </a:solidFill>
+              </a:rPr>
+              <a:t>This work is licensed under the </a:t>
+            </a:r>
+            <a:r>
+              <a:rPr lang="en-US" sz="1000" u="sng" noProof="1">
+                <a:solidFill>
+                  <a:prstClr val="black"/>
+                </a:solidFill>
+                <a:hlinkClick r:id="rId4"/>
+              </a:rPr>
+              <a:t>Creative Commons Attribution-NonCommercial-ShareAlike</a:t>
+            </a:r>
+            <a:r>
+              <a:rPr lang="en-US" sz="1000" noProof="1">
+                <a:solidFill>
+                  <a:prstClr val="black"/>
+                </a:solidFill>
+              </a:rPr>
+              <a:t> </a:t>
+            </a:r>
+            <a:r>
+              <a:rPr lang="en-US" sz="1000" dirty="0">
+                <a:solidFill>
+                  <a:prstClr val="black"/>
+                </a:solidFill>
+              </a:rPr>
+              <a:t>license.</a:t>
+            </a:r>
+          </a:p>
+        </p:txBody>
+      </p:sp>
+      <p:sp>
+        <p:nvSpPr>
+          <p:cNvPr id="5" name="Slide Number Placeholder 4"/>
+          <p:cNvSpPr>
+            <a:spLocks noGrp="1"/>
+          </p:cNvSpPr>
+          <p:nvPr>
+            <p:ph type="sldNum" sz="quarter" idx="11"/>
+          </p:nvPr>
+        </p:nvSpPr>
+        <p:spPr/>
+        <p:txBody>
+          <a:bodyPr/>
+          <a:lstStyle/>
+          <a:p>
+            <a:fld id="{3EBA5BD7-F043-4D1B-AA17-CD412FC534DE}" type="slidenum">
+              <a:rPr lang="en-US" smtClean="0">
+                <a:solidFill>
+                  <a:prstClr val="black"/>
+                </a:solidFill>
+              </a:rPr>
+              <a:pPr/>
+              <a:t>28</a:t>
+            </a:fld>
+            <a:endParaRPr lang="en-US" dirty="0">
+              <a:solidFill>
+                <a:prstClr val="black"/>
+              </a:solidFill>
+            </a:endParaRPr>
           </a:p>
         </p:txBody>
       </p:sp>
     </p:spTree>
     <p:extLst>
       <p:ext uri="{BB962C8B-B14F-4D97-AF65-F5344CB8AC3E}">
-        <p14:creationId xmlns:p14="http://schemas.microsoft.com/office/powerpoint/2010/main" val="2187444530"/>
+        <p14:creationId xmlns:p14="http://schemas.microsoft.com/office/powerpoint/2010/main" val="2555764052"/>
       </p:ext>
     </p:extLst>
   </p:cSld>
@@ -885,7 +909,7 @@
     </p:spTree>
     <p:extLst>
       <p:ext uri="{BB962C8B-B14F-4D97-AF65-F5344CB8AC3E}">
-        <p14:creationId xmlns:p14="http://schemas.microsoft.com/office/powerpoint/2010/main" val="3736973869"/>
+        <p14:creationId xmlns:p14="http://schemas.microsoft.com/office/powerpoint/2010/main" val="2187444530"/>
       </p:ext>
     </p:extLst>
   </p:cSld>
@@ -914,21 +938,23 @@
       </p:grpSpPr>
       <p:sp>
         <p:nvSpPr>
-          <p:cNvPr id="2" name="Slide Image Placeholder 1"/>
+          <p:cNvPr id="445442" name="Rectangle 2"/>
           <p:cNvSpPr>
-            <a:spLocks noGrp="1" noRot="1" noChangeAspect="1"/>
+            <a:spLocks noGrp="1" noRot="1" noChangeAspect="1" noChangeArrowheads="1" noTextEdit="1"/>
           </p:cNvSpPr>
           <p:nvPr>
             <p:ph type="sldImg"/>
           </p:nvPr>
         </p:nvSpPr>
-        <p:spPr/>
+        <p:spPr>
+          <a:ln/>
+        </p:spPr>
       </p:sp>
       <p:sp>
         <p:nvSpPr>
-          <p:cNvPr id="3" name="Notes Placeholder 2"/>
+          <p:cNvPr id="445443" name="Rectangle 3"/>
           <p:cNvSpPr>
-            <a:spLocks noGrp="1"/>
+            <a:spLocks noGrp="1" noChangeArrowheads="1"/>
           </p:cNvSpPr>
           <p:nvPr>
             <p:ph type="body" idx="1"/>
@@ -939,121 +965,14 @@
           <a:bodyPr/>
           <a:lstStyle/>
           <a:p>
-            <a:endParaRPr lang="en-US" dirty="0"/>
-          </a:p>
-        </p:txBody>
-      </p:sp>
-      <p:sp>
-        <p:nvSpPr>
-          <p:cNvPr id="4" name="Footer Placeholder 3"/>
-          <p:cNvSpPr>
-            <a:spLocks noGrp="1"/>
-          </p:cNvSpPr>
-          <p:nvPr>
-            <p:ph type="ftr" sz="quarter" idx="10"/>
-          </p:nvPr>
-        </p:nvSpPr>
-        <p:spPr/>
-        <p:txBody>
-          <a:bodyPr/>
-          <a:lstStyle/>
-          <a:p>
-            <a:r>
-              <a:rPr lang="en-US" sz="1000" dirty="0">
-                <a:solidFill>
-                  <a:prstClr val="black"/>
-                </a:solidFill>
-              </a:rPr>
-              <a:t>© Software University Foundation – </a:t>
-            </a:r>
-            <a:r>
-              <a:rPr lang="en-US" sz="1000" u="sng" dirty="0">
-                <a:solidFill>
-                  <a:prstClr val="black"/>
-                </a:solidFill>
-                <a:hlinkClick r:id="rId3"/>
-              </a:rPr>
-              <a:t>http://softuni.org</a:t>
-            </a:r>
-            <a:endParaRPr lang="en-US" sz="1000" dirty="0">
-              <a:solidFill>
-                <a:prstClr val="black"/>
-              </a:solidFill>
-            </a:endParaRPr>
-          </a:p>
-          <a:p>
-            <a:r>
-              <a:rPr lang="en-US" sz="1000" dirty="0">
-                <a:solidFill>
-                  <a:prstClr val="black"/>
-                </a:solidFill>
-              </a:rPr>
-              <a:t>This work is licensed under the </a:t>
-            </a:r>
-            <a:r>
-              <a:rPr lang="en-US" sz="1000" u="sng" noProof="1">
-                <a:solidFill>
-                  <a:prstClr val="black"/>
-                </a:solidFill>
-                <a:hlinkClick r:id="rId4"/>
-              </a:rPr>
-              <a:t>Creative Commons Attribution-NonCommercial-ShareAlike</a:t>
-            </a:r>
-            <a:r>
-              <a:rPr lang="en-US" sz="1000" noProof="1">
-                <a:solidFill>
-                  <a:prstClr val="black"/>
-                </a:solidFill>
-              </a:rPr>
-              <a:t> </a:t>
-            </a:r>
-            <a:r>
-              <a:rPr lang="en-US" sz="1000" dirty="0">
-                <a:solidFill>
-                  <a:prstClr val="black"/>
-                </a:solidFill>
-              </a:rPr>
-              <a:t>license.</a:t>
-            </a:r>
-          </a:p>
-        </p:txBody>
-      </p:sp>
-      <p:sp>
-        <p:nvSpPr>
-          <p:cNvPr id="5" name="Slide Number Placeholder 4"/>
-          <p:cNvSpPr>
-            <a:spLocks noGrp="1"/>
-          </p:cNvSpPr>
-          <p:nvPr>
-            <p:ph type="sldNum" sz="quarter" idx="11"/>
-          </p:nvPr>
-        </p:nvSpPr>
-        <p:spPr/>
-        <p:txBody>
-          <a:bodyPr/>
-          <a:lstStyle/>
-          <a:p>
-            <a:fld id="{3EBA5BD7-F043-4D1B-AA17-CD412FC534DE}" type="slidenum">
-              <a:rPr lang="en-US" smtClean="0">
-                <a:solidFill>
-                  <a:prstClr val="black"/>
-                </a:solidFill>
-              </a:rPr>
-              <a:pPr/>
-              <a:t>20</a:t>
-            </a:fld>
-            <a:endParaRPr lang="en-US" dirty="0">
-              <a:solidFill>
-                <a:prstClr val="black"/>
-              </a:solidFill>
-            </a:endParaRPr>
+            <a:endParaRPr lang="bg-BG"/>
           </a:p>
         </p:txBody>
       </p:sp>
     </p:spTree>
     <p:extLst>
       <p:ext uri="{BB962C8B-B14F-4D97-AF65-F5344CB8AC3E}">
-        <p14:creationId xmlns:p14="http://schemas.microsoft.com/office/powerpoint/2010/main" val="2223861672"/>
+        <p14:creationId xmlns:p14="http://schemas.microsoft.com/office/powerpoint/2010/main" val="3736973869"/>
       </p:ext>
     </p:extLst>
   </p:cSld>
@@ -1127,34 +1046,60 @@
           <a:lstStyle/>
           <a:p>
             <a:r>
-              <a:rPr lang="en-US" sz="1000" dirty="0"/>
+              <a:rPr lang="en-US" sz="1000" dirty="0">
+                <a:solidFill>
+                  <a:prstClr val="black"/>
+                </a:solidFill>
+              </a:rPr>
               <a:t>© Software University Foundation – </a:t>
             </a:r>
             <a:r>
               <a:rPr lang="en-US" sz="1000" u="sng" dirty="0">
+                <a:solidFill>
+                  <a:prstClr val="black"/>
+                </a:solidFill>
                 <a:hlinkClick r:id="rId3"/>
               </a:rPr>
               <a:t>http://softuni.org</a:t>
             </a:r>
-            <a:endParaRPr lang="en-US" sz="1000" dirty="0"/>
-          </a:p>
-          <a:p>
-            <a:r>
-              <a:rPr lang="en-US" sz="1000" dirty="0"/>
+            <a:endParaRPr lang="en-US" sz="1000" dirty="0">
+              <a:solidFill>
+                <a:prstClr val="black"/>
+              </a:solidFill>
+            </a:endParaRPr>
+          </a:p>
+          <a:p>
+            <a:r>
+              <a:rPr lang="en-US" sz="1000" dirty="0">
+                <a:solidFill>
+                  <a:prstClr val="black"/>
+                </a:solidFill>
+              </a:rPr>
               <a:t>This work is licensed under the </a:t>
             </a:r>
             <a:r>
               <a:rPr lang="en-US" sz="1000" u="sng" noProof="1">
+                <a:solidFill>
+                  <a:prstClr val="black"/>
+                </a:solidFill>
                 <a:hlinkClick r:id="rId4"/>
               </a:rPr>
               <a:t>Creative Commons Attribution-NonCommercial-ShareAlike</a:t>
             </a:r>
             <a:r>
-              <a:rPr lang="en-US" sz="1000" noProof="1"/>
+              <a:rPr lang="en-US" sz="1000" noProof="1">
+                <a:solidFill>
+                  <a:prstClr val="black"/>
+                </a:solidFill>
+              </a:rPr>
               <a:t> </a:t>
             </a:r>
             <a:r>
-              <a:rPr lang="en-US" sz="1000" dirty="0"/>
+              <a:rPr lang="en-US" sz="1000" dirty="0">
+                <a:solidFill>
+                  <a:prstClr val="black"/>
+                </a:solidFill>
+              </a:rPr>
               <a:t>license.</a:t>
             </a:r>
           </a:p>
@@ -1176,9 +1121,151 @@
           <a:lstStyle/>
           <a:p>
             <a:fld id="{3EBA5BD7-F043-4D1B-AA17-CD412FC534DE}" type="slidenum">
+              <a:rPr lang="en-US" smtClean="0">
+                <a:solidFill>
+                  <a:prstClr val="black"/>
+                </a:solidFill>
+              </a:rPr>
+              <a:pPr/>
+              <a:t>31</a:t>
+            </a:fld>
+            <a:endParaRPr lang="en-US" dirty="0">
+              <a:solidFill>
+                <a:prstClr val="black"/>
+              </a:solidFill>
+            </a:endParaRPr>
+          </a:p>
+        </p:txBody>
+      </p:sp>
+    </p:spTree>
+    <p:extLst>
+      <p:ext uri="{BB962C8B-B14F-4D97-AF65-F5344CB8AC3E}">
+        <p14:creationId xmlns:p14="http://schemas.microsoft.com/office/powerpoint/2010/main" val="2223861672"/>
+      </p:ext>
+    </p:extLst>
+  </p:cSld>
+  <p:clrMapOvr>
+    <a:masterClrMapping/>
+  </p:clrMapOvr>
+</p:notes>
+</file>
+
+<file path=ppt/notesSlides/notesSlide7.xml><?xml version="1.0" encoding="utf-8"?>
+<p:notes xmlns:a="http://schemas.openxmlformats.org/drawingml/2006/main" xmlns:r="http://schemas.openxmlformats.org/officeDocument/2006/relationships" xmlns:p="http://schemas.openxmlformats.org/presentationml/2006/main">
+  <p:cSld>
+    <p:spTree>
+      <p:nvGrpSpPr>
+        <p:cNvPr id="1" name=""/>
+        <p:cNvGrpSpPr/>
+        <p:nvPr/>
+      </p:nvGrpSpPr>
+      <p:grpSpPr>
+        <a:xfrm>
+          <a:off x="0" y="0"/>
+          <a:ext cx="0" cy="0"/>
+          <a:chOff x="0" y="0"/>
+          <a:chExt cx="0" cy="0"/>
+        </a:xfrm>
+      </p:grpSpPr>
+      <p:sp>
+        <p:nvSpPr>
+          <p:cNvPr id="2" name="Slide Image Placeholder 1"/>
+          <p:cNvSpPr>
+            <a:spLocks noGrp="1" noRot="1" noChangeAspect="1"/>
+          </p:cNvSpPr>
+          <p:nvPr>
+            <p:ph type="sldImg"/>
+          </p:nvPr>
+        </p:nvSpPr>
+        <p:spPr/>
+      </p:sp>
+      <p:sp>
+        <p:nvSpPr>
+          <p:cNvPr id="3" name="Notes Placeholder 2"/>
+          <p:cNvSpPr>
+            <a:spLocks noGrp="1"/>
+          </p:cNvSpPr>
+          <p:nvPr>
+            <p:ph type="body" idx="1"/>
+          </p:nvPr>
+        </p:nvSpPr>
+        <p:spPr/>
+        <p:txBody>
+          <a:bodyPr/>
+          <a:lstStyle/>
+          <a:p>
+            <a:endParaRPr lang="en-US" dirty="0"/>
+          </a:p>
+        </p:txBody>
+      </p:sp>
+      <p:sp>
+        <p:nvSpPr>
+          <p:cNvPr id="4" name="Footer Placeholder 3"/>
+          <p:cNvSpPr>
+            <a:spLocks noGrp="1"/>
+          </p:cNvSpPr>
+          <p:nvPr>
+            <p:ph type="ftr" sz="quarter" idx="10"/>
+          </p:nvPr>
+        </p:nvSpPr>
+        <p:spPr/>
+        <p:txBody>
+          <a:bodyPr/>
+          <a:lstStyle/>
+          <a:p>
+            <a:r>
+              <a:rPr lang="en-US" sz="1000" dirty="0"/>
+              <a:t>© Software University Foundation – </a:t>
+            </a:r>
+            <a:r>
+              <a:rPr lang="en-US" sz="1000" u="sng" dirty="0">
+                <a:hlinkClick r:id="rId3"/>
+              </a:rPr>
+              <a:t>http://softuni.org</a:t>
+            </a:r>
+            <a:endParaRPr lang="en-US" sz="1000" dirty="0"/>
+          </a:p>
+          <a:p>
+            <a:r>
+              <a:rPr lang="en-US" sz="1000" dirty="0"/>
+              <a:t>This work is licensed under the </a:t>
+            </a:r>
+            <a:r>
+              <a:rPr lang="en-US" sz="1000" u="sng" noProof="1">
+                <a:hlinkClick r:id="rId4"/>
+              </a:rPr>
+              <a:t>Creative Commons Attribution-NonCommercial-ShareAlike</a:t>
+            </a:r>
+            <a:r>
+              <a:rPr lang="en-US" sz="1000" noProof="1"/>
+              <a:t> </a:t>
+            </a:r>
+            <a:r>
+              <a:rPr lang="en-US" sz="1000" dirty="0"/>
+              <a:t>license.</a:t>
+            </a:r>
+          </a:p>
+        </p:txBody>
+      </p:sp>
+      <p:sp>
+        <p:nvSpPr>
+          <p:cNvPr id="5" name="Slide Number Placeholder 4"/>
+          <p:cNvSpPr>
+            <a:spLocks noGrp="1"/>
+          </p:cNvSpPr>
+          <p:nvPr>
+            <p:ph type="sldNum" sz="quarter" idx="11"/>
+          </p:nvPr>
+        </p:nvSpPr>
+        <p:spPr/>
+        <p:txBody>
+          <a:bodyPr/>
+          <a:lstStyle/>
+          <a:p>
+            <a:fld id="{3EBA5BD7-F043-4D1B-AA17-CD412FC534DE}" type="slidenum">
               <a:rPr lang="en-US" smtClean="0"/>
               <a:pPr/>
-              <a:t>21</a:t>
+              <a:t>32</a:t>
             </a:fld>
             <a:endParaRPr lang="en-US" dirty="0"/>
           </a:p>
@@ -2567,7 +2654,7 @@
           <a:p>
             <a:fld id="{B60D4550-665D-4558-9D09-5692A5838409}" type="datetimeFigureOut">
               <a:rPr lang="en-US" smtClean="0"/>
-              <a:t>7/26/2019</a:t>
+              <a:t>10/28/2019</a:t>
             </a:fld>
             <a:endParaRPr lang="en-US"/>
           </a:p>
@@ -3042,7 +3129,7 @@
           <a:p>
             <a:fld id="{B60D4550-665D-4558-9D09-5692A5838409}" type="datetimeFigureOut">
               <a:rPr lang="en-US" smtClean="0"/>
-              <a:t>7/26/2019</a:t>
+              <a:t>10/28/2019</a:t>
             </a:fld>
             <a:endParaRPr lang="en-US"/>
           </a:p>
@@ -4397,7 +4484,7 @@
           <a:p>
             <a:fld id="{B60D4550-665D-4558-9D09-5692A5838409}" type="datetimeFigureOut">
               <a:rPr lang="en-US" smtClean="0"/>
-              <a:t>7/26/2019</a:t>
+              <a:t>10/28/2019</a:t>
             </a:fld>
             <a:endParaRPr lang="en-US"/>
           </a:p>
@@ -6214,7 +6301,7 @@
           <a:p>
             <a:fld id="{B60D4550-665D-4558-9D09-5692A5838409}" type="datetimeFigureOut">
               <a:rPr lang="en-US" smtClean="0"/>
-              <a:t>7/26/2019</a:t>
+              <a:t>10/28/2019</a:t>
             </a:fld>
             <a:endParaRPr lang="en-US"/>
           </a:p>
@@ -6398,7 +6485,7 @@
             <a:fld id="{055373AC-9AA7-423B-BA00-BA1C74164DBD}" type="datetime1">
               <a:rPr lang="en-US" smtClean="0"/>
               <a:pPr/>
-              <a:t>7/26/2019</a:t>
+              <a:t>10/28/2019</a:t>
             </a:fld>
             <a:endParaRPr lang="en-US" dirty="0"/>
           </a:p>
@@ -6711,7 +6798,7 @@
             <a:fld id="{055373AC-9AA7-423B-BA00-BA1C74164DBD}" type="datetime1">
               <a:rPr lang="en-US" smtClean="0"/>
               <a:pPr/>
-              <a:t>7/26/2019</a:t>
+              <a:t>10/28/2019</a:t>
             </a:fld>
             <a:endParaRPr lang="en-US" dirty="0"/>
           </a:p>
@@ -7024,7 +7111,7 @@
             <a:fld id="{055373AC-9AA7-423B-BA00-BA1C74164DBD}" type="datetime1">
               <a:rPr lang="en-US" smtClean="0"/>
               <a:pPr/>
-              <a:t>7/26/2019</a:t>
+              <a:t>10/28/2019</a:t>
             </a:fld>
             <a:endParaRPr lang="en-US" dirty="0"/>
           </a:p>
@@ -7587,7 +7674,7 @@
           <a:p>
             <a:fld id="{B60D4550-665D-4558-9D09-5692A5838409}" type="datetimeFigureOut">
               <a:rPr lang="en-US" smtClean="0"/>
-              <a:t>7/26/2019</a:t>
+              <a:t>10/28/2019</a:t>
             </a:fld>
             <a:endParaRPr lang="en-US"/>
           </a:p>
@@ -8297,7 +8384,7 @@
           <a:p>
             <a:fld id="{B60D4550-665D-4558-9D09-5692A5838409}" type="datetimeFigureOut">
               <a:rPr lang="en-US" smtClean="0"/>
-              <a:t>7/26/2019</a:t>
+              <a:t>10/28/2019</a:t>
             </a:fld>
             <a:endParaRPr lang="en-US"/>
           </a:p>
@@ -8705,7 +8792,7 @@
           <a:p>
             <a:fld id="{B60D4550-665D-4558-9D09-5692A5838409}" type="datetimeFigureOut">
               <a:rPr lang="en-US" smtClean="0"/>
-              <a:t>7/26/2019</a:t>
+              <a:t>10/28/2019</a:t>
             </a:fld>
             <a:endParaRPr lang="en-US"/>
           </a:p>
@@ -9071,7 +9158,7 @@
           <a:p>
             <a:fld id="{B60D4550-665D-4558-9D09-5692A5838409}" type="datetimeFigureOut">
               <a:rPr lang="en-US" smtClean="0"/>
-              <a:t>7/26/2019</a:t>
+              <a:t>10/28/2019</a:t>
             </a:fld>
             <a:endParaRPr lang="en-US"/>
           </a:p>
@@ -9736,7 +9823,7 @@
           <a:p>
             <a:fld id="{B60D4550-665D-4558-9D09-5692A5838409}" type="datetimeFigureOut">
               <a:rPr lang="en-US" smtClean="0"/>
-              <a:t>7/26/2019</a:t>
+              <a:t>10/28/2019</a:t>
             </a:fld>
             <a:endParaRPr lang="en-US"/>
           </a:p>
@@ -10194,7 +10281,7 @@
           <a:p>
             <a:fld id="{B60D4550-665D-4558-9D09-5692A5838409}" type="datetimeFigureOut">
               <a:rPr lang="en-US" smtClean="0"/>
-              <a:t>7/26/2019</a:t>
+              <a:t>10/28/2019</a:t>
             </a:fld>
             <a:endParaRPr lang="en-US"/>
           </a:p>
@@ -10375,7 +10462,7 @@
           <a:p>
             <a:fld id="{B60D4550-665D-4558-9D09-5692A5838409}" type="datetimeFigureOut">
               <a:rPr lang="en-US" smtClean="0"/>
-              <a:t>7/26/2019</a:t>
+              <a:t>10/28/2019</a:t>
             </a:fld>
             <a:endParaRPr lang="en-US"/>
           </a:p>
@@ -14156,6 +14243,6103 @@
       </p:grpSpPr>
       <p:sp>
         <p:nvSpPr>
+          <p:cNvPr id="2" name="Text Placeholder 1"/>
+          <p:cNvSpPr>
+            <a:spLocks noGrp="1"/>
+          </p:cNvSpPr>
+          <p:nvPr>
+            <p:ph type="body" sz="quarter" idx="10"/>
+          </p:nvPr>
+        </p:nvSpPr>
+        <p:spPr/>
+        <p:txBody>
+          <a:bodyPr>
+            <a:normAutofit fontScale="92500" lnSpcReduction="20000"/>
+          </a:bodyPr>
+          <a:lstStyle/>
+          <a:p>
+            <a:r>
+              <a:rPr lang="en-US" sz="3500" dirty="0"/>
+              <a:t>Create a </a:t>
+            </a:r>
+            <a:r>
+              <a:rPr lang="en-US" sz="3500" b="1" dirty="0">
+                <a:solidFill>
+                  <a:schemeClr val="bg1"/>
+                </a:solidFill>
+                <a:latin typeface="Consolas" panose="020B0609020204030204" pitchFamily="49" charset="0"/>
+              </a:rPr>
+              <a:t>webpack.config.js</a:t>
+            </a:r>
+            <a:r>
+              <a:rPr lang="en-US" sz="3500" dirty="0"/>
+              <a:t> to </a:t>
+            </a:r>
+            <a:r>
+              <a:rPr lang="en-US" sz="3500" b="1" dirty="0">
+                <a:solidFill>
+                  <a:schemeClr val="bg1"/>
+                </a:solidFill>
+              </a:rPr>
+              <a:t>automate</a:t>
+            </a:r>
+            <a:r>
+              <a:rPr lang="en-US" sz="3500" dirty="0"/>
+              <a:t> your build</a:t>
+            </a:r>
+          </a:p>
+          <a:p>
+            <a:pPr lvl="1"/>
+            <a:r>
+              <a:rPr lang="en-US" sz="3200" dirty="0"/>
+              <a:t>Configuration is in JSON format</a:t>
+            </a:r>
+          </a:p>
+          <a:p>
+            <a:pPr>
+              <a:spcBef>
+                <a:spcPts val="25200"/>
+              </a:spcBef>
+            </a:pPr>
+            <a:r>
+              <a:rPr lang="en-US" sz="3200" dirty="0"/>
+              <a:t>When running </a:t>
+            </a:r>
+            <a:r>
+              <a:rPr lang="en-US" sz="3200" b="1" noProof="1">
+                <a:solidFill>
+                  <a:schemeClr val="bg1"/>
+                </a:solidFill>
+              </a:rPr>
+              <a:t>webpack</a:t>
+            </a:r>
+            <a:r>
+              <a:rPr lang="en-US" sz="3200" dirty="0"/>
+              <a:t> from the terminal, it uses </a:t>
+            </a:r>
+            <a:br>
+              <a:rPr lang="bg-BG" sz="3200" dirty="0"/>
+            </a:br>
+            <a:r>
+              <a:rPr lang="en-US" sz="3200" dirty="0"/>
+              <a:t>this config</a:t>
+            </a:r>
+          </a:p>
+          <a:p>
+            <a:endParaRPr lang="en-US" dirty="0"/>
+          </a:p>
+        </p:txBody>
+      </p:sp>
+      <p:sp>
+        <p:nvSpPr>
+          <p:cNvPr id="3" name="Title 2"/>
+          <p:cNvSpPr>
+            <a:spLocks noGrp="1"/>
+          </p:cNvSpPr>
+          <p:nvPr>
+            <p:ph type="title"/>
+          </p:nvPr>
+        </p:nvSpPr>
+        <p:spPr/>
+        <p:txBody>
+          <a:bodyPr/>
+          <a:lstStyle/>
+          <a:p>
+            <a:r>
+              <a:rPr lang="en-US" dirty="0"/>
+              <a:t>Adding a Config File</a:t>
+            </a:r>
+          </a:p>
+        </p:txBody>
+      </p:sp>
+      <p:sp>
+        <p:nvSpPr>
+          <p:cNvPr id="4" name="Rectangle 3"/>
+          <p:cNvSpPr>
+            <a:spLocks noChangeArrowheads="1"/>
+          </p:cNvSpPr>
+          <p:nvPr/>
+        </p:nvSpPr>
+        <p:spPr bwMode="auto">
+          <a:xfrm>
+            <a:off x="2850945" y="2300372"/>
+            <a:ext cx="6845508" cy="2472197"/>
+          </a:xfrm>
+          <a:prstGeom prst="rect">
+            <a:avLst/>
+          </a:prstGeom>
+          <a:solidFill>
+            <a:schemeClr val="accent5">
+              <a:lumMod val="40000"/>
+              <a:lumOff val="60000"/>
+              <a:alpha val="15000"/>
+            </a:schemeClr>
+          </a:solidFill>
+          <a:ln w="12700">
+            <a:solidFill>
+              <a:schemeClr val="tx1">
+                <a:lumMod val="75000"/>
+              </a:schemeClr>
+            </a:solidFill>
+          </a:ln>
+        </p:spPr>
+        <p:txBody>
+          <a:bodyPr wrap="square" lIns="108000" tIns="72000" rIns="108000" bIns="72000">
+            <a:spAutoFit/>
+          </a:bodyPr>
+          <a:lstStyle/>
+          <a:p>
+            <a:pPr eaLnBrk="0" hangingPunct="0">
+              <a:lnSpc>
+                <a:spcPct val="105000"/>
+              </a:lnSpc>
+              <a:buClr>
+                <a:schemeClr val="accent5">
+                  <a:lumMod val="40000"/>
+                  <a:lumOff val="60000"/>
+                </a:schemeClr>
+              </a:buClr>
+              <a:buSzPct val="70000"/>
+            </a:pPr>
+            <a:r>
+              <a:rPr lang="en-US" sz="2400" b="1" noProof="1">
+                <a:latin typeface="Consolas" pitchFamily="49" charset="0"/>
+                <a:cs typeface="Consolas" pitchFamily="49" charset="0"/>
+              </a:rPr>
+              <a:t>module.exports = {</a:t>
+            </a:r>
+          </a:p>
+          <a:p>
+            <a:pPr eaLnBrk="0" hangingPunct="0">
+              <a:lnSpc>
+                <a:spcPct val="105000"/>
+              </a:lnSpc>
+              <a:buClr>
+                <a:schemeClr val="accent5">
+                  <a:lumMod val="40000"/>
+                  <a:lumOff val="60000"/>
+                </a:schemeClr>
+              </a:buClr>
+              <a:buSzPct val="70000"/>
+            </a:pPr>
+            <a:r>
+              <a:rPr lang="en-US" sz="2400" b="1" noProof="1">
+                <a:latin typeface="Consolas" pitchFamily="49" charset="0"/>
+                <a:cs typeface="Consolas" pitchFamily="49" charset="0"/>
+              </a:rPr>
+              <a:t>  </a:t>
+            </a:r>
+            <a:r>
+              <a:rPr lang="en-US" sz="2400" b="1" noProof="1">
+                <a:solidFill>
+                  <a:schemeClr val="bg1"/>
+                </a:solidFill>
+                <a:latin typeface="Consolas" pitchFamily="49" charset="0"/>
+                <a:cs typeface="Consolas" pitchFamily="49" charset="0"/>
+              </a:rPr>
+              <a:t>entry</a:t>
+            </a:r>
+            <a:r>
+              <a:rPr lang="en-US" sz="2400" b="1" noProof="1">
+                <a:latin typeface="Consolas" pitchFamily="49" charset="0"/>
+                <a:cs typeface="Consolas" pitchFamily="49" charset="0"/>
+              </a:rPr>
+              <a:t>: "./app.js",</a:t>
+            </a:r>
+          </a:p>
+          <a:p>
+            <a:pPr eaLnBrk="0" hangingPunct="0">
+              <a:lnSpc>
+                <a:spcPct val="105000"/>
+              </a:lnSpc>
+              <a:buClr>
+                <a:schemeClr val="accent5">
+                  <a:lumMod val="40000"/>
+                  <a:lumOff val="60000"/>
+                </a:schemeClr>
+              </a:buClr>
+              <a:buSzPct val="70000"/>
+            </a:pPr>
+            <a:r>
+              <a:rPr lang="en-US" sz="2400" b="1" noProof="1">
+                <a:latin typeface="Consolas" pitchFamily="49" charset="0"/>
+                <a:cs typeface="Consolas" pitchFamily="49" charset="0"/>
+              </a:rPr>
+              <a:t>  </a:t>
+            </a:r>
+            <a:r>
+              <a:rPr lang="en-US" sz="2400" b="1" noProof="1">
+                <a:solidFill>
+                  <a:schemeClr val="bg1"/>
+                </a:solidFill>
+                <a:latin typeface="Consolas" pitchFamily="49" charset="0"/>
+                <a:cs typeface="Consolas" pitchFamily="49" charset="0"/>
+              </a:rPr>
+              <a:t>output</a:t>
+            </a:r>
+            <a:r>
+              <a:rPr lang="en-US" sz="2400" b="1" noProof="1">
+                <a:latin typeface="Consolas" pitchFamily="49" charset="0"/>
+                <a:cs typeface="Consolas" pitchFamily="49" charset="0"/>
+              </a:rPr>
+              <a:t>: {</a:t>
+            </a:r>
+          </a:p>
+          <a:p>
+            <a:pPr eaLnBrk="0" hangingPunct="0">
+              <a:lnSpc>
+                <a:spcPct val="105000"/>
+              </a:lnSpc>
+              <a:buClr>
+                <a:schemeClr val="accent5">
+                  <a:lumMod val="40000"/>
+                  <a:lumOff val="60000"/>
+                </a:schemeClr>
+              </a:buClr>
+              <a:buSzPct val="70000"/>
+            </a:pPr>
+            <a:r>
+              <a:rPr lang="en-US" sz="2400" b="1" noProof="1">
+                <a:latin typeface="Consolas" pitchFamily="49" charset="0"/>
+                <a:cs typeface="Consolas" pitchFamily="49" charset="0"/>
+              </a:rPr>
+              <a:t>    </a:t>
+            </a:r>
+            <a:r>
+              <a:rPr lang="en-US" sz="2400" b="1" noProof="1">
+                <a:solidFill>
+                  <a:schemeClr val="bg1"/>
+                </a:solidFill>
+                <a:latin typeface="Consolas" pitchFamily="49" charset="0"/>
+                <a:cs typeface="Consolas" pitchFamily="49" charset="0"/>
+              </a:rPr>
+              <a:t>filename</a:t>
+            </a:r>
+            <a:r>
+              <a:rPr lang="en-US" sz="2400" b="1" noProof="1">
+                <a:latin typeface="Consolas" pitchFamily="49" charset="0"/>
+                <a:cs typeface="Consolas" pitchFamily="49" charset="0"/>
+              </a:rPr>
+              <a:t>: "bundle.js"</a:t>
+            </a:r>
+          </a:p>
+          <a:p>
+            <a:pPr eaLnBrk="0" hangingPunct="0">
+              <a:lnSpc>
+                <a:spcPct val="105000"/>
+              </a:lnSpc>
+              <a:buClr>
+                <a:schemeClr val="accent5">
+                  <a:lumMod val="40000"/>
+                  <a:lumOff val="60000"/>
+                </a:schemeClr>
+              </a:buClr>
+              <a:buSzPct val="70000"/>
+            </a:pPr>
+            <a:r>
+              <a:rPr lang="en-US" sz="2400" b="1" noProof="1">
+                <a:latin typeface="Consolas" pitchFamily="49" charset="0"/>
+                <a:cs typeface="Consolas" pitchFamily="49" charset="0"/>
+              </a:rPr>
+              <a:t>  }</a:t>
+            </a:r>
+          </a:p>
+          <a:p>
+            <a:pPr eaLnBrk="0" hangingPunct="0">
+              <a:lnSpc>
+                <a:spcPct val="105000"/>
+              </a:lnSpc>
+              <a:buClr>
+                <a:schemeClr val="accent5">
+                  <a:lumMod val="40000"/>
+                  <a:lumOff val="60000"/>
+                </a:schemeClr>
+              </a:buClr>
+              <a:buSzPct val="70000"/>
+            </a:pPr>
+            <a:r>
+              <a:rPr lang="en-US" sz="2400" b="1" noProof="1">
+                <a:latin typeface="Consolas" pitchFamily="49" charset="0"/>
+                <a:cs typeface="Consolas" pitchFamily="49" charset="0"/>
+              </a:rPr>
+              <a:t>};</a:t>
+            </a:r>
+            <a:endParaRPr lang="en-US" sz="2400" b="1" noProof="1">
+              <a:solidFill>
+                <a:schemeClr val="tx2">
+                  <a:lumMod val="75000"/>
+                </a:schemeClr>
+              </a:solidFill>
+              <a:latin typeface="Consolas" panose="020B0609020204030204" pitchFamily="49" charset="0"/>
+            </a:endParaRPr>
+          </a:p>
+        </p:txBody>
+      </p:sp>
+      <p:sp>
+        <p:nvSpPr>
+          <p:cNvPr id="6" name="Закръглено правоъгълно изнесено означение 7"/>
+          <p:cNvSpPr/>
+          <p:nvPr/>
+        </p:nvSpPr>
+        <p:spPr bwMode="auto">
+          <a:xfrm>
+            <a:off x="6750204" y="2499360"/>
+            <a:ext cx="2743202" cy="554993"/>
+          </a:xfrm>
+          <a:prstGeom prst="wedgeRoundRectCallout">
+            <a:avLst>
+              <a:gd name="adj1" fmla="val -61722"/>
+              <a:gd name="adj2" fmla="val 30564"/>
+              <a:gd name="adj3" fmla="val 16667"/>
+            </a:avLst>
+          </a:prstGeom>
+          <a:solidFill>
+            <a:srgbClr val="234465">
+              <a:alpha val="80000"/>
+            </a:srgbClr>
+          </a:solidFill>
+          <a:ln w="19050" cap="flat" cmpd="sng" algn="ctr">
+            <a:solidFill>
+              <a:srgbClr val="234465">
+                <a:lumMod val="75000"/>
+                <a:alpha val="80000"/>
+              </a:srgbClr>
+            </a:solidFill>
+            <a:prstDash val="solid"/>
+          </a:ln>
+          <a:effectLst/>
+        </p:spPr>
+        <p:txBody>
+          <a:bodyPr rot="0" spcFirstLastPara="0" vertOverflow="overflow" horzOverflow="overflow" vert="horz" wrap="square" lIns="91440" tIns="45720" rIns="91440" bIns="45720" numCol="1" spcCol="0" rtlCol="0" fromWordArt="0" anchor="ctr" anchorCtr="0" forceAA="0" compatLnSpc="1">
+            <a:prstTxWarp prst="textNoShape">
+              <a:avLst/>
+            </a:prstTxWarp>
+            <a:noAutofit/>
+          </a:bodyPr>
+          <a:lstStyle/>
+          <a:p>
+            <a:pPr algn="ctr"/>
+            <a:r>
+              <a:rPr lang="en-US" sz="3000" noProof="1">
+                <a:solidFill>
+                  <a:srgbClr val="FFFFFF"/>
+                </a:solidFill>
+              </a:rPr>
+              <a:t>Starting module</a:t>
+            </a:r>
+            <a:endParaRPr lang="en-US" sz="3000" b="1" noProof="1">
+              <a:solidFill>
+                <a:schemeClr val="tx2">
+                  <a:lumMod val="75000"/>
+                </a:schemeClr>
+              </a:solidFill>
+              <a:latin typeface="Consolas" panose="020B0609020204030204" pitchFamily="49" charset="0"/>
+            </a:endParaRPr>
+          </a:p>
+        </p:txBody>
+      </p:sp>
+      <p:sp>
+        <p:nvSpPr>
+          <p:cNvPr id="7" name="Закръглено правоъгълно изнесено означение 7"/>
+          <p:cNvSpPr/>
+          <p:nvPr/>
+        </p:nvSpPr>
+        <p:spPr bwMode="auto">
+          <a:xfrm>
+            <a:off x="6750204" y="3956084"/>
+            <a:ext cx="2743203" cy="554993"/>
+          </a:xfrm>
+          <a:prstGeom prst="wedgeRoundRectCallout">
+            <a:avLst>
+              <a:gd name="adj1" fmla="val -60905"/>
+              <a:gd name="adj2" fmla="val -48036"/>
+              <a:gd name="adj3" fmla="val 16667"/>
+            </a:avLst>
+          </a:prstGeom>
+          <a:solidFill>
+            <a:srgbClr val="234465">
+              <a:alpha val="80000"/>
+            </a:srgbClr>
+          </a:solidFill>
+          <a:ln w="19050" cap="flat" cmpd="sng" algn="ctr">
+            <a:solidFill>
+              <a:srgbClr val="234465">
+                <a:lumMod val="75000"/>
+                <a:alpha val="80000"/>
+              </a:srgbClr>
+            </a:solidFill>
+            <a:prstDash val="solid"/>
+          </a:ln>
+          <a:effectLst/>
+        </p:spPr>
+        <p:txBody>
+          <a:bodyPr rot="0" spcFirstLastPara="0" vertOverflow="overflow" horzOverflow="overflow" vert="horz" wrap="square" lIns="91440" tIns="45720" rIns="91440" bIns="45720" numCol="1" spcCol="0" rtlCol="0" fromWordArt="0" anchor="ctr" anchorCtr="0" forceAA="0" compatLnSpc="1">
+            <a:prstTxWarp prst="textNoShape">
+              <a:avLst/>
+            </a:prstTxWarp>
+            <a:noAutofit/>
+          </a:bodyPr>
+          <a:lstStyle/>
+          <a:p>
+            <a:pPr algn="ctr"/>
+            <a:r>
+              <a:rPr lang="en-US" sz="3000" noProof="1">
+                <a:solidFill>
+                  <a:srgbClr val="FFFFFF"/>
+                </a:solidFill>
+              </a:rPr>
+              <a:t>Final output file</a:t>
+            </a:r>
+            <a:endParaRPr lang="en-US" sz="3000" b="1" noProof="1">
+              <a:solidFill>
+                <a:schemeClr val="tx2">
+                  <a:lumMod val="75000"/>
+                </a:schemeClr>
+              </a:solidFill>
+              <a:latin typeface="Consolas" panose="020B0609020204030204" pitchFamily="49" charset="0"/>
+            </a:endParaRPr>
+          </a:p>
+        </p:txBody>
+      </p:sp>
+    </p:spTree>
+    <p:extLst>
+      <p:ext uri="{BB962C8B-B14F-4D97-AF65-F5344CB8AC3E}">
+        <p14:creationId xmlns:p14="http://schemas.microsoft.com/office/powerpoint/2010/main" val="638488513"/>
+      </p:ext>
+    </p:extLst>
+  </p:cSld>
+  <p:clrMapOvr>
+    <a:masterClrMapping/>
+  </p:clrMapOvr>
+  <p:timing>
+    <p:tnLst>
+      <p:par>
+        <p:cTn id="1" dur="indefinite" restart="never" nodeType="tmRoot">
+          <p:childTnLst>
+            <p:seq concurrent="1" nextAc="seek">
+              <p:cTn id="2" dur="indefinite" nodeType="mainSeq">
+                <p:childTnLst>
+                  <p:par>
+                    <p:cTn id="3" fill="hold">
+                      <p:stCondLst>
+                        <p:cond delay="indefinite"/>
+                      </p:stCondLst>
+                      <p:childTnLst>
+                        <p:par>
+                          <p:cTn id="4" fill="hold">
+                            <p:stCondLst>
+                              <p:cond delay="0"/>
+                            </p:stCondLst>
+                            <p:childTnLst>
+                              <p:par>
+                                <p:cTn id="5" presetID="1" presetClass="entr" presetSubtype="0" fill="hold" nodeType="clickEffect">
+                                  <p:stCondLst>
+                                    <p:cond delay="0"/>
+                                  </p:stCondLst>
+                                  <p:childTnLst>
+                                    <p:set>
+                                      <p:cBhvr>
+                                        <p:cTn id="6" dur="1" fill="hold">
+                                          <p:stCondLst>
+                                            <p:cond delay="0"/>
+                                          </p:stCondLst>
+                                        </p:cTn>
+                                        <p:tgtEl>
+                                          <p:spTgt spid="4">
+                                            <p:txEl>
+                                              <p:pRg st="1" end="1"/>
+                                            </p:txEl>
+                                          </p:spTgt>
+                                        </p:tgtEl>
+                                        <p:attrNameLst>
+                                          <p:attrName>style.visibility</p:attrName>
+                                        </p:attrNameLst>
+                                      </p:cBhvr>
+                                      <p:to>
+                                        <p:strVal val="visible"/>
+                                      </p:to>
+                                    </p:set>
+                                  </p:childTnLst>
+                                </p:cTn>
+                              </p:par>
+                              <p:par>
+                                <p:cTn id="7" presetID="1" presetClass="entr" presetSubtype="0" fill="hold" nodeType="withEffect">
+                                  <p:stCondLst>
+                                    <p:cond delay="0"/>
+                                  </p:stCondLst>
+                                  <p:childTnLst>
+                                    <p:set>
+                                      <p:cBhvr>
+                                        <p:cTn id="8" dur="1" fill="hold">
+                                          <p:stCondLst>
+                                            <p:cond delay="0"/>
+                                          </p:stCondLst>
+                                        </p:cTn>
+                                        <p:tgtEl>
+                                          <p:spTgt spid="4">
+                                            <p:txEl>
+                                              <p:pRg st="2" end="2"/>
+                                            </p:txEl>
+                                          </p:spTgt>
+                                        </p:tgtEl>
+                                        <p:attrNameLst>
+                                          <p:attrName>style.visibility</p:attrName>
+                                        </p:attrNameLst>
+                                      </p:cBhvr>
+                                      <p:to>
+                                        <p:strVal val="visible"/>
+                                      </p:to>
+                                    </p:set>
+                                  </p:childTnLst>
+                                </p:cTn>
+                              </p:par>
+                              <p:par>
+                                <p:cTn id="9" presetID="1" presetClass="entr" presetSubtype="0" fill="hold" nodeType="withEffect">
+                                  <p:stCondLst>
+                                    <p:cond delay="0"/>
+                                  </p:stCondLst>
+                                  <p:childTnLst>
+                                    <p:set>
+                                      <p:cBhvr>
+                                        <p:cTn id="10" dur="1" fill="hold">
+                                          <p:stCondLst>
+                                            <p:cond delay="0"/>
+                                          </p:stCondLst>
+                                        </p:cTn>
+                                        <p:tgtEl>
+                                          <p:spTgt spid="4">
+                                            <p:txEl>
+                                              <p:pRg st="3" end="3"/>
+                                            </p:txEl>
+                                          </p:spTgt>
+                                        </p:tgtEl>
+                                        <p:attrNameLst>
+                                          <p:attrName>style.visibility</p:attrName>
+                                        </p:attrNameLst>
+                                      </p:cBhvr>
+                                      <p:to>
+                                        <p:strVal val="visible"/>
+                                      </p:to>
+                                    </p:set>
+                                  </p:childTnLst>
+                                </p:cTn>
+                              </p:par>
+                            </p:childTnLst>
+                          </p:cTn>
+                        </p:par>
+                      </p:childTnLst>
+                    </p:cTn>
+                  </p:par>
+                  <p:par>
+                    <p:cTn id="11" fill="hold">
+                      <p:stCondLst>
+                        <p:cond delay="indefinite"/>
+                      </p:stCondLst>
+                      <p:childTnLst>
+                        <p:par>
+                          <p:cTn id="12" fill="hold">
+                            <p:stCondLst>
+                              <p:cond delay="0"/>
+                            </p:stCondLst>
+                            <p:childTnLst>
+                              <p:par>
+                                <p:cTn id="13" presetID="1" presetClass="entr" presetSubtype="0" fill="hold" grpId="0" nodeType="clickEffect">
+                                  <p:stCondLst>
+                                    <p:cond delay="0"/>
+                                  </p:stCondLst>
+                                  <p:childTnLst>
+                                    <p:set>
+                                      <p:cBhvr>
+                                        <p:cTn id="14" dur="1" fill="hold">
+                                          <p:stCondLst>
+                                            <p:cond delay="0"/>
+                                          </p:stCondLst>
+                                        </p:cTn>
+                                        <p:tgtEl>
+                                          <p:spTgt spid="6"/>
+                                        </p:tgtEl>
+                                        <p:attrNameLst>
+                                          <p:attrName>style.visibility</p:attrName>
+                                        </p:attrNameLst>
+                                      </p:cBhvr>
+                                      <p:to>
+                                        <p:strVal val="visible"/>
+                                      </p:to>
+                                    </p:set>
+                                  </p:childTnLst>
+                                </p:cTn>
+                              </p:par>
+                            </p:childTnLst>
+                          </p:cTn>
+                        </p:par>
+                      </p:childTnLst>
+                    </p:cTn>
+                  </p:par>
+                  <p:par>
+                    <p:cTn id="15" fill="hold">
+                      <p:stCondLst>
+                        <p:cond delay="indefinite"/>
+                      </p:stCondLst>
+                      <p:childTnLst>
+                        <p:par>
+                          <p:cTn id="16" fill="hold">
+                            <p:stCondLst>
+                              <p:cond delay="0"/>
+                            </p:stCondLst>
+                            <p:childTnLst>
+                              <p:par>
+                                <p:cTn id="17" presetID="1" presetClass="entr" presetSubtype="0" fill="hold" grpId="0" nodeType="clickEffect">
+                                  <p:stCondLst>
+                                    <p:cond delay="0"/>
+                                  </p:stCondLst>
+                                  <p:childTnLst>
+                                    <p:set>
+                                      <p:cBhvr>
+                                        <p:cTn id="18" dur="1" fill="hold">
+                                          <p:stCondLst>
+                                            <p:cond delay="0"/>
+                                          </p:stCondLst>
+                                        </p:cTn>
+                                        <p:tgtEl>
+                                          <p:spTgt spid="7"/>
+                                        </p:tgtEl>
+                                        <p:attrNameLst>
+                                          <p:attrName>style.visibility</p:attrName>
+                                        </p:attrNameLst>
+                                      </p:cBhvr>
+                                      <p:to>
+                                        <p:strVal val="visible"/>
+                                      </p:to>
+                                    </p:set>
+                                  </p:childTnLst>
+                                </p:cTn>
+                              </p:par>
+                            </p:childTnLst>
+                          </p:cTn>
+                        </p:par>
+                      </p:childTnLst>
+                    </p:cTn>
+                  </p:par>
+                  <p:par>
+                    <p:cTn id="19" fill="hold">
+                      <p:stCondLst>
+                        <p:cond delay="indefinite"/>
+                      </p:stCondLst>
+                      <p:childTnLst>
+                        <p:par>
+                          <p:cTn id="20" fill="hold">
+                            <p:stCondLst>
+                              <p:cond delay="0"/>
+                            </p:stCondLst>
+                            <p:childTnLst>
+                              <p:par>
+                                <p:cTn id="21" presetID="1" presetClass="entr" presetSubtype="0" fill="hold" nodeType="clickEffect">
+                                  <p:stCondLst>
+                                    <p:cond delay="0"/>
+                                  </p:stCondLst>
+                                  <p:childTnLst>
+                                    <p:set>
+                                      <p:cBhvr>
+                                        <p:cTn id="22" dur="1" fill="hold">
+                                          <p:stCondLst>
+                                            <p:cond delay="0"/>
+                                          </p:stCondLst>
+                                        </p:cTn>
+                                        <p:tgtEl>
+                                          <p:spTgt spid="2">
+                                            <p:txEl>
+                                              <p:pRg st="2" end="2"/>
+                                            </p:txEl>
+                                          </p:spTgt>
+                                        </p:tgtEl>
+                                        <p:attrNameLst>
+                                          <p:attrName>style.visibility</p:attrName>
+                                        </p:attrNameLst>
+                                      </p:cBhvr>
+                                      <p:to>
+                                        <p:strVal val="visible"/>
+                                      </p:to>
+                                    </p:set>
+                                  </p:childTnLst>
+                                </p:cTn>
+                              </p:par>
+                            </p:childTnLst>
+                          </p:cTn>
+                        </p:par>
+                      </p:childTnLst>
+                    </p:cTn>
+                  </p:par>
+                </p:childTnLst>
+              </p:cTn>
+              <p:prevCondLst>
+                <p:cond evt="onPrev" delay="0">
+                  <p:tgtEl>
+                    <p:sldTgt/>
+                  </p:tgtEl>
+                </p:cond>
+              </p:prevCondLst>
+              <p:nextCondLst>
+                <p:cond evt="onNext" delay="0">
+                  <p:tgtEl>
+                    <p:sldTgt/>
+                  </p:tgtEl>
+                </p:cond>
+              </p:nextCondLst>
+            </p:seq>
+          </p:childTnLst>
+        </p:cTn>
+      </p:par>
+    </p:tnLst>
+    <p:bldLst>
+      <p:bldP spid="6" grpId="0" animBg="1"/>
+      <p:bldP spid="7" grpId="0" animBg="1"/>
+    </p:bldLst>
+  </p:timing>
+</p:sld>
+</file>
+
+<file path=ppt/slides/slide17.xml><?xml version="1.0" encoding="utf-8"?>
+<p:sld xmlns:a="http://schemas.openxmlformats.org/drawingml/2006/main" xmlns:r="http://schemas.openxmlformats.org/officeDocument/2006/relationships" xmlns:p="http://schemas.openxmlformats.org/presentationml/2006/main">
+  <p:cSld>
+    <p:spTree>
+      <p:nvGrpSpPr>
+        <p:cNvPr id="1" name=""/>
+        <p:cNvGrpSpPr/>
+        <p:nvPr/>
+      </p:nvGrpSpPr>
+      <p:grpSpPr>
+        <a:xfrm>
+          <a:off x="0" y="0"/>
+          <a:ext cx="0" cy="0"/>
+          <a:chOff x="0" y="0"/>
+          <a:chExt cx="0" cy="0"/>
+        </a:xfrm>
+      </p:grpSpPr>
+      <p:sp>
+        <p:nvSpPr>
+          <p:cNvPr id="2" name="Text Placeholder 1"/>
+          <p:cNvSpPr>
+            <a:spLocks noGrp="1"/>
+          </p:cNvSpPr>
+          <p:nvPr>
+            <p:ph type="body" sz="quarter" idx="10"/>
+          </p:nvPr>
+        </p:nvSpPr>
+        <p:spPr/>
+        <p:txBody>
+          <a:bodyPr/>
+          <a:lstStyle/>
+          <a:p>
+            <a:pPr>
+              <a:spcBef>
+                <a:spcPts val="6000"/>
+              </a:spcBef>
+            </a:pPr>
+            <a:r>
+              <a:rPr lang="en-US" sz="3400" noProof="1"/>
+              <a:t>Webpack</a:t>
+            </a:r>
+            <a:r>
+              <a:rPr lang="en-US" sz="3400" dirty="0"/>
+              <a:t> can </a:t>
+            </a:r>
+            <a:r>
+              <a:rPr lang="en-US" sz="3400" b="1" dirty="0">
+                <a:solidFill>
+                  <a:schemeClr val="bg1"/>
+                </a:solidFill>
+              </a:rPr>
+              <a:t>watch</a:t>
+            </a:r>
+            <a:r>
+              <a:rPr lang="en-US" sz="3400" dirty="0"/>
+              <a:t> for file changes and </a:t>
+            </a:r>
+            <a:r>
+              <a:rPr lang="en-US" sz="3400" b="1" dirty="0">
+                <a:solidFill>
+                  <a:schemeClr val="bg1"/>
+                </a:solidFill>
+              </a:rPr>
+              <a:t>rebuild</a:t>
+            </a:r>
+            <a:r>
+              <a:rPr lang="en-US" sz="3400" dirty="0"/>
+              <a:t> the                        bundle</a:t>
+            </a:r>
+          </a:p>
+          <a:p>
+            <a:pPr lvl="1"/>
+            <a:r>
+              <a:rPr lang="en-US" sz="3200" dirty="0"/>
+              <a:t>Add an argument or change your </a:t>
+            </a:r>
+            <a:r>
+              <a:rPr lang="en-US" sz="3200" b="1" dirty="0">
+                <a:solidFill>
+                  <a:schemeClr val="bg1"/>
+                </a:solidFill>
+              </a:rPr>
+              <a:t>config file </a:t>
+            </a:r>
+            <a:r>
+              <a:rPr lang="en-US" sz="3200" dirty="0"/>
+              <a:t>to </a:t>
+            </a:r>
+            <a:br>
+              <a:rPr lang="bg-BG" sz="3200" dirty="0"/>
+            </a:br>
+            <a:r>
+              <a:rPr lang="en-US" sz="3200" dirty="0"/>
+              <a:t>enable </a:t>
+            </a:r>
+            <a:r>
+              <a:rPr lang="en-US" sz="3200" b="1" dirty="0">
+                <a:solidFill>
+                  <a:schemeClr val="bg1"/>
+                </a:solidFill>
+              </a:rPr>
+              <a:t>hot reloading</a:t>
+            </a:r>
+          </a:p>
+        </p:txBody>
+      </p:sp>
+      <p:sp>
+        <p:nvSpPr>
+          <p:cNvPr id="3" name="Title 2"/>
+          <p:cNvSpPr>
+            <a:spLocks noGrp="1"/>
+          </p:cNvSpPr>
+          <p:nvPr>
+            <p:ph type="title"/>
+          </p:nvPr>
+        </p:nvSpPr>
+        <p:spPr/>
+        <p:txBody>
+          <a:bodyPr/>
+          <a:lstStyle/>
+          <a:p>
+            <a:r>
+              <a:rPr lang="en-US" dirty="0"/>
+              <a:t>Enable Watch Mode</a:t>
+            </a:r>
+          </a:p>
+        </p:txBody>
+      </p:sp>
+      <p:sp>
+        <p:nvSpPr>
+          <p:cNvPr id="4" name="Rectangle 3"/>
+          <p:cNvSpPr>
+            <a:spLocks noChangeArrowheads="1"/>
+          </p:cNvSpPr>
+          <p:nvPr/>
+        </p:nvSpPr>
+        <p:spPr bwMode="auto">
+          <a:xfrm>
+            <a:off x="3236610" y="4415617"/>
+            <a:ext cx="4748351" cy="1696600"/>
+          </a:xfrm>
+          <a:prstGeom prst="rect">
+            <a:avLst/>
+          </a:prstGeom>
+          <a:solidFill>
+            <a:schemeClr val="accent5">
+              <a:lumMod val="40000"/>
+              <a:lumOff val="60000"/>
+              <a:alpha val="15000"/>
+            </a:schemeClr>
+          </a:solidFill>
+          <a:ln w="12700">
+            <a:solidFill>
+              <a:schemeClr val="tx1">
+                <a:lumMod val="75000"/>
+              </a:schemeClr>
+            </a:solidFill>
+          </a:ln>
+        </p:spPr>
+        <p:txBody>
+          <a:bodyPr wrap="square" lIns="108000" tIns="72000" rIns="108000" bIns="72000">
+            <a:spAutoFit/>
+          </a:bodyPr>
+          <a:lstStyle/>
+          <a:p>
+            <a:pPr eaLnBrk="0" hangingPunct="0">
+              <a:lnSpc>
+                <a:spcPct val="105000"/>
+              </a:lnSpc>
+              <a:buClr>
+                <a:schemeClr val="accent5">
+                  <a:lumMod val="40000"/>
+                  <a:lumOff val="60000"/>
+                </a:schemeClr>
+              </a:buClr>
+              <a:buSzPct val="70000"/>
+            </a:pPr>
+            <a:r>
+              <a:rPr lang="en-US" sz="2400" b="1" noProof="1">
+                <a:latin typeface="Consolas" pitchFamily="49" charset="0"/>
+                <a:cs typeface="Consolas" pitchFamily="49" charset="0"/>
+              </a:rPr>
+              <a:t>module.exports = {</a:t>
+            </a:r>
+          </a:p>
+          <a:p>
+            <a:pPr eaLnBrk="0" hangingPunct="0">
+              <a:lnSpc>
+                <a:spcPct val="105000"/>
+              </a:lnSpc>
+              <a:buClr>
+                <a:schemeClr val="accent5">
+                  <a:lumMod val="40000"/>
+                  <a:lumOff val="60000"/>
+                </a:schemeClr>
+              </a:buClr>
+              <a:buSzPct val="70000"/>
+            </a:pPr>
+            <a:r>
+              <a:rPr lang="en-US" sz="2400" b="1" noProof="1">
+                <a:latin typeface="Consolas" pitchFamily="49" charset="0"/>
+                <a:cs typeface="Consolas" pitchFamily="49" charset="0"/>
+              </a:rPr>
+              <a:t>  entry: … , output: … ,</a:t>
+            </a:r>
+          </a:p>
+          <a:p>
+            <a:pPr eaLnBrk="0" hangingPunct="0">
+              <a:lnSpc>
+                <a:spcPct val="105000"/>
+              </a:lnSpc>
+              <a:buClr>
+                <a:schemeClr val="accent5">
+                  <a:lumMod val="40000"/>
+                  <a:lumOff val="60000"/>
+                </a:schemeClr>
+              </a:buClr>
+              <a:buSzPct val="70000"/>
+            </a:pPr>
+            <a:r>
+              <a:rPr lang="en-US" sz="2400" b="1" noProof="1">
+                <a:latin typeface="Consolas" pitchFamily="49" charset="0"/>
+                <a:cs typeface="Consolas" pitchFamily="49" charset="0"/>
+              </a:rPr>
+              <a:t>  </a:t>
+            </a:r>
+            <a:r>
+              <a:rPr lang="en-US" sz="2400" b="1" noProof="1">
+                <a:solidFill>
+                  <a:schemeClr val="bg1"/>
+                </a:solidFill>
+                <a:latin typeface="Consolas" pitchFamily="49" charset="0"/>
+                <a:cs typeface="Consolas" pitchFamily="49" charset="0"/>
+              </a:rPr>
+              <a:t>watch</a:t>
+            </a:r>
+            <a:r>
+              <a:rPr lang="en-US" sz="2400" b="1" noProof="1">
+                <a:latin typeface="Consolas" pitchFamily="49" charset="0"/>
+                <a:cs typeface="Consolas" pitchFamily="49" charset="0"/>
+              </a:rPr>
+              <a:t>: true</a:t>
+            </a:r>
+          </a:p>
+          <a:p>
+            <a:pPr eaLnBrk="0" hangingPunct="0">
+              <a:lnSpc>
+                <a:spcPct val="105000"/>
+              </a:lnSpc>
+              <a:buClr>
+                <a:schemeClr val="accent5">
+                  <a:lumMod val="40000"/>
+                  <a:lumOff val="60000"/>
+                </a:schemeClr>
+              </a:buClr>
+              <a:buSzPct val="70000"/>
+            </a:pPr>
+            <a:r>
+              <a:rPr lang="en-US" sz="2400" b="1" noProof="1">
+                <a:latin typeface="Consolas" pitchFamily="49" charset="0"/>
+                <a:cs typeface="Consolas" pitchFamily="49" charset="0"/>
+              </a:rPr>
+              <a:t>};</a:t>
+            </a:r>
+          </a:p>
+        </p:txBody>
+      </p:sp>
+      <p:sp>
+        <p:nvSpPr>
+          <p:cNvPr id="5" name="Rectangle 3"/>
+          <p:cNvSpPr>
+            <a:spLocks noChangeArrowheads="1"/>
+          </p:cNvSpPr>
+          <p:nvPr/>
+        </p:nvSpPr>
+        <p:spPr bwMode="auto">
+          <a:xfrm>
+            <a:off x="3236610" y="3622604"/>
+            <a:ext cx="2753129" cy="533205"/>
+          </a:xfrm>
+          <a:prstGeom prst="rect">
+            <a:avLst/>
+          </a:prstGeom>
+          <a:solidFill>
+            <a:schemeClr val="accent5">
+              <a:lumMod val="40000"/>
+              <a:lumOff val="60000"/>
+              <a:alpha val="15000"/>
+            </a:schemeClr>
+          </a:solidFill>
+          <a:ln w="12700">
+            <a:solidFill>
+              <a:schemeClr val="tx1">
+                <a:lumMod val="75000"/>
+              </a:schemeClr>
+            </a:solidFill>
+          </a:ln>
+        </p:spPr>
+        <p:txBody>
+          <a:bodyPr wrap="square" lIns="108000" tIns="72000" rIns="108000" bIns="72000">
+            <a:spAutoFit/>
+          </a:bodyPr>
+          <a:lstStyle/>
+          <a:p>
+            <a:pPr eaLnBrk="0" hangingPunct="0">
+              <a:lnSpc>
+                <a:spcPct val="105000"/>
+              </a:lnSpc>
+              <a:buClr>
+                <a:schemeClr val="accent5">
+                  <a:lumMod val="40000"/>
+                  <a:lumOff val="60000"/>
+                </a:schemeClr>
+              </a:buClr>
+              <a:buSzPct val="70000"/>
+            </a:pPr>
+            <a:r>
+              <a:rPr lang="en-US" sz="2400" b="1" noProof="1">
+                <a:latin typeface="Consolas" pitchFamily="49" charset="0"/>
+              </a:rPr>
+              <a:t>webpack --</a:t>
+            </a:r>
+            <a:r>
+              <a:rPr lang="en-US" sz="2400" b="1" noProof="1">
+                <a:solidFill>
+                  <a:schemeClr val="bg1"/>
+                </a:solidFill>
+                <a:latin typeface="Consolas" pitchFamily="49" charset="0"/>
+              </a:rPr>
+              <a:t>watch</a:t>
+            </a:r>
+          </a:p>
+        </p:txBody>
+      </p:sp>
+    </p:spTree>
+    <p:extLst>
+      <p:ext uri="{BB962C8B-B14F-4D97-AF65-F5344CB8AC3E}">
+        <p14:creationId xmlns:p14="http://schemas.microsoft.com/office/powerpoint/2010/main" val="1441841785"/>
+      </p:ext>
+    </p:extLst>
+  </p:cSld>
+  <p:clrMapOvr>
+    <a:masterClrMapping/>
+  </p:clrMapOvr>
+  <p:timing>
+    <p:tnLst>
+      <p:par>
+        <p:cTn id="1" dur="indefinite" restart="never" nodeType="tmRoot">
+          <p:childTnLst>
+            <p:seq concurrent="1" nextAc="seek">
+              <p:cTn id="2" dur="indefinite" nodeType="mainSeq">
+                <p:childTnLst>
+                  <p:par>
+                    <p:cTn id="3" fill="hold">
+                      <p:stCondLst>
+                        <p:cond delay="indefinite"/>
+                      </p:stCondLst>
+                      <p:childTnLst>
+                        <p:par>
+                          <p:cTn id="4" fill="hold">
+                            <p:stCondLst>
+                              <p:cond delay="0"/>
+                            </p:stCondLst>
+                            <p:childTnLst>
+                              <p:par>
+                                <p:cTn id="5" presetID="1" presetClass="entr" presetSubtype="0" fill="hold" grpId="0" nodeType="clickEffect">
+                                  <p:stCondLst>
+                                    <p:cond delay="0"/>
+                                  </p:stCondLst>
+                                  <p:childTnLst>
+                                    <p:set>
+                                      <p:cBhvr>
+                                        <p:cTn id="6" dur="1" fill="hold">
+                                          <p:stCondLst>
+                                            <p:cond delay="0"/>
+                                          </p:stCondLst>
+                                        </p:cTn>
+                                        <p:tgtEl>
+                                          <p:spTgt spid="5"/>
+                                        </p:tgtEl>
+                                        <p:attrNameLst>
+                                          <p:attrName>style.visibility</p:attrName>
+                                        </p:attrNameLst>
+                                      </p:cBhvr>
+                                      <p:to>
+                                        <p:strVal val="visible"/>
+                                      </p:to>
+                                    </p:set>
+                                  </p:childTnLst>
+                                </p:cTn>
+                              </p:par>
+                            </p:childTnLst>
+                          </p:cTn>
+                        </p:par>
+                      </p:childTnLst>
+                    </p:cTn>
+                  </p:par>
+                  <p:par>
+                    <p:cTn id="7" fill="hold">
+                      <p:stCondLst>
+                        <p:cond delay="indefinite"/>
+                      </p:stCondLst>
+                      <p:childTnLst>
+                        <p:par>
+                          <p:cTn id="8" fill="hold">
+                            <p:stCondLst>
+                              <p:cond delay="0"/>
+                            </p:stCondLst>
+                            <p:childTnLst>
+                              <p:par>
+                                <p:cTn id="9" presetID="1" presetClass="entr" presetSubtype="0" fill="hold" grpId="0" nodeType="clickEffect">
+                                  <p:stCondLst>
+                                    <p:cond delay="0"/>
+                                  </p:stCondLst>
+                                  <p:childTnLst>
+                                    <p:set>
+                                      <p:cBhvr>
+                                        <p:cTn id="10" dur="1" fill="hold">
+                                          <p:stCondLst>
+                                            <p:cond delay="0"/>
+                                          </p:stCondLst>
+                                        </p:cTn>
+                                        <p:tgtEl>
+                                          <p:spTgt spid="4"/>
+                                        </p:tgtEl>
+                                        <p:attrNameLst>
+                                          <p:attrName>style.visibility</p:attrName>
+                                        </p:attrNameLst>
+                                      </p:cBhvr>
+                                      <p:to>
+                                        <p:strVal val="visible"/>
+                                      </p:to>
+                                    </p:set>
+                                  </p:childTnLst>
+                                </p:cTn>
+                              </p:par>
+                            </p:childTnLst>
+                          </p:cTn>
+                        </p:par>
+                      </p:childTnLst>
+                    </p:cTn>
+                  </p:par>
+                </p:childTnLst>
+              </p:cTn>
+              <p:prevCondLst>
+                <p:cond evt="onPrev" delay="0">
+                  <p:tgtEl>
+                    <p:sldTgt/>
+                  </p:tgtEl>
+                </p:cond>
+              </p:prevCondLst>
+              <p:nextCondLst>
+                <p:cond evt="onNext" delay="0">
+                  <p:tgtEl>
+                    <p:sldTgt/>
+                  </p:tgtEl>
+                </p:cond>
+              </p:nextCondLst>
+            </p:seq>
+          </p:childTnLst>
+        </p:cTn>
+      </p:par>
+    </p:tnLst>
+    <p:bldLst>
+      <p:bldP spid="4" grpId="0" animBg="1"/>
+      <p:bldP spid="5" grpId="0" animBg="1"/>
+    </p:bldLst>
+  </p:timing>
+</p:sld>
+</file>
+
+<file path=ppt/slides/slide18.xml><?xml version="1.0" encoding="utf-8"?>
+<p:sld xmlns:a="http://schemas.openxmlformats.org/drawingml/2006/main" xmlns:r="http://schemas.openxmlformats.org/officeDocument/2006/relationships" xmlns:p="http://schemas.openxmlformats.org/presentationml/2006/main">
+  <p:cSld>
+    <p:spTree>
+      <p:nvGrpSpPr>
+        <p:cNvPr id="1" name=""/>
+        <p:cNvGrpSpPr/>
+        <p:nvPr/>
+      </p:nvGrpSpPr>
+      <p:grpSpPr>
+        <a:xfrm>
+          <a:off x="0" y="0"/>
+          <a:ext cx="0" cy="0"/>
+          <a:chOff x="0" y="0"/>
+          <a:chExt cx="0" cy="0"/>
+        </a:xfrm>
+      </p:grpSpPr>
+      <p:sp>
+        <p:nvSpPr>
+          <p:cNvPr id="2" name="Text Placeholder 1"/>
+          <p:cNvSpPr>
+            <a:spLocks noGrp="1"/>
+          </p:cNvSpPr>
+          <p:nvPr>
+            <p:ph type="body" sz="quarter" idx="10"/>
+          </p:nvPr>
+        </p:nvSpPr>
+        <p:spPr/>
+        <p:txBody>
+          <a:bodyPr/>
+          <a:lstStyle/>
+          <a:p>
+            <a:r>
+              <a:rPr lang="en-US" sz="3200" noProof="1"/>
+              <a:t>Run the </a:t>
+            </a:r>
+            <a:r>
+              <a:rPr lang="en-US" sz="3200" b="1" noProof="1">
+                <a:solidFill>
+                  <a:schemeClr val="bg1"/>
+                </a:solidFill>
+              </a:rPr>
+              <a:t>development server </a:t>
+            </a:r>
+            <a:r>
+              <a:rPr lang="en-US" sz="3200" noProof="1"/>
+              <a:t>from the terminal</a:t>
+            </a:r>
+          </a:p>
+          <a:p>
+            <a:pPr lvl="1"/>
+            <a:endParaRPr lang="en-US" sz="3200" dirty="0"/>
+          </a:p>
+          <a:p>
+            <a:pPr lvl="1"/>
+            <a:r>
+              <a:rPr lang="en-US" sz="3200" dirty="0"/>
+              <a:t>Change your </a:t>
+            </a:r>
+            <a:r>
+              <a:rPr lang="en-US" sz="3200" b="1" dirty="0">
+                <a:solidFill>
+                  <a:schemeClr val="bg1"/>
+                </a:solidFill>
+              </a:rPr>
+              <a:t>config file </a:t>
+            </a:r>
+            <a:r>
+              <a:rPr lang="en-US" sz="3200" dirty="0"/>
+              <a:t>to enable </a:t>
+            </a:r>
+            <a:r>
+              <a:rPr lang="en-US" sz="3200" b="1" dirty="0">
+                <a:solidFill>
+                  <a:schemeClr val="bg1"/>
+                </a:solidFill>
+              </a:rPr>
+              <a:t>hot reloading</a:t>
+            </a:r>
+          </a:p>
+          <a:p>
+            <a:endParaRPr lang="en-US" dirty="0"/>
+          </a:p>
+        </p:txBody>
+      </p:sp>
+      <p:sp>
+        <p:nvSpPr>
+          <p:cNvPr id="3" name="Title 2"/>
+          <p:cNvSpPr>
+            <a:spLocks noGrp="1"/>
+          </p:cNvSpPr>
+          <p:nvPr>
+            <p:ph type="title"/>
+          </p:nvPr>
+        </p:nvSpPr>
+        <p:spPr/>
+        <p:txBody>
+          <a:bodyPr/>
+          <a:lstStyle/>
+          <a:p>
+            <a:r>
+              <a:rPr lang="en-US" dirty="0"/>
+              <a:t>Web Server with Watch Mode</a:t>
+            </a:r>
+          </a:p>
+        </p:txBody>
+      </p:sp>
+      <p:sp>
+        <p:nvSpPr>
+          <p:cNvPr id="4" name="Rectangle 3"/>
+          <p:cNvSpPr>
+            <a:spLocks noChangeArrowheads="1"/>
+          </p:cNvSpPr>
+          <p:nvPr/>
+        </p:nvSpPr>
+        <p:spPr bwMode="auto">
+          <a:xfrm>
+            <a:off x="3227535" y="1809843"/>
+            <a:ext cx="3784101" cy="533205"/>
+          </a:xfrm>
+          <a:prstGeom prst="rect">
+            <a:avLst/>
+          </a:prstGeom>
+          <a:solidFill>
+            <a:schemeClr val="accent5">
+              <a:lumMod val="40000"/>
+              <a:lumOff val="60000"/>
+              <a:alpha val="15000"/>
+            </a:schemeClr>
+          </a:solidFill>
+          <a:ln w="12700">
+            <a:solidFill>
+              <a:schemeClr val="tx1">
+                <a:lumMod val="75000"/>
+              </a:schemeClr>
+            </a:solidFill>
+          </a:ln>
+        </p:spPr>
+        <p:txBody>
+          <a:bodyPr wrap="square" lIns="108000" tIns="72000" rIns="108000" bIns="72000">
+            <a:spAutoFit/>
+          </a:bodyPr>
+          <a:lstStyle/>
+          <a:p>
+            <a:pPr eaLnBrk="0" hangingPunct="0">
+              <a:lnSpc>
+                <a:spcPct val="105000"/>
+              </a:lnSpc>
+              <a:buClr>
+                <a:schemeClr val="accent5">
+                  <a:lumMod val="40000"/>
+                  <a:lumOff val="60000"/>
+                </a:schemeClr>
+              </a:buClr>
+              <a:buSzPct val="70000"/>
+            </a:pPr>
+            <a:r>
+              <a:rPr lang="en-US" sz="2400" b="1" noProof="1">
+                <a:solidFill>
+                  <a:schemeClr val="bg1"/>
+                </a:solidFill>
+                <a:latin typeface="Consolas" pitchFamily="49" charset="0"/>
+                <a:cs typeface="Consolas" pitchFamily="49" charset="0"/>
+              </a:rPr>
+              <a:t>webpack-dev-server -g</a:t>
+            </a:r>
+          </a:p>
+        </p:txBody>
+      </p:sp>
+      <p:sp>
+        <p:nvSpPr>
+          <p:cNvPr id="5" name="Rectangle 3"/>
+          <p:cNvSpPr>
+            <a:spLocks noChangeArrowheads="1"/>
+          </p:cNvSpPr>
+          <p:nvPr/>
+        </p:nvSpPr>
+        <p:spPr bwMode="auto">
+          <a:xfrm>
+            <a:off x="3227535" y="3429000"/>
+            <a:ext cx="4918175" cy="2842235"/>
+          </a:xfrm>
+          <a:prstGeom prst="rect">
+            <a:avLst/>
+          </a:prstGeom>
+          <a:solidFill>
+            <a:schemeClr val="accent5">
+              <a:lumMod val="40000"/>
+              <a:lumOff val="60000"/>
+              <a:alpha val="15000"/>
+            </a:schemeClr>
+          </a:solidFill>
+          <a:ln w="12700">
+            <a:solidFill>
+              <a:schemeClr val="tx1">
+                <a:lumMod val="75000"/>
+              </a:schemeClr>
+            </a:solidFill>
+          </a:ln>
+        </p:spPr>
+        <p:txBody>
+          <a:bodyPr wrap="square" lIns="108000" tIns="72000" rIns="108000" bIns="72000">
+            <a:spAutoFit/>
+          </a:bodyPr>
+          <a:lstStyle/>
+          <a:p>
+            <a:pPr eaLnBrk="0" hangingPunct="0">
+              <a:lnSpc>
+                <a:spcPct val="105000"/>
+              </a:lnSpc>
+              <a:buClr>
+                <a:schemeClr val="accent5">
+                  <a:lumMod val="40000"/>
+                  <a:lumOff val="60000"/>
+                </a:schemeClr>
+              </a:buClr>
+              <a:buSzPct val="70000"/>
+            </a:pPr>
+            <a:r>
+              <a:rPr lang="en-US" sz="2400" b="1" noProof="1">
+                <a:latin typeface="Consolas" pitchFamily="49" charset="0"/>
+                <a:cs typeface="Consolas" pitchFamily="49" charset="0"/>
+              </a:rPr>
+              <a:t>module.exports = {</a:t>
+            </a:r>
+          </a:p>
+          <a:p>
+            <a:pPr eaLnBrk="0" hangingPunct="0">
+              <a:lnSpc>
+                <a:spcPct val="105000"/>
+              </a:lnSpc>
+              <a:buClr>
+                <a:schemeClr val="accent5">
+                  <a:lumMod val="40000"/>
+                  <a:lumOff val="60000"/>
+                </a:schemeClr>
+              </a:buClr>
+              <a:buSzPct val="70000"/>
+            </a:pPr>
+            <a:r>
+              <a:rPr lang="en-US" sz="2400" b="1" noProof="1">
+                <a:latin typeface="Consolas" pitchFamily="49" charset="0"/>
+                <a:cs typeface="Consolas" pitchFamily="49" charset="0"/>
+              </a:rPr>
+              <a:t>  entry: … , output: … ,</a:t>
+            </a:r>
+          </a:p>
+          <a:p>
+            <a:pPr eaLnBrk="0" hangingPunct="0">
+              <a:lnSpc>
+                <a:spcPct val="105000"/>
+              </a:lnSpc>
+              <a:buClr>
+                <a:schemeClr val="accent5">
+                  <a:lumMod val="40000"/>
+                  <a:lumOff val="60000"/>
+                </a:schemeClr>
+              </a:buClr>
+              <a:buSzPct val="70000"/>
+            </a:pPr>
+            <a:r>
+              <a:rPr lang="en-US" sz="2400" b="1" noProof="1">
+                <a:latin typeface="Consolas" pitchFamily="49" charset="0"/>
+                <a:cs typeface="Consolas" pitchFamily="49" charset="0"/>
+              </a:rPr>
+              <a:t>  </a:t>
+            </a:r>
+            <a:r>
+              <a:rPr lang="en-US" sz="2400" b="1" noProof="1">
+                <a:solidFill>
+                  <a:schemeClr val="bg1"/>
+                </a:solidFill>
+                <a:latin typeface="Consolas" pitchFamily="49" charset="0"/>
+                <a:cs typeface="Consolas" pitchFamily="49" charset="0"/>
+              </a:rPr>
+              <a:t>devServer</a:t>
+            </a:r>
+            <a:r>
+              <a:rPr lang="en-US" sz="2400" b="1" noProof="1">
+                <a:latin typeface="Consolas" pitchFamily="49" charset="0"/>
+                <a:cs typeface="Consolas" pitchFamily="49" charset="0"/>
+              </a:rPr>
+              <a:t>: {</a:t>
+            </a:r>
+          </a:p>
+          <a:p>
+            <a:pPr eaLnBrk="0" hangingPunct="0">
+              <a:lnSpc>
+                <a:spcPct val="105000"/>
+              </a:lnSpc>
+              <a:buClr>
+                <a:schemeClr val="accent5">
+                  <a:lumMod val="40000"/>
+                  <a:lumOff val="60000"/>
+                </a:schemeClr>
+              </a:buClr>
+              <a:buSzPct val="70000"/>
+            </a:pPr>
+            <a:r>
+              <a:rPr lang="en-US" sz="2400" b="1" noProof="1">
+                <a:latin typeface="Consolas" pitchFamily="49" charset="0"/>
+                <a:cs typeface="Consolas" pitchFamily="49" charset="0"/>
+              </a:rPr>
+              <a:t>    </a:t>
+            </a:r>
+            <a:r>
+              <a:rPr lang="en-US" sz="2400" b="1" noProof="1">
+                <a:solidFill>
+                  <a:schemeClr val="bg1"/>
+                </a:solidFill>
+                <a:latin typeface="Consolas" pitchFamily="49" charset="0"/>
+                <a:cs typeface="Consolas" pitchFamily="49" charset="0"/>
+              </a:rPr>
+              <a:t>publicPath</a:t>
+            </a:r>
+            <a:r>
+              <a:rPr lang="en-US" sz="2400" b="1" noProof="1">
+                <a:latin typeface="Consolas" pitchFamily="49" charset="0"/>
+                <a:cs typeface="Consolas" pitchFamily="49" charset="0"/>
+              </a:rPr>
+              <a:t>: "/dist/",</a:t>
+            </a:r>
+          </a:p>
+          <a:p>
+            <a:pPr eaLnBrk="0" hangingPunct="0">
+              <a:lnSpc>
+                <a:spcPct val="105000"/>
+              </a:lnSpc>
+              <a:buClr>
+                <a:schemeClr val="accent5">
+                  <a:lumMod val="40000"/>
+                  <a:lumOff val="60000"/>
+                </a:schemeClr>
+              </a:buClr>
+              <a:buSzPct val="70000"/>
+            </a:pPr>
+            <a:r>
+              <a:rPr lang="en-US" sz="2400" b="1" noProof="1">
+                <a:latin typeface="Consolas" pitchFamily="49" charset="0"/>
+                <a:cs typeface="Consolas" pitchFamily="49" charset="0"/>
+              </a:rPr>
+              <a:t>    </a:t>
+            </a:r>
+            <a:r>
+              <a:rPr lang="en-US" sz="2400" b="1" noProof="1">
+                <a:solidFill>
+                  <a:schemeClr val="bg1"/>
+                </a:solidFill>
+                <a:latin typeface="Consolas" pitchFamily="49" charset="0"/>
+                <a:cs typeface="Consolas" pitchFamily="49" charset="0"/>
+              </a:rPr>
+              <a:t>watchContentBase</a:t>
+            </a:r>
+            <a:r>
+              <a:rPr lang="en-US" sz="2400" b="1" noProof="1">
+                <a:latin typeface="Consolas" pitchFamily="49" charset="0"/>
+                <a:cs typeface="Consolas" pitchFamily="49" charset="0"/>
+              </a:rPr>
+              <a:t>: true,</a:t>
+            </a:r>
+          </a:p>
+          <a:p>
+            <a:pPr eaLnBrk="0" hangingPunct="0">
+              <a:lnSpc>
+                <a:spcPct val="105000"/>
+              </a:lnSpc>
+              <a:buClr>
+                <a:schemeClr val="accent5">
+                  <a:lumMod val="40000"/>
+                  <a:lumOff val="60000"/>
+                </a:schemeClr>
+              </a:buClr>
+              <a:buSzPct val="70000"/>
+            </a:pPr>
+            <a:r>
+              <a:rPr lang="en-US" sz="2400" b="1" noProof="1">
+                <a:latin typeface="Consolas" pitchFamily="49" charset="0"/>
+                <a:cs typeface="Consolas" pitchFamily="49" charset="0"/>
+              </a:rPr>
+              <a:t>  }</a:t>
+            </a:r>
+          </a:p>
+          <a:p>
+            <a:pPr eaLnBrk="0" hangingPunct="0">
+              <a:lnSpc>
+                <a:spcPct val="105000"/>
+              </a:lnSpc>
+              <a:buClr>
+                <a:schemeClr val="accent5">
+                  <a:lumMod val="40000"/>
+                  <a:lumOff val="60000"/>
+                </a:schemeClr>
+              </a:buClr>
+              <a:buSzPct val="70000"/>
+            </a:pPr>
+            <a:r>
+              <a:rPr lang="en-US" sz="2400" b="1" noProof="1">
+                <a:latin typeface="Consolas" pitchFamily="49" charset="0"/>
+                <a:cs typeface="Consolas" pitchFamily="49" charset="0"/>
+              </a:rPr>
+              <a:t>};</a:t>
+            </a:r>
+          </a:p>
+        </p:txBody>
+      </p:sp>
+    </p:spTree>
+    <p:extLst>
+      <p:ext uri="{BB962C8B-B14F-4D97-AF65-F5344CB8AC3E}">
+        <p14:creationId xmlns:p14="http://schemas.microsoft.com/office/powerpoint/2010/main" val="3495039897"/>
+      </p:ext>
+    </p:extLst>
+  </p:cSld>
+  <p:clrMapOvr>
+    <a:masterClrMapping/>
+  </p:clrMapOvr>
+  <p:timing>
+    <p:tnLst>
+      <p:par>
+        <p:cTn id="1" dur="indefinite" restart="never" nodeType="tmRoot">
+          <p:childTnLst>
+            <p:seq concurrent="1" nextAc="seek">
+              <p:cTn id="2" dur="indefinite" nodeType="mainSeq">
+                <p:childTnLst>
+                  <p:par>
+                    <p:cTn id="3" fill="hold">
+                      <p:stCondLst>
+                        <p:cond delay="indefinite"/>
+                      </p:stCondLst>
+                      <p:childTnLst>
+                        <p:par>
+                          <p:cTn id="4" fill="hold">
+                            <p:stCondLst>
+                              <p:cond delay="0"/>
+                            </p:stCondLst>
+                            <p:childTnLst>
+                              <p:par>
+                                <p:cTn id="5" presetID="1" presetClass="entr" presetSubtype="0" fill="hold" nodeType="clickEffect">
+                                  <p:stCondLst>
+                                    <p:cond delay="0"/>
+                                  </p:stCondLst>
+                                  <p:childTnLst>
+                                    <p:set>
+                                      <p:cBhvr>
+                                        <p:cTn id="6" dur="1" fill="hold">
+                                          <p:stCondLst>
+                                            <p:cond delay="0"/>
+                                          </p:stCondLst>
+                                        </p:cTn>
+                                        <p:tgtEl>
+                                          <p:spTgt spid="5">
+                                            <p:txEl>
+                                              <p:pRg st="2" end="2"/>
+                                            </p:txEl>
+                                          </p:spTgt>
+                                        </p:tgtEl>
+                                        <p:attrNameLst>
+                                          <p:attrName>style.visibility</p:attrName>
+                                        </p:attrNameLst>
+                                      </p:cBhvr>
+                                      <p:to>
+                                        <p:strVal val="visible"/>
+                                      </p:to>
+                                    </p:set>
+                                  </p:childTnLst>
+                                </p:cTn>
+                              </p:par>
+                              <p:par>
+                                <p:cTn id="7" presetID="1" presetClass="entr" presetSubtype="0" fill="hold" nodeType="withEffect">
+                                  <p:stCondLst>
+                                    <p:cond delay="0"/>
+                                  </p:stCondLst>
+                                  <p:childTnLst>
+                                    <p:set>
+                                      <p:cBhvr>
+                                        <p:cTn id="8" dur="1" fill="hold">
+                                          <p:stCondLst>
+                                            <p:cond delay="0"/>
+                                          </p:stCondLst>
+                                        </p:cTn>
+                                        <p:tgtEl>
+                                          <p:spTgt spid="5">
+                                            <p:txEl>
+                                              <p:pRg st="3" end="3"/>
+                                            </p:txEl>
+                                          </p:spTgt>
+                                        </p:tgtEl>
+                                        <p:attrNameLst>
+                                          <p:attrName>style.visibility</p:attrName>
+                                        </p:attrNameLst>
+                                      </p:cBhvr>
+                                      <p:to>
+                                        <p:strVal val="visible"/>
+                                      </p:to>
+                                    </p:set>
+                                  </p:childTnLst>
+                                </p:cTn>
+                              </p:par>
+                              <p:par>
+                                <p:cTn id="9" presetID="1" presetClass="entr" presetSubtype="0" fill="hold" nodeType="withEffect">
+                                  <p:stCondLst>
+                                    <p:cond delay="0"/>
+                                  </p:stCondLst>
+                                  <p:childTnLst>
+                                    <p:set>
+                                      <p:cBhvr>
+                                        <p:cTn id="10" dur="1" fill="hold">
+                                          <p:stCondLst>
+                                            <p:cond delay="0"/>
+                                          </p:stCondLst>
+                                        </p:cTn>
+                                        <p:tgtEl>
+                                          <p:spTgt spid="5">
+                                            <p:txEl>
+                                              <p:pRg st="4" end="4"/>
+                                            </p:txEl>
+                                          </p:spTgt>
+                                        </p:tgtEl>
+                                        <p:attrNameLst>
+                                          <p:attrName>style.visibility</p:attrName>
+                                        </p:attrNameLst>
+                                      </p:cBhvr>
+                                      <p:to>
+                                        <p:strVal val="visible"/>
+                                      </p:to>
+                                    </p:set>
+                                  </p:childTnLst>
+                                </p:cTn>
+                              </p:par>
+                            </p:childTnLst>
+                          </p:cTn>
+                        </p:par>
+                      </p:childTnLst>
+                    </p:cTn>
+                  </p:par>
+                </p:childTnLst>
+              </p:cTn>
+              <p:prevCondLst>
+                <p:cond evt="onPrev" delay="0">
+                  <p:tgtEl>
+                    <p:sldTgt/>
+                  </p:tgtEl>
+                </p:cond>
+              </p:prevCondLst>
+              <p:nextCondLst>
+                <p:cond evt="onNext" delay="0">
+                  <p:tgtEl>
+                    <p:sldTgt/>
+                  </p:tgtEl>
+                </p:cond>
+              </p:nextCondLst>
+            </p:seq>
+          </p:childTnLst>
+        </p:cTn>
+      </p:par>
+    </p:tnLst>
+  </p:timing>
+</p:sld>
+</file>
+
+<file path=ppt/slides/slide19.xml><?xml version="1.0" encoding="utf-8"?>
+<p:sld xmlns:a="http://schemas.openxmlformats.org/drawingml/2006/main" xmlns:r="http://schemas.openxmlformats.org/officeDocument/2006/relationships" xmlns:p="http://schemas.openxmlformats.org/presentationml/2006/main">
+  <p:cSld>
+    <p:spTree>
+      <p:nvGrpSpPr>
+        <p:cNvPr id="1" name=""/>
+        <p:cNvGrpSpPr/>
+        <p:nvPr/>
+      </p:nvGrpSpPr>
+      <p:grpSpPr>
+        <a:xfrm>
+          <a:off x="0" y="0"/>
+          <a:ext cx="0" cy="0"/>
+          <a:chOff x="0" y="0"/>
+          <a:chExt cx="0" cy="0"/>
+        </a:xfrm>
+      </p:grpSpPr>
+      <p:sp>
+        <p:nvSpPr>
+          <p:cNvPr id="2" name="Text Placeholder 1"/>
+          <p:cNvSpPr>
+            <a:spLocks noGrp="1"/>
+          </p:cNvSpPr>
+          <p:nvPr>
+            <p:ph type="body" sz="quarter" idx="10"/>
+          </p:nvPr>
+        </p:nvSpPr>
+        <p:spPr/>
+        <p:txBody>
+          <a:bodyPr/>
+          <a:lstStyle/>
+          <a:p>
+            <a:r>
+              <a:rPr lang="en-US" dirty="0"/>
+              <a:t>Requiring files</a:t>
+            </a:r>
+          </a:p>
+          <a:p>
+            <a:endParaRPr lang="en-US" dirty="0"/>
+          </a:p>
+          <a:p>
+            <a:r>
+              <a:rPr lang="en-US" dirty="0"/>
+              <a:t>Adding an </a:t>
+            </a:r>
+            <a:r>
+              <a:rPr lang="en-US" b="1" dirty="0">
+                <a:solidFill>
+                  <a:schemeClr val="bg1"/>
+                </a:solidFill>
+              </a:rPr>
+              <a:t>additional entry file </a:t>
+            </a:r>
+            <a:r>
+              <a:rPr lang="en-US" dirty="0"/>
+              <a:t>to our                                       </a:t>
+            </a:r>
+            <a:r>
+              <a:rPr lang="en-US" sz="3000" b="1" dirty="0">
+                <a:solidFill>
+                  <a:schemeClr val="bg1"/>
+                </a:solidFill>
+                <a:latin typeface="Consolas" panose="020B0609020204030204" pitchFamily="49" charset="0"/>
+              </a:rPr>
+              <a:t>webpack.config.js</a:t>
+            </a:r>
+            <a:r>
+              <a:rPr lang="en-US" sz="3200" dirty="0"/>
+              <a:t> </a:t>
+            </a:r>
+            <a:r>
+              <a:rPr lang="en-US" dirty="0"/>
+              <a:t>file</a:t>
+            </a:r>
+          </a:p>
+        </p:txBody>
+      </p:sp>
+      <p:sp>
+        <p:nvSpPr>
+          <p:cNvPr id="3" name="Title 2"/>
+          <p:cNvSpPr>
+            <a:spLocks noGrp="1"/>
+          </p:cNvSpPr>
+          <p:nvPr>
+            <p:ph type="title"/>
+          </p:nvPr>
+        </p:nvSpPr>
+        <p:spPr/>
+        <p:txBody>
+          <a:bodyPr/>
+          <a:lstStyle/>
+          <a:p>
+            <a:r>
+              <a:rPr lang="en-US" dirty="0"/>
+              <a:t>Building Multiple Files</a:t>
+            </a:r>
+          </a:p>
+        </p:txBody>
+      </p:sp>
+      <p:sp>
+        <p:nvSpPr>
+          <p:cNvPr id="4" name="Rectangle 3"/>
+          <p:cNvSpPr>
+            <a:spLocks noChangeArrowheads="1"/>
+          </p:cNvSpPr>
+          <p:nvPr/>
+        </p:nvSpPr>
+        <p:spPr bwMode="auto">
+          <a:xfrm>
+            <a:off x="3159544" y="3924995"/>
+            <a:ext cx="7494839" cy="2472197"/>
+          </a:xfrm>
+          <a:prstGeom prst="rect">
+            <a:avLst/>
+          </a:prstGeom>
+          <a:solidFill>
+            <a:schemeClr val="accent5">
+              <a:lumMod val="40000"/>
+              <a:lumOff val="60000"/>
+              <a:alpha val="15000"/>
+            </a:schemeClr>
+          </a:solidFill>
+          <a:ln w="12700">
+            <a:solidFill>
+              <a:schemeClr val="tx1">
+                <a:lumMod val="75000"/>
+              </a:schemeClr>
+            </a:solidFill>
+          </a:ln>
+        </p:spPr>
+        <p:txBody>
+          <a:bodyPr wrap="square" lIns="108000" tIns="72000" rIns="108000" bIns="72000">
+            <a:spAutoFit/>
+          </a:bodyPr>
+          <a:lstStyle/>
+          <a:p>
+            <a:pPr eaLnBrk="0" hangingPunct="0">
+              <a:lnSpc>
+                <a:spcPct val="105000"/>
+              </a:lnSpc>
+              <a:buClr>
+                <a:schemeClr val="accent5">
+                  <a:lumMod val="40000"/>
+                  <a:lumOff val="60000"/>
+                </a:schemeClr>
+              </a:buClr>
+              <a:buSzPct val="70000"/>
+            </a:pPr>
+            <a:r>
+              <a:rPr lang="en-US" sz="2400" b="1" noProof="1">
+                <a:latin typeface="Consolas" pitchFamily="49" charset="0"/>
+                <a:cs typeface="Consolas" pitchFamily="49" charset="0"/>
+              </a:rPr>
+              <a:t>module.exports = {</a:t>
+            </a:r>
+          </a:p>
+          <a:p>
+            <a:pPr eaLnBrk="0" hangingPunct="0">
+              <a:lnSpc>
+                <a:spcPct val="105000"/>
+              </a:lnSpc>
+              <a:buClr>
+                <a:schemeClr val="accent5">
+                  <a:lumMod val="40000"/>
+                  <a:lumOff val="60000"/>
+                </a:schemeClr>
+              </a:buClr>
+              <a:buSzPct val="70000"/>
+            </a:pPr>
+            <a:r>
+              <a:rPr lang="en-US" sz="2400" b="1" noProof="1">
+                <a:latin typeface="Consolas" pitchFamily="49" charset="0"/>
+                <a:cs typeface="Consolas" pitchFamily="49" charset="0"/>
+              </a:rPr>
+              <a:t>  </a:t>
+            </a:r>
+            <a:r>
+              <a:rPr lang="en-US" sz="2400" b="1" noProof="1">
+                <a:solidFill>
+                  <a:schemeClr val="bg1"/>
+                </a:solidFill>
+                <a:latin typeface="Consolas" pitchFamily="49" charset="0"/>
+                <a:cs typeface="Consolas" pitchFamily="49" charset="0"/>
+              </a:rPr>
+              <a:t>entry</a:t>
+            </a:r>
+            <a:r>
+              <a:rPr lang="en-US" sz="2400" b="1" noProof="1">
+                <a:latin typeface="Consolas" pitchFamily="49" charset="0"/>
+                <a:cs typeface="Consolas" pitchFamily="49" charset="0"/>
+              </a:rPr>
+              <a:t>: </a:t>
+            </a:r>
+            <a:r>
+              <a:rPr lang="en-US" sz="2400" b="1" noProof="1">
+                <a:solidFill>
+                  <a:schemeClr val="bg1"/>
+                </a:solidFill>
+                <a:latin typeface="Consolas" pitchFamily="49" charset="0"/>
+                <a:cs typeface="Consolas" pitchFamily="49" charset="0"/>
+              </a:rPr>
+              <a:t>[</a:t>
+            </a:r>
+            <a:r>
+              <a:rPr lang="en-US" sz="2400" b="1" noProof="1">
+                <a:latin typeface="Consolas" pitchFamily="49" charset="0"/>
+                <a:cs typeface="Consolas" pitchFamily="49" charset="0"/>
+              </a:rPr>
+              <a:t>"</a:t>
+            </a:r>
+            <a:r>
+              <a:rPr lang="en-US" sz="2400" b="1" noProof="1">
+                <a:solidFill>
+                  <a:schemeClr val="bg1"/>
+                </a:solidFill>
+                <a:latin typeface="Consolas" pitchFamily="49" charset="0"/>
+                <a:cs typeface="Consolas" pitchFamily="49" charset="0"/>
+              </a:rPr>
+              <a:t>./global.js</a:t>
+            </a:r>
+            <a:r>
+              <a:rPr lang="en-US" sz="2400" b="1" noProof="1">
+                <a:latin typeface="Consolas" pitchFamily="49" charset="0"/>
+                <a:cs typeface="Consolas" pitchFamily="49" charset="0"/>
+              </a:rPr>
+              <a:t>", "</a:t>
+            </a:r>
+            <a:r>
+              <a:rPr lang="en-US" sz="2400" b="1" noProof="1">
+                <a:solidFill>
+                  <a:schemeClr val="bg1"/>
+                </a:solidFill>
+                <a:latin typeface="Consolas" pitchFamily="49" charset="0"/>
+                <a:cs typeface="Consolas" pitchFamily="49" charset="0"/>
+              </a:rPr>
+              <a:t>./app.js</a:t>
+            </a:r>
+            <a:r>
+              <a:rPr lang="en-US" sz="2400" b="1" noProof="1">
+                <a:latin typeface="Consolas" pitchFamily="49" charset="0"/>
+                <a:cs typeface="Consolas" pitchFamily="49" charset="0"/>
+              </a:rPr>
+              <a:t>"</a:t>
+            </a:r>
+            <a:r>
+              <a:rPr lang="en-US" sz="2400" b="1" noProof="1">
+                <a:solidFill>
+                  <a:schemeClr val="bg1"/>
+                </a:solidFill>
+                <a:latin typeface="Consolas" pitchFamily="49" charset="0"/>
+                <a:cs typeface="Consolas" pitchFamily="49" charset="0"/>
+              </a:rPr>
+              <a:t>]</a:t>
+            </a:r>
+            <a:r>
+              <a:rPr lang="en-US" sz="2400" b="1" noProof="1">
+                <a:latin typeface="Consolas" pitchFamily="49" charset="0"/>
+                <a:cs typeface="Consolas" pitchFamily="49" charset="0"/>
+              </a:rPr>
+              <a:t>,</a:t>
+            </a:r>
+          </a:p>
+          <a:p>
+            <a:pPr eaLnBrk="0" hangingPunct="0">
+              <a:lnSpc>
+                <a:spcPct val="105000"/>
+              </a:lnSpc>
+              <a:buClr>
+                <a:schemeClr val="accent5">
+                  <a:lumMod val="40000"/>
+                  <a:lumOff val="60000"/>
+                </a:schemeClr>
+              </a:buClr>
+              <a:buSzPct val="70000"/>
+            </a:pPr>
+            <a:r>
+              <a:rPr lang="en-US" sz="2400" b="1" noProof="1">
+                <a:latin typeface="Consolas" pitchFamily="49" charset="0"/>
+                <a:cs typeface="Consolas" pitchFamily="49" charset="0"/>
+              </a:rPr>
+              <a:t>  output: {</a:t>
+            </a:r>
+          </a:p>
+          <a:p>
+            <a:pPr eaLnBrk="0" hangingPunct="0">
+              <a:lnSpc>
+                <a:spcPct val="105000"/>
+              </a:lnSpc>
+              <a:buClr>
+                <a:schemeClr val="accent5">
+                  <a:lumMod val="40000"/>
+                  <a:lumOff val="60000"/>
+                </a:schemeClr>
+              </a:buClr>
+              <a:buSzPct val="70000"/>
+            </a:pPr>
+            <a:r>
+              <a:rPr lang="en-US" sz="2400" b="1" noProof="1">
+                <a:latin typeface="Consolas" pitchFamily="49" charset="0"/>
+                <a:cs typeface="Consolas" pitchFamily="49" charset="0"/>
+              </a:rPr>
+              <a:t>    filename: "bundle.js"</a:t>
+            </a:r>
+          </a:p>
+          <a:p>
+            <a:pPr eaLnBrk="0" hangingPunct="0">
+              <a:lnSpc>
+                <a:spcPct val="105000"/>
+              </a:lnSpc>
+              <a:buClr>
+                <a:schemeClr val="accent5">
+                  <a:lumMod val="40000"/>
+                  <a:lumOff val="60000"/>
+                </a:schemeClr>
+              </a:buClr>
+              <a:buSzPct val="70000"/>
+            </a:pPr>
+            <a:r>
+              <a:rPr lang="en-US" sz="2400" b="1" noProof="1">
+                <a:latin typeface="Consolas" pitchFamily="49" charset="0"/>
+                <a:cs typeface="Consolas" pitchFamily="49" charset="0"/>
+              </a:rPr>
+              <a:t>  }</a:t>
+            </a:r>
+          </a:p>
+          <a:p>
+            <a:pPr eaLnBrk="0" hangingPunct="0">
+              <a:lnSpc>
+                <a:spcPct val="105000"/>
+              </a:lnSpc>
+              <a:buClr>
+                <a:schemeClr val="accent5">
+                  <a:lumMod val="40000"/>
+                  <a:lumOff val="60000"/>
+                </a:schemeClr>
+              </a:buClr>
+              <a:buSzPct val="70000"/>
+            </a:pPr>
+            <a:r>
+              <a:rPr lang="en-US" sz="2400" b="1" noProof="1">
+                <a:latin typeface="Consolas" pitchFamily="49" charset="0"/>
+                <a:cs typeface="Consolas" pitchFamily="49" charset="0"/>
+              </a:rPr>
+              <a:t>};</a:t>
+            </a:r>
+            <a:endParaRPr lang="en-US" sz="2400" b="1" noProof="1">
+              <a:solidFill>
+                <a:schemeClr val="tx2">
+                  <a:lumMod val="75000"/>
+                </a:schemeClr>
+              </a:solidFill>
+              <a:latin typeface="Consolas" panose="020B0609020204030204" pitchFamily="49" charset="0"/>
+            </a:endParaRPr>
+          </a:p>
+        </p:txBody>
+      </p:sp>
+      <p:sp>
+        <p:nvSpPr>
+          <p:cNvPr id="5" name="Rectangle 3"/>
+          <p:cNvSpPr>
+            <a:spLocks noChangeArrowheads="1"/>
+          </p:cNvSpPr>
+          <p:nvPr/>
+        </p:nvSpPr>
+        <p:spPr bwMode="auto">
+          <a:xfrm>
+            <a:off x="3159544" y="1854713"/>
+            <a:ext cx="3341937" cy="533205"/>
+          </a:xfrm>
+          <a:prstGeom prst="rect">
+            <a:avLst/>
+          </a:prstGeom>
+          <a:solidFill>
+            <a:schemeClr val="accent5">
+              <a:lumMod val="40000"/>
+              <a:lumOff val="60000"/>
+              <a:alpha val="15000"/>
+            </a:schemeClr>
+          </a:solidFill>
+          <a:ln w="12700">
+            <a:solidFill>
+              <a:schemeClr val="tx1">
+                <a:lumMod val="75000"/>
+              </a:schemeClr>
+            </a:solidFill>
+          </a:ln>
+        </p:spPr>
+        <p:txBody>
+          <a:bodyPr wrap="square" lIns="108000" tIns="72000" rIns="108000" bIns="72000">
+            <a:spAutoFit/>
+          </a:bodyPr>
+          <a:lstStyle/>
+          <a:p>
+            <a:pPr eaLnBrk="0" hangingPunct="0">
+              <a:lnSpc>
+                <a:spcPct val="105000"/>
+              </a:lnSpc>
+              <a:buClr>
+                <a:schemeClr val="accent5">
+                  <a:lumMod val="40000"/>
+                  <a:lumOff val="60000"/>
+                </a:schemeClr>
+              </a:buClr>
+              <a:buSzPct val="70000"/>
+            </a:pPr>
+            <a:r>
+              <a:rPr lang="en-US" sz="2400" b="1" noProof="1">
+                <a:solidFill>
+                  <a:schemeClr val="bg1"/>
+                </a:solidFill>
+                <a:latin typeface="Consolas" pitchFamily="49" charset="0"/>
+              </a:rPr>
+              <a:t>require(</a:t>
+            </a:r>
+            <a:r>
+              <a:rPr lang="en-US" sz="2400" b="1" noProof="1">
+                <a:latin typeface="Consolas" pitchFamily="49" charset="0"/>
+                <a:cs typeface="Consolas" pitchFamily="49" charset="0"/>
+              </a:rPr>
+              <a:t>"./file"</a:t>
+            </a:r>
+            <a:r>
+              <a:rPr lang="en-US" sz="2400" b="1" noProof="1">
+                <a:solidFill>
+                  <a:schemeClr val="bg1"/>
+                </a:solidFill>
+                <a:latin typeface="Consolas" pitchFamily="49" charset="0"/>
+              </a:rPr>
+              <a:t>)</a:t>
+            </a:r>
+          </a:p>
+        </p:txBody>
+      </p:sp>
+    </p:spTree>
+    <p:extLst>
+      <p:ext uri="{BB962C8B-B14F-4D97-AF65-F5344CB8AC3E}">
+        <p14:creationId xmlns:p14="http://schemas.microsoft.com/office/powerpoint/2010/main" val="3104814886"/>
+      </p:ext>
+    </p:extLst>
+  </p:cSld>
+  <p:clrMapOvr>
+    <a:masterClrMapping/>
+  </p:clrMapOvr>
+  <p:timing>
+    <p:tnLst>
+      <p:par>
+        <p:cTn id="1" dur="indefinite" restart="never" nodeType="tmRoot">
+          <p:childTnLst>
+            <p:seq concurrent="1" nextAc="seek">
+              <p:cTn id="2" dur="indefinite" nodeType="mainSeq">
+                <p:childTnLst>
+                  <p:par>
+                    <p:cTn id="3" fill="hold">
+                      <p:stCondLst>
+                        <p:cond delay="indefinite"/>
+                      </p:stCondLst>
+                      <p:childTnLst>
+                        <p:par>
+                          <p:cTn id="4" fill="hold">
+                            <p:stCondLst>
+                              <p:cond delay="0"/>
+                            </p:stCondLst>
+                            <p:childTnLst>
+                              <p:par>
+                                <p:cTn id="5" presetID="1" presetClass="entr" presetSubtype="0" fill="hold" nodeType="clickEffect">
+                                  <p:stCondLst>
+                                    <p:cond delay="0"/>
+                                  </p:stCondLst>
+                                  <p:childTnLst>
+                                    <p:set>
+                                      <p:cBhvr>
+                                        <p:cTn id="6" dur="1" fill="hold">
+                                          <p:stCondLst>
+                                            <p:cond delay="0"/>
+                                          </p:stCondLst>
+                                        </p:cTn>
+                                        <p:tgtEl>
+                                          <p:spTgt spid="4">
+                                            <p:txEl>
+                                              <p:pRg st="1" end="1"/>
+                                            </p:txEl>
+                                          </p:spTgt>
+                                        </p:tgtEl>
+                                        <p:attrNameLst>
+                                          <p:attrName>style.visibility</p:attrName>
+                                        </p:attrNameLst>
+                                      </p:cBhvr>
+                                      <p:to>
+                                        <p:strVal val="visible"/>
+                                      </p:to>
+                                    </p:set>
+                                  </p:childTnLst>
+                                </p:cTn>
+                              </p:par>
+                              <p:par>
+                                <p:cTn id="7" presetID="1" presetClass="entr" presetSubtype="0" fill="hold" nodeType="withEffect">
+                                  <p:stCondLst>
+                                    <p:cond delay="0"/>
+                                  </p:stCondLst>
+                                  <p:childTnLst>
+                                    <p:set>
+                                      <p:cBhvr>
+                                        <p:cTn id="8" dur="1" fill="hold">
+                                          <p:stCondLst>
+                                            <p:cond delay="0"/>
+                                          </p:stCondLst>
+                                        </p:cTn>
+                                        <p:tgtEl>
+                                          <p:spTgt spid="4">
+                                            <p:txEl>
+                                              <p:pRg st="2" end="2"/>
+                                            </p:txEl>
+                                          </p:spTgt>
+                                        </p:tgtEl>
+                                        <p:attrNameLst>
+                                          <p:attrName>style.visibility</p:attrName>
+                                        </p:attrNameLst>
+                                      </p:cBhvr>
+                                      <p:to>
+                                        <p:strVal val="visible"/>
+                                      </p:to>
+                                    </p:set>
+                                  </p:childTnLst>
+                                </p:cTn>
+                              </p:par>
+                              <p:par>
+                                <p:cTn id="9" presetID="1" presetClass="entr" presetSubtype="0" fill="hold" nodeType="withEffect">
+                                  <p:stCondLst>
+                                    <p:cond delay="0"/>
+                                  </p:stCondLst>
+                                  <p:childTnLst>
+                                    <p:set>
+                                      <p:cBhvr>
+                                        <p:cTn id="10" dur="1" fill="hold">
+                                          <p:stCondLst>
+                                            <p:cond delay="0"/>
+                                          </p:stCondLst>
+                                        </p:cTn>
+                                        <p:tgtEl>
+                                          <p:spTgt spid="4">
+                                            <p:txEl>
+                                              <p:pRg st="3" end="3"/>
+                                            </p:txEl>
+                                          </p:spTgt>
+                                        </p:tgtEl>
+                                        <p:attrNameLst>
+                                          <p:attrName>style.visibility</p:attrName>
+                                        </p:attrNameLst>
+                                      </p:cBhvr>
+                                      <p:to>
+                                        <p:strVal val="visible"/>
+                                      </p:to>
+                                    </p:set>
+                                  </p:childTnLst>
+                                </p:cTn>
+                              </p:par>
+                            </p:childTnLst>
+                          </p:cTn>
+                        </p:par>
+                      </p:childTnLst>
+                    </p:cTn>
+                  </p:par>
+                </p:childTnLst>
+              </p:cTn>
+              <p:prevCondLst>
+                <p:cond evt="onPrev" delay="0">
+                  <p:tgtEl>
+                    <p:sldTgt/>
+                  </p:tgtEl>
+                </p:cond>
+              </p:prevCondLst>
+              <p:nextCondLst>
+                <p:cond evt="onNext" delay="0">
+                  <p:tgtEl>
+                    <p:sldTgt/>
+                  </p:tgtEl>
+                </p:cond>
+              </p:nextCondLst>
+            </p:seq>
+          </p:childTnLst>
+        </p:cTn>
+      </p:par>
+    </p:tnLst>
+  </p:timing>
+</p:sld>
+</file>
+
+<file path=ppt/slides/slide2.xml><?xml version="1.0" encoding="utf-8"?>
+<p:sld xmlns:a="http://schemas.openxmlformats.org/drawingml/2006/main" xmlns:r="http://schemas.openxmlformats.org/officeDocument/2006/relationships" xmlns:p="http://schemas.openxmlformats.org/presentationml/2006/main">
+  <p:cSld>
+    <p:spTree>
+      <p:nvGrpSpPr>
+        <p:cNvPr id="1" name=""/>
+        <p:cNvGrpSpPr/>
+        <p:nvPr/>
+      </p:nvGrpSpPr>
+      <p:grpSpPr>
+        <a:xfrm>
+          <a:off x="0" y="0"/>
+          <a:ext cx="0" cy="0"/>
+          <a:chOff x="0" y="0"/>
+          <a:chExt cx="0" cy="0"/>
+        </a:xfrm>
+      </p:grpSpPr>
+      <p:sp>
+        <p:nvSpPr>
+          <p:cNvPr id="2" name="Title 1"/>
+          <p:cNvSpPr>
+            <a:spLocks noGrp="1"/>
+          </p:cNvSpPr>
+          <p:nvPr>
+            <p:ph type="title"/>
+          </p:nvPr>
+        </p:nvSpPr>
+        <p:spPr/>
+        <p:txBody>
+          <a:bodyPr/>
+          <a:lstStyle/>
+          <a:p>
+            <a:r>
+              <a:rPr lang="en-US" dirty="0"/>
+              <a:t>Table of Contents</a:t>
+            </a:r>
+          </a:p>
+        </p:txBody>
+      </p:sp>
+      <p:sp>
+        <p:nvSpPr>
+          <p:cNvPr id="3" name="Text Placeholder 2"/>
+          <p:cNvSpPr>
+            <a:spLocks noGrp="1"/>
+          </p:cNvSpPr>
+          <p:nvPr>
+            <p:ph type="body" sz="quarter" idx="13"/>
+          </p:nvPr>
+        </p:nvSpPr>
+        <p:spPr/>
+        <p:txBody>
+          <a:bodyPr>
+            <a:normAutofit/>
+          </a:bodyPr>
+          <a:lstStyle/>
+          <a:p>
+            <a:r>
+              <a:rPr lang="en-US" dirty="0"/>
+              <a:t>Introduction</a:t>
+            </a:r>
+          </a:p>
+          <a:p>
+            <a:pPr lvl="1"/>
+            <a:r>
+              <a:rPr lang="en-US" dirty="0"/>
+              <a:t>What is </a:t>
+            </a:r>
+            <a:r>
+              <a:rPr lang="en-US" dirty="0" err="1"/>
+              <a:t>Webpack</a:t>
+            </a:r>
+            <a:r>
+              <a:rPr lang="en-US" dirty="0"/>
+              <a:t>?</a:t>
+            </a:r>
+          </a:p>
+          <a:p>
+            <a:pPr lvl="1"/>
+            <a:r>
+              <a:rPr lang="en-US" dirty="0"/>
+              <a:t>Installation</a:t>
+            </a:r>
+          </a:p>
+          <a:p>
+            <a:pPr lvl="1"/>
+            <a:r>
+              <a:rPr lang="en-US" dirty="0"/>
+              <a:t>Build Process</a:t>
+            </a:r>
+          </a:p>
+          <a:p>
+            <a:r>
+              <a:rPr lang="en-US" dirty="0"/>
+              <a:t>Basic Builds</a:t>
+            </a:r>
+          </a:p>
+          <a:p>
+            <a:pPr lvl="1"/>
+            <a:r>
+              <a:rPr lang="en-US" dirty="0"/>
+              <a:t>Creating a Bundle</a:t>
+            </a:r>
+          </a:p>
+          <a:p>
+            <a:r>
+              <a:rPr lang="en-US" dirty="0"/>
+              <a:t>Configuration</a:t>
+            </a:r>
+          </a:p>
+          <a:p>
+            <a:pPr lvl="1"/>
+            <a:endParaRPr lang="en-US" dirty="0"/>
+          </a:p>
+        </p:txBody>
+      </p:sp>
+    </p:spTree>
+    <p:extLst>
+      <p:ext uri="{BB962C8B-B14F-4D97-AF65-F5344CB8AC3E}">
+        <p14:creationId xmlns:p14="http://schemas.microsoft.com/office/powerpoint/2010/main" val="2227084166"/>
+      </p:ext>
+    </p:extLst>
+  </p:cSld>
+  <p:clrMapOvr>
+    <a:masterClrMapping/>
+  </p:clrMapOvr>
+  <p:timing>
+    <p:tnLst>
+      <p:par>
+        <p:cTn id="1" dur="indefinite" restart="never" nodeType="tmRoot">
+          <p:childTnLst>
+            <p:seq concurrent="1" nextAc="seek">
+              <p:cTn id="2" dur="indefinite" nodeType="mainSeq">
+                <p:childTnLst>
+                  <p:par>
+                    <p:cTn id="3" fill="hold">
+                      <p:stCondLst>
+                        <p:cond delay="indefinite"/>
+                      </p:stCondLst>
+                      <p:childTnLst>
+                        <p:par>
+                          <p:cTn id="4" fill="hold">
+                            <p:stCondLst>
+                              <p:cond delay="0"/>
+                            </p:stCondLst>
+                            <p:childTnLst>
+                              <p:par>
+                                <p:cTn id="5" presetID="1" presetClass="entr" presetSubtype="0" fill="hold" nodeType="clickEffect">
+                                  <p:stCondLst>
+                                    <p:cond delay="0"/>
+                                  </p:stCondLst>
+                                  <p:childTnLst>
+                                    <p:set>
+                                      <p:cBhvr>
+                                        <p:cTn id="6" dur="1" fill="hold">
+                                          <p:stCondLst>
+                                            <p:cond delay="0"/>
+                                          </p:stCondLst>
+                                        </p:cTn>
+                                        <p:tgtEl>
+                                          <p:spTgt spid="3">
+                                            <p:txEl>
+                                              <p:pRg st="1" end="1"/>
+                                            </p:txEl>
+                                          </p:spTgt>
+                                        </p:tgtEl>
+                                        <p:attrNameLst>
+                                          <p:attrName>style.visibility</p:attrName>
+                                        </p:attrNameLst>
+                                      </p:cBhvr>
+                                      <p:to>
+                                        <p:strVal val="visible"/>
+                                      </p:to>
+                                    </p:set>
+                                  </p:childTnLst>
+                                </p:cTn>
+                              </p:par>
+                            </p:childTnLst>
+                          </p:cTn>
+                        </p:par>
+                      </p:childTnLst>
+                    </p:cTn>
+                  </p:par>
+                  <p:par>
+                    <p:cTn id="7" fill="hold">
+                      <p:stCondLst>
+                        <p:cond delay="indefinite"/>
+                      </p:stCondLst>
+                      <p:childTnLst>
+                        <p:par>
+                          <p:cTn id="8" fill="hold">
+                            <p:stCondLst>
+                              <p:cond delay="0"/>
+                            </p:stCondLst>
+                            <p:childTnLst>
+                              <p:par>
+                                <p:cTn id="9" presetID="1" presetClass="entr" presetSubtype="0" fill="hold" nodeType="clickEffect">
+                                  <p:stCondLst>
+                                    <p:cond delay="0"/>
+                                  </p:stCondLst>
+                                  <p:childTnLst>
+                                    <p:set>
+                                      <p:cBhvr>
+                                        <p:cTn id="10" dur="1" fill="hold">
+                                          <p:stCondLst>
+                                            <p:cond delay="0"/>
+                                          </p:stCondLst>
+                                        </p:cTn>
+                                        <p:tgtEl>
+                                          <p:spTgt spid="3">
+                                            <p:txEl>
+                                              <p:pRg st="2" end="2"/>
+                                            </p:txEl>
+                                          </p:spTgt>
+                                        </p:tgtEl>
+                                        <p:attrNameLst>
+                                          <p:attrName>style.visibility</p:attrName>
+                                        </p:attrNameLst>
+                                      </p:cBhvr>
+                                      <p:to>
+                                        <p:strVal val="visible"/>
+                                      </p:to>
+                                    </p:set>
+                                  </p:childTnLst>
+                                </p:cTn>
+                              </p:par>
+                            </p:childTnLst>
+                          </p:cTn>
+                        </p:par>
+                      </p:childTnLst>
+                    </p:cTn>
+                  </p:par>
+                  <p:par>
+                    <p:cTn id="11" fill="hold">
+                      <p:stCondLst>
+                        <p:cond delay="indefinite"/>
+                      </p:stCondLst>
+                      <p:childTnLst>
+                        <p:par>
+                          <p:cTn id="12" fill="hold">
+                            <p:stCondLst>
+                              <p:cond delay="0"/>
+                            </p:stCondLst>
+                            <p:childTnLst>
+                              <p:par>
+                                <p:cTn id="13" presetID="1" presetClass="entr" presetSubtype="0" fill="hold" nodeType="clickEffect">
+                                  <p:stCondLst>
+                                    <p:cond delay="0"/>
+                                  </p:stCondLst>
+                                  <p:childTnLst>
+                                    <p:set>
+                                      <p:cBhvr>
+                                        <p:cTn id="14" dur="1" fill="hold">
+                                          <p:stCondLst>
+                                            <p:cond delay="0"/>
+                                          </p:stCondLst>
+                                        </p:cTn>
+                                        <p:tgtEl>
+                                          <p:spTgt spid="3">
+                                            <p:txEl>
+                                              <p:pRg st="3" end="3"/>
+                                            </p:txEl>
+                                          </p:spTgt>
+                                        </p:tgtEl>
+                                        <p:attrNameLst>
+                                          <p:attrName>style.visibility</p:attrName>
+                                        </p:attrNameLst>
+                                      </p:cBhvr>
+                                      <p:to>
+                                        <p:strVal val="visible"/>
+                                      </p:to>
+                                    </p:set>
+                                  </p:childTnLst>
+                                </p:cTn>
+                              </p:par>
+                            </p:childTnLst>
+                          </p:cTn>
+                        </p:par>
+                      </p:childTnLst>
+                    </p:cTn>
+                  </p:par>
+                  <p:par>
+                    <p:cTn id="15" fill="hold">
+                      <p:stCondLst>
+                        <p:cond delay="indefinite"/>
+                      </p:stCondLst>
+                      <p:childTnLst>
+                        <p:par>
+                          <p:cTn id="16" fill="hold">
+                            <p:stCondLst>
+                              <p:cond delay="0"/>
+                            </p:stCondLst>
+                            <p:childTnLst>
+                              <p:par>
+                                <p:cTn id="17" presetID="1" presetClass="entr" presetSubtype="0" fill="hold" nodeType="clickEffect">
+                                  <p:stCondLst>
+                                    <p:cond delay="0"/>
+                                  </p:stCondLst>
+                                  <p:childTnLst>
+                                    <p:set>
+                                      <p:cBhvr>
+                                        <p:cTn id="18" dur="1" fill="hold">
+                                          <p:stCondLst>
+                                            <p:cond delay="0"/>
+                                          </p:stCondLst>
+                                        </p:cTn>
+                                        <p:tgtEl>
+                                          <p:spTgt spid="3">
+                                            <p:txEl>
+                                              <p:pRg st="4" end="4"/>
+                                            </p:txEl>
+                                          </p:spTgt>
+                                        </p:tgtEl>
+                                        <p:attrNameLst>
+                                          <p:attrName>style.visibility</p:attrName>
+                                        </p:attrNameLst>
+                                      </p:cBhvr>
+                                      <p:to>
+                                        <p:strVal val="visible"/>
+                                      </p:to>
+                                    </p:set>
+                                  </p:childTnLst>
+                                </p:cTn>
+                              </p:par>
+                              <p:par>
+                                <p:cTn id="19" presetID="1" presetClass="entr" presetSubtype="0" fill="hold" nodeType="withEffect">
+                                  <p:stCondLst>
+                                    <p:cond delay="0"/>
+                                  </p:stCondLst>
+                                  <p:childTnLst>
+                                    <p:set>
+                                      <p:cBhvr>
+                                        <p:cTn id="20" dur="1" fill="hold">
+                                          <p:stCondLst>
+                                            <p:cond delay="0"/>
+                                          </p:stCondLst>
+                                        </p:cTn>
+                                        <p:tgtEl>
+                                          <p:spTgt spid="3">
+                                            <p:txEl>
+                                              <p:pRg st="5" end="5"/>
+                                            </p:txEl>
+                                          </p:spTgt>
+                                        </p:tgtEl>
+                                        <p:attrNameLst>
+                                          <p:attrName>style.visibility</p:attrName>
+                                        </p:attrNameLst>
+                                      </p:cBhvr>
+                                      <p:to>
+                                        <p:strVal val="visible"/>
+                                      </p:to>
+                                    </p:set>
+                                  </p:childTnLst>
+                                </p:cTn>
+                              </p:par>
+                            </p:childTnLst>
+                          </p:cTn>
+                        </p:par>
+                      </p:childTnLst>
+                    </p:cTn>
+                  </p:par>
+                  <p:par>
+                    <p:cTn id="21" fill="hold">
+                      <p:stCondLst>
+                        <p:cond delay="indefinite"/>
+                      </p:stCondLst>
+                      <p:childTnLst>
+                        <p:par>
+                          <p:cTn id="22" fill="hold">
+                            <p:stCondLst>
+                              <p:cond delay="0"/>
+                            </p:stCondLst>
+                            <p:childTnLst>
+                              <p:par>
+                                <p:cTn id="23" presetID="1" presetClass="entr" presetSubtype="0" fill="hold" nodeType="clickEffect">
+                                  <p:stCondLst>
+                                    <p:cond delay="0"/>
+                                  </p:stCondLst>
+                                  <p:childTnLst>
+                                    <p:set>
+                                      <p:cBhvr>
+                                        <p:cTn id="24" dur="1" fill="hold">
+                                          <p:stCondLst>
+                                            <p:cond delay="0"/>
+                                          </p:stCondLst>
+                                        </p:cTn>
+                                        <p:tgtEl>
+                                          <p:spTgt spid="3">
+                                            <p:txEl>
+                                              <p:pRg st="6" end="6"/>
+                                            </p:txEl>
+                                          </p:spTgt>
+                                        </p:tgtEl>
+                                        <p:attrNameLst>
+                                          <p:attrName>style.visibility</p:attrName>
+                                        </p:attrNameLst>
+                                      </p:cBhvr>
+                                      <p:to>
+                                        <p:strVal val="visible"/>
+                                      </p:to>
+                                    </p:set>
+                                  </p:childTnLst>
+                                </p:cTn>
+                              </p:par>
+                            </p:childTnLst>
+                          </p:cTn>
+                        </p:par>
+                      </p:childTnLst>
+                    </p:cTn>
+                  </p:par>
+                </p:childTnLst>
+              </p:cTn>
+              <p:prevCondLst>
+                <p:cond evt="onPrev" delay="0">
+                  <p:tgtEl>
+                    <p:sldTgt/>
+                  </p:tgtEl>
+                </p:cond>
+              </p:prevCondLst>
+              <p:nextCondLst>
+                <p:cond evt="onNext" delay="0">
+                  <p:tgtEl>
+                    <p:sldTgt/>
+                  </p:tgtEl>
+                </p:cond>
+              </p:nextCondLst>
+            </p:seq>
+          </p:childTnLst>
+        </p:cTn>
+      </p:par>
+    </p:tnLst>
+  </p:timing>
+</p:sld>
+</file>
+
+<file path=ppt/slides/slide20.xml><?xml version="1.0" encoding="utf-8"?>
+<p:sld xmlns:a="http://schemas.openxmlformats.org/drawingml/2006/main" xmlns:r="http://schemas.openxmlformats.org/officeDocument/2006/relationships" xmlns:p="http://schemas.openxmlformats.org/presentationml/2006/main">
+  <p:cSld>
+    <p:spTree>
+      <p:nvGrpSpPr>
+        <p:cNvPr id="1" name=""/>
+        <p:cNvGrpSpPr/>
+        <p:nvPr/>
+      </p:nvGrpSpPr>
+      <p:grpSpPr>
+        <a:xfrm>
+          <a:off x="0" y="0"/>
+          <a:ext cx="0" cy="0"/>
+          <a:chOff x="0" y="0"/>
+          <a:chExt cx="0" cy="0"/>
+        </a:xfrm>
+      </p:grpSpPr>
+      <p:sp>
+        <p:nvSpPr>
+          <p:cNvPr id="3" name="Content Placeholder 2"/>
+          <p:cNvSpPr>
+            <a:spLocks noGrp="1"/>
+          </p:cNvSpPr>
+          <p:nvPr>
+            <p:ph type="body" sz="quarter" idx="10"/>
+          </p:nvPr>
+        </p:nvSpPr>
+        <p:spPr/>
+        <p:txBody>
+          <a:bodyPr>
+            <a:noAutofit/>
+          </a:bodyPr>
+          <a:lstStyle/>
+          <a:p>
+            <a:pPr>
+              <a:buClr>
+                <a:schemeClr val="tx1"/>
+              </a:buClr>
+            </a:pPr>
+            <a:r>
+              <a:rPr lang="en-US" sz="3400" b="1" dirty="0">
+                <a:solidFill>
+                  <a:schemeClr val="bg1"/>
+                </a:solidFill>
+              </a:rPr>
+              <a:t>Loaders</a:t>
+            </a:r>
+            <a:r>
+              <a:rPr lang="en-US" sz="3400" dirty="0"/>
+              <a:t> apply transformations to files</a:t>
+            </a:r>
+          </a:p>
+          <a:p>
+            <a:pPr lvl="1">
+              <a:buClr>
+                <a:schemeClr val="tx1"/>
+              </a:buClr>
+            </a:pPr>
+            <a:r>
+              <a:rPr lang="en-US" sz="3000" dirty="0"/>
+              <a:t>Can be downloaded with </a:t>
+            </a:r>
+            <a:r>
+              <a:rPr lang="en-US" sz="3000" b="1" noProof="1">
+                <a:solidFill>
+                  <a:schemeClr val="bg1"/>
+                </a:solidFill>
+              </a:rPr>
+              <a:t>npm</a:t>
+            </a:r>
+            <a:r>
+              <a:rPr lang="en-US" sz="3000" dirty="0"/>
+              <a:t> and configured in the </a:t>
+            </a:r>
+            <a:r>
+              <a:rPr lang="en-US" sz="3000" b="1" dirty="0">
+                <a:solidFill>
+                  <a:schemeClr val="bg1"/>
+                </a:solidFill>
+              </a:rPr>
+              <a:t>main config</a:t>
+            </a:r>
+          </a:p>
+          <a:p>
+            <a:pPr>
+              <a:spcBef>
+                <a:spcPts val="26400"/>
+              </a:spcBef>
+              <a:buClr>
+                <a:schemeClr val="tx1"/>
+              </a:buClr>
+            </a:pPr>
+            <a:r>
+              <a:rPr lang="en-US" sz="3400" b="1" noProof="1">
+                <a:solidFill>
+                  <a:schemeClr val="bg1"/>
+                </a:solidFill>
+              </a:rPr>
+              <a:t>Preloaders</a:t>
+            </a:r>
+            <a:r>
+              <a:rPr lang="en-US" sz="3400" dirty="0"/>
+              <a:t> are the same, they just run </a:t>
+            </a:r>
+            <a:r>
+              <a:rPr lang="en-US" sz="3400" b="1" dirty="0">
+                <a:solidFill>
+                  <a:schemeClr val="bg1"/>
+                </a:solidFill>
+              </a:rPr>
+              <a:t>before</a:t>
+            </a:r>
+            <a:r>
+              <a:rPr lang="en-US" sz="3400" dirty="0"/>
+              <a:t> any loaders</a:t>
+            </a:r>
+          </a:p>
+        </p:txBody>
+      </p:sp>
+      <p:sp>
+        <p:nvSpPr>
+          <p:cNvPr id="4" name="Title 3"/>
+          <p:cNvSpPr>
+            <a:spLocks noGrp="1"/>
+          </p:cNvSpPr>
+          <p:nvPr>
+            <p:ph type="title"/>
+          </p:nvPr>
+        </p:nvSpPr>
+        <p:spPr/>
+        <p:txBody>
+          <a:bodyPr>
+            <a:normAutofit fontScale="90000"/>
+          </a:bodyPr>
+          <a:lstStyle/>
+          <a:p>
+            <a:r>
+              <a:rPr lang="en-US" dirty="0"/>
+              <a:t>Processing Files with Loaders and </a:t>
+            </a:r>
+            <a:r>
+              <a:rPr lang="en-US" noProof="1"/>
+              <a:t>Preloaders</a:t>
+            </a:r>
+          </a:p>
+        </p:txBody>
+      </p:sp>
+      <p:sp>
+        <p:nvSpPr>
+          <p:cNvPr id="2" name="Slide Number Placeholder 1"/>
+          <p:cNvSpPr>
+            <a:spLocks noGrp="1"/>
+          </p:cNvSpPr>
+          <p:nvPr>
+            <p:ph type="sldNum" sz="quarter" idx="13"/>
+          </p:nvPr>
+        </p:nvSpPr>
+        <p:spPr/>
+        <p:txBody>
+          <a:bodyPr/>
+          <a:lstStyle/>
+          <a:p>
+            <a:fld id="{C014DD1E-5D91-48A3-AD6D-45FBA980D106}" type="slidenum">
+              <a:rPr lang="en-US" smtClean="0"/>
+              <a:pPr/>
+              <a:t>20</a:t>
+            </a:fld>
+            <a:endParaRPr lang="en-US" dirty="0"/>
+          </a:p>
+        </p:txBody>
+      </p:sp>
+      <p:sp>
+        <p:nvSpPr>
+          <p:cNvPr id="5" name="Rectangle 3"/>
+          <p:cNvSpPr>
+            <a:spLocks noChangeArrowheads="1"/>
+          </p:cNvSpPr>
+          <p:nvPr/>
+        </p:nvSpPr>
+        <p:spPr bwMode="auto">
+          <a:xfrm>
+            <a:off x="609601" y="2667000"/>
+            <a:ext cx="6104708" cy="2842235"/>
+          </a:xfrm>
+          <a:prstGeom prst="rect">
+            <a:avLst/>
+          </a:prstGeom>
+          <a:solidFill>
+            <a:schemeClr val="accent5">
+              <a:lumMod val="40000"/>
+              <a:lumOff val="60000"/>
+              <a:alpha val="15000"/>
+            </a:schemeClr>
+          </a:solidFill>
+          <a:ln w="12700">
+            <a:solidFill>
+              <a:schemeClr val="tx1">
+                <a:lumMod val="75000"/>
+              </a:schemeClr>
+            </a:solidFill>
+          </a:ln>
+        </p:spPr>
+        <p:txBody>
+          <a:bodyPr wrap="square" lIns="108000" tIns="72000" rIns="108000" bIns="72000">
+            <a:spAutoFit/>
+          </a:bodyPr>
+          <a:lstStyle/>
+          <a:p>
+            <a:pPr eaLnBrk="0" hangingPunct="0">
+              <a:lnSpc>
+                <a:spcPct val="105000"/>
+              </a:lnSpc>
+              <a:buClr>
+                <a:schemeClr val="accent5">
+                  <a:lumMod val="40000"/>
+                  <a:lumOff val="60000"/>
+                </a:schemeClr>
+              </a:buClr>
+              <a:buSzPct val="70000"/>
+            </a:pPr>
+            <a:r>
+              <a:rPr lang="en-US" sz="2400" b="1" noProof="1">
+                <a:latin typeface="Consolas" pitchFamily="49" charset="0"/>
+                <a:cs typeface="Consolas" pitchFamily="49" charset="0"/>
+              </a:rPr>
+              <a:t>module.exports = {</a:t>
+            </a:r>
+          </a:p>
+          <a:p>
+            <a:pPr eaLnBrk="0" hangingPunct="0">
+              <a:lnSpc>
+                <a:spcPct val="105000"/>
+              </a:lnSpc>
+              <a:buClr>
+                <a:schemeClr val="accent5">
+                  <a:lumMod val="40000"/>
+                  <a:lumOff val="60000"/>
+                </a:schemeClr>
+              </a:buClr>
+              <a:buSzPct val="70000"/>
+            </a:pPr>
+            <a:r>
+              <a:rPr lang="en-US" sz="2400" b="1" noProof="1">
+                <a:latin typeface="Consolas" pitchFamily="49" charset="0"/>
+                <a:cs typeface="Consolas" pitchFamily="49" charset="0"/>
+              </a:rPr>
+              <a:t>  </a:t>
+            </a:r>
+            <a:r>
+              <a:rPr lang="en-US" sz="2400" b="1" noProof="1">
+                <a:latin typeface="Consolas" pitchFamily="49" charset="0"/>
+              </a:rPr>
+              <a:t>entry: "./entry.js",</a:t>
+            </a:r>
+          </a:p>
+          <a:p>
+            <a:pPr eaLnBrk="0" hangingPunct="0">
+              <a:lnSpc>
+                <a:spcPct val="105000"/>
+              </a:lnSpc>
+              <a:buClr>
+                <a:schemeClr val="accent5">
+                  <a:lumMod val="40000"/>
+                  <a:lumOff val="60000"/>
+                </a:schemeClr>
+              </a:buClr>
+              <a:buSzPct val="70000"/>
+            </a:pPr>
+            <a:r>
+              <a:rPr lang="en-US" sz="2400" b="1" noProof="1">
+                <a:latin typeface="Consolas" pitchFamily="49" charset="0"/>
+              </a:rPr>
+              <a:t>  output: {filename: </a:t>
+            </a:r>
+            <a:r>
+              <a:rPr lang="en-US" sz="2400" b="1" noProof="1">
+                <a:latin typeface="Consolas" pitchFamily="49" charset="0"/>
+                <a:cs typeface="Consolas" pitchFamily="49" charset="0"/>
+              </a:rPr>
+              <a:t>"bundle.js"},</a:t>
+            </a:r>
+          </a:p>
+          <a:p>
+            <a:pPr eaLnBrk="0" hangingPunct="0">
+              <a:lnSpc>
+                <a:spcPct val="105000"/>
+              </a:lnSpc>
+              <a:buClr>
+                <a:schemeClr val="accent5">
+                  <a:lumMod val="40000"/>
+                  <a:lumOff val="60000"/>
+                </a:schemeClr>
+              </a:buClr>
+              <a:buSzPct val="70000"/>
+            </a:pPr>
+            <a:r>
+              <a:rPr lang="en-US" sz="2400" b="1" noProof="1">
+                <a:latin typeface="Consolas" pitchFamily="49" charset="0"/>
+                <a:cs typeface="Consolas" pitchFamily="49" charset="0"/>
+              </a:rPr>
+              <a:t>  </a:t>
+            </a:r>
+            <a:r>
+              <a:rPr lang="en-US" sz="2400" b="1" noProof="1">
+                <a:solidFill>
+                  <a:schemeClr val="bg1"/>
+                </a:solidFill>
+                <a:latin typeface="Consolas" pitchFamily="49" charset="0"/>
+                <a:cs typeface="Consolas" pitchFamily="49" charset="0"/>
+              </a:rPr>
+              <a:t>module</a:t>
+            </a:r>
+            <a:r>
+              <a:rPr lang="en-US" sz="2400" b="1" noProof="1">
+                <a:latin typeface="Consolas" pitchFamily="49" charset="0"/>
+              </a:rPr>
+              <a:t>: {</a:t>
+            </a:r>
+          </a:p>
+          <a:p>
+            <a:pPr eaLnBrk="0" hangingPunct="0">
+              <a:lnSpc>
+                <a:spcPct val="105000"/>
+              </a:lnSpc>
+              <a:buClr>
+                <a:schemeClr val="accent5">
+                  <a:lumMod val="40000"/>
+                  <a:lumOff val="60000"/>
+                </a:schemeClr>
+              </a:buClr>
+              <a:buSzPct val="70000"/>
+            </a:pPr>
+            <a:r>
+              <a:rPr lang="en-US" sz="2400" b="1" noProof="1">
+                <a:latin typeface="Consolas" pitchFamily="49" charset="0"/>
+              </a:rPr>
+              <a:t>    </a:t>
+            </a:r>
+            <a:r>
+              <a:rPr lang="en-US" sz="2400" b="1" noProof="1">
+                <a:solidFill>
+                  <a:schemeClr val="bg1"/>
+                </a:solidFill>
+                <a:latin typeface="Consolas" pitchFamily="49" charset="0"/>
+              </a:rPr>
+              <a:t>loaders</a:t>
+            </a:r>
+            <a:r>
+              <a:rPr lang="en-US" sz="2400" b="1" noProof="1">
+                <a:latin typeface="Consolas" pitchFamily="49" charset="0"/>
+              </a:rPr>
+              <a:t>: [ … ]</a:t>
+            </a:r>
+          </a:p>
+          <a:p>
+            <a:pPr eaLnBrk="0" hangingPunct="0">
+              <a:lnSpc>
+                <a:spcPct val="105000"/>
+              </a:lnSpc>
+              <a:buClr>
+                <a:schemeClr val="accent5">
+                  <a:lumMod val="40000"/>
+                  <a:lumOff val="60000"/>
+                </a:schemeClr>
+              </a:buClr>
+              <a:buSzPct val="70000"/>
+            </a:pPr>
+            <a:r>
+              <a:rPr lang="en-US" sz="2400" b="1" noProof="1">
+                <a:latin typeface="Consolas" pitchFamily="49" charset="0"/>
+              </a:rPr>
+              <a:t>  }</a:t>
+            </a:r>
+          </a:p>
+          <a:p>
+            <a:pPr eaLnBrk="0" hangingPunct="0">
+              <a:lnSpc>
+                <a:spcPct val="105000"/>
+              </a:lnSpc>
+              <a:buClr>
+                <a:schemeClr val="accent5">
+                  <a:lumMod val="40000"/>
+                  <a:lumOff val="60000"/>
+                </a:schemeClr>
+              </a:buClr>
+              <a:buSzPct val="70000"/>
+            </a:pPr>
+            <a:r>
+              <a:rPr lang="en-US" sz="2400" b="1" noProof="1">
+                <a:latin typeface="Consolas" pitchFamily="49" charset="0"/>
+                <a:cs typeface="Consolas" pitchFamily="49" charset="0"/>
+              </a:rPr>
+              <a:t>};</a:t>
+            </a:r>
+          </a:p>
+        </p:txBody>
+      </p:sp>
+      <p:sp>
+        <p:nvSpPr>
+          <p:cNvPr id="6" name="Rectangle 3"/>
+          <p:cNvSpPr>
+            <a:spLocks noChangeArrowheads="1"/>
+          </p:cNvSpPr>
+          <p:nvPr/>
+        </p:nvSpPr>
+        <p:spPr bwMode="auto">
+          <a:xfrm>
+            <a:off x="7007197" y="3442597"/>
+            <a:ext cx="4708412" cy="2066638"/>
+          </a:xfrm>
+          <a:prstGeom prst="rect">
+            <a:avLst/>
+          </a:prstGeom>
+          <a:solidFill>
+            <a:schemeClr val="accent5">
+              <a:lumMod val="40000"/>
+              <a:lumOff val="60000"/>
+              <a:alpha val="15000"/>
+            </a:schemeClr>
+          </a:solidFill>
+          <a:ln w="12700">
+            <a:solidFill>
+              <a:schemeClr val="tx1">
+                <a:lumMod val="75000"/>
+              </a:schemeClr>
+            </a:solidFill>
+          </a:ln>
+        </p:spPr>
+        <p:txBody>
+          <a:bodyPr wrap="square" lIns="108000" tIns="72000" rIns="108000" bIns="72000">
+            <a:spAutoFit/>
+          </a:bodyPr>
+          <a:lstStyle/>
+          <a:p>
+            <a:pPr eaLnBrk="0" hangingPunct="0">
+              <a:lnSpc>
+                <a:spcPct val="105000"/>
+              </a:lnSpc>
+              <a:buClr>
+                <a:schemeClr val="accent5">
+                  <a:lumMod val="40000"/>
+                  <a:lumOff val="60000"/>
+                </a:schemeClr>
+              </a:buClr>
+              <a:buSzPct val="70000"/>
+            </a:pPr>
+            <a:r>
+              <a:rPr lang="en-US" sz="2400" b="1" noProof="1">
+                <a:latin typeface="Consolas" pitchFamily="49" charset="0"/>
+              </a:rPr>
+              <a:t>{</a:t>
+            </a:r>
+          </a:p>
+          <a:p>
+            <a:pPr eaLnBrk="0" hangingPunct="0">
+              <a:lnSpc>
+                <a:spcPct val="105000"/>
+              </a:lnSpc>
+              <a:buClr>
+                <a:schemeClr val="accent5">
+                  <a:lumMod val="40000"/>
+                  <a:lumOff val="60000"/>
+                </a:schemeClr>
+              </a:buClr>
+              <a:buSzPct val="70000"/>
+            </a:pPr>
+            <a:r>
+              <a:rPr lang="en-US" sz="2400" b="1" noProof="1">
+                <a:latin typeface="Consolas" pitchFamily="49" charset="0"/>
+              </a:rPr>
+              <a:t>  </a:t>
+            </a:r>
+            <a:r>
+              <a:rPr lang="en-US" sz="2400" b="1" noProof="1">
+                <a:solidFill>
+                  <a:schemeClr val="bg1"/>
+                </a:solidFill>
+                <a:latin typeface="Consolas" pitchFamily="49" charset="0"/>
+              </a:rPr>
+              <a:t>test</a:t>
+            </a:r>
+            <a:r>
+              <a:rPr lang="en-US" sz="2400" b="1" noProof="1">
+                <a:latin typeface="Consolas" pitchFamily="49" charset="0"/>
+              </a:rPr>
+              <a:t>: /\.js$/,</a:t>
+            </a:r>
+          </a:p>
+          <a:p>
+            <a:pPr eaLnBrk="0" hangingPunct="0">
+              <a:lnSpc>
+                <a:spcPct val="105000"/>
+              </a:lnSpc>
+              <a:buClr>
+                <a:schemeClr val="accent5">
+                  <a:lumMod val="40000"/>
+                  <a:lumOff val="60000"/>
+                </a:schemeClr>
+              </a:buClr>
+              <a:buSzPct val="70000"/>
+            </a:pPr>
+            <a:r>
+              <a:rPr lang="en-US" sz="2400" b="1" noProof="1">
+                <a:latin typeface="Consolas" pitchFamily="49" charset="0"/>
+              </a:rPr>
+              <a:t>  </a:t>
+            </a:r>
+            <a:r>
+              <a:rPr lang="en-US" sz="2400" b="1" noProof="1">
+                <a:solidFill>
+                  <a:schemeClr val="bg1"/>
+                </a:solidFill>
+                <a:latin typeface="Consolas" pitchFamily="49" charset="0"/>
+              </a:rPr>
+              <a:t>exclude</a:t>
+            </a:r>
+            <a:r>
+              <a:rPr lang="en-US" sz="2400" b="1" noProof="1">
+                <a:latin typeface="Consolas" pitchFamily="49" charset="0"/>
+              </a:rPr>
+              <a:t>: /node_modules/,</a:t>
+            </a:r>
+          </a:p>
+          <a:p>
+            <a:pPr eaLnBrk="0" hangingPunct="0">
+              <a:lnSpc>
+                <a:spcPct val="105000"/>
+              </a:lnSpc>
+              <a:buClr>
+                <a:schemeClr val="accent5">
+                  <a:lumMod val="40000"/>
+                  <a:lumOff val="60000"/>
+                </a:schemeClr>
+              </a:buClr>
+              <a:buSzPct val="70000"/>
+            </a:pPr>
+            <a:r>
+              <a:rPr lang="en-US" sz="2400" b="1" noProof="1">
+                <a:latin typeface="Consolas" pitchFamily="49" charset="0"/>
+              </a:rPr>
+              <a:t>  </a:t>
+            </a:r>
+            <a:r>
+              <a:rPr lang="en-US" sz="2400" b="1" noProof="1">
+                <a:solidFill>
+                  <a:schemeClr val="bg1"/>
+                </a:solidFill>
+                <a:latin typeface="Consolas" pitchFamily="49" charset="0"/>
+              </a:rPr>
+              <a:t>loader</a:t>
+            </a:r>
+            <a:r>
+              <a:rPr lang="en-US" sz="2400" b="1" noProof="1">
+                <a:latin typeface="Consolas" pitchFamily="49" charset="0"/>
+              </a:rPr>
+              <a:t>: "babel-loader"</a:t>
+            </a:r>
+          </a:p>
+          <a:p>
+            <a:pPr eaLnBrk="0" hangingPunct="0">
+              <a:lnSpc>
+                <a:spcPct val="105000"/>
+              </a:lnSpc>
+              <a:buClr>
+                <a:schemeClr val="accent5">
+                  <a:lumMod val="40000"/>
+                  <a:lumOff val="60000"/>
+                </a:schemeClr>
+              </a:buClr>
+              <a:buSzPct val="70000"/>
+            </a:pPr>
+            <a:r>
+              <a:rPr lang="en-US" sz="2400" b="1" noProof="1">
+                <a:latin typeface="Consolas" pitchFamily="49" charset="0"/>
+              </a:rPr>
+              <a:t>}</a:t>
+            </a:r>
+          </a:p>
+        </p:txBody>
+      </p:sp>
+      <p:sp>
+        <p:nvSpPr>
+          <p:cNvPr id="9" name="Закръглено правоъгълно изнесено означение 7"/>
+          <p:cNvSpPr/>
+          <p:nvPr/>
+        </p:nvSpPr>
+        <p:spPr bwMode="auto">
+          <a:xfrm>
+            <a:off x="7840606" y="2644005"/>
+            <a:ext cx="2743202" cy="554993"/>
+          </a:xfrm>
+          <a:prstGeom prst="wedgeRoundRectCallout">
+            <a:avLst>
+              <a:gd name="adj1" fmla="val -19182"/>
+              <a:gd name="adj2" fmla="val 77638"/>
+              <a:gd name="adj3" fmla="val 16667"/>
+            </a:avLst>
+          </a:prstGeom>
+          <a:solidFill>
+            <a:srgbClr val="234465">
+              <a:alpha val="80000"/>
+            </a:srgbClr>
+          </a:solidFill>
+          <a:ln w="19050" cap="flat" cmpd="sng" algn="ctr">
+            <a:solidFill>
+              <a:srgbClr val="234465">
+                <a:lumMod val="75000"/>
+                <a:alpha val="80000"/>
+              </a:srgbClr>
+            </a:solidFill>
+            <a:prstDash val="solid"/>
+          </a:ln>
+          <a:effectLst/>
+        </p:spPr>
+        <p:txBody>
+          <a:bodyPr rot="0" spcFirstLastPara="0" vertOverflow="overflow" horzOverflow="overflow" vert="horz" wrap="square" lIns="91440" tIns="45720" rIns="91440" bIns="45720" numCol="1" spcCol="0" rtlCol="0" fromWordArt="0" anchor="ctr" anchorCtr="0" forceAA="0" compatLnSpc="1">
+            <a:prstTxWarp prst="textNoShape">
+              <a:avLst/>
+            </a:prstTxWarp>
+            <a:noAutofit/>
+          </a:bodyPr>
+          <a:lstStyle/>
+          <a:p>
+            <a:pPr algn="ctr"/>
+            <a:r>
+              <a:rPr lang="en-US" sz="2800" dirty="0">
+                <a:solidFill>
+                  <a:schemeClr val="bg2"/>
+                </a:solidFill>
+              </a:rPr>
+              <a:t>Loader format</a:t>
+            </a:r>
+          </a:p>
+        </p:txBody>
+      </p:sp>
+    </p:spTree>
+    <p:extLst>
+      <p:ext uri="{BB962C8B-B14F-4D97-AF65-F5344CB8AC3E}">
+        <p14:creationId xmlns:p14="http://schemas.microsoft.com/office/powerpoint/2010/main" val="2028878562"/>
+      </p:ext>
+    </p:extLst>
+  </p:cSld>
+  <p:clrMapOvr>
+    <a:masterClrMapping/>
+  </p:clrMapOvr>
+  <p:timing>
+    <p:tnLst>
+      <p:par>
+        <p:cTn id="1" dur="indefinite" restart="never" nodeType="tmRoot">
+          <p:childTnLst>
+            <p:seq concurrent="1" nextAc="seek">
+              <p:cTn id="2" dur="indefinite" nodeType="mainSeq">
+                <p:childTnLst>
+                  <p:par>
+                    <p:cTn id="3" fill="hold">
+                      <p:stCondLst>
+                        <p:cond delay="indefinite"/>
+                      </p:stCondLst>
+                      <p:childTnLst>
+                        <p:par>
+                          <p:cTn id="4" fill="hold">
+                            <p:stCondLst>
+                              <p:cond delay="0"/>
+                            </p:stCondLst>
+                            <p:childTnLst>
+                              <p:par>
+                                <p:cTn id="5" presetID="1" presetClass="entr" presetSubtype="0" fill="hold" nodeType="clickEffect">
+                                  <p:stCondLst>
+                                    <p:cond delay="0"/>
+                                  </p:stCondLst>
+                                  <p:childTnLst>
+                                    <p:set>
+                                      <p:cBhvr>
+                                        <p:cTn id="6" dur="1" fill="hold">
+                                          <p:stCondLst>
+                                            <p:cond delay="0"/>
+                                          </p:stCondLst>
+                                        </p:cTn>
+                                        <p:tgtEl>
+                                          <p:spTgt spid="3">
+                                            <p:txEl>
+                                              <p:pRg st="1" end="1"/>
+                                            </p:txEl>
+                                          </p:spTgt>
+                                        </p:tgtEl>
+                                        <p:attrNameLst>
+                                          <p:attrName>style.visibility</p:attrName>
+                                        </p:attrNameLst>
+                                      </p:cBhvr>
+                                      <p:to>
+                                        <p:strVal val="visible"/>
+                                      </p:to>
+                                    </p:set>
+                                  </p:childTnLst>
+                                </p:cTn>
+                              </p:par>
+                            </p:childTnLst>
+                          </p:cTn>
+                        </p:par>
+                        <p:par>
+                          <p:cTn id="7" fill="hold">
+                            <p:stCondLst>
+                              <p:cond delay="0"/>
+                            </p:stCondLst>
+                            <p:childTnLst>
+                              <p:par>
+                                <p:cTn id="8" presetID="1" presetClass="entr" presetSubtype="0" fill="hold" grpId="0" nodeType="afterEffect">
+                                  <p:stCondLst>
+                                    <p:cond delay="0"/>
+                                  </p:stCondLst>
+                                  <p:childTnLst>
+                                    <p:set>
+                                      <p:cBhvr>
+                                        <p:cTn id="9" dur="1" fill="hold">
+                                          <p:stCondLst>
+                                            <p:cond delay="0"/>
+                                          </p:stCondLst>
+                                        </p:cTn>
+                                        <p:tgtEl>
+                                          <p:spTgt spid="5"/>
+                                        </p:tgtEl>
+                                        <p:attrNameLst>
+                                          <p:attrName>style.visibility</p:attrName>
+                                        </p:attrNameLst>
+                                      </p:cBhvr>
+                                      <p:to>
+                                        <p:strVal val="visible"/>
+                                      </p:to>
+                                    </p:set>
+                                  </p:childTnLst>
+                                </p:cTn>
+                              </p:par>
+                            </p:childTnLst>
+                          </p:cTn>
+                        </p:par>
+                        <p:par>
+                          <p:cTn id="10" fill="hold">
+                            <p:stCondLst>
+                              <p:cond delay="0"/>
+                            </p:stCondLst>
+                            <p:childTnLst>
+                              <p:par>
+                                <p:cTn id="11" presetID="1" presetClass="entr" presetSubtype="0" fill="hold" grpId="0" nodeType="afterEffect">
+                                  <p:stCondLst>
+                                    <p:cond delay="0"/>
+                                  </p:stCondLst>
+                                  <p:childTnLst>
+                                    <p:set>
+                                      <p:cBhvr>
+                                        <p:cTn id="12" dur="1" fill="hold">
+                                          <p:stCondLst>
+                                            <p:cond delay="0"/>
+                                          </p:stCondLst>
+                                        </p:cTn>
+                                        <p:tgtEl>
+                                          <p:spTgt spid="6"/>
+                                        </p:tgtEl>
+                                        <p:attrNameLst>
+                                          <p:attrName>style.visibility</p:attrName>
+                                        </p:attrNameLst>
+                                      </p:cBhvr>
+                                      <p:to>
+                                        <p:strVal val="visible"/>
+                                      </p:to>
+                                    </p:set>
+                                  </p:childTnLst>
+                                </p:cTn>
+                              </p:par>
+                            </p:childTnLst>
+                          </p:cTn>
+                        </p:par>
+                      </p:childTnLst>
+                    </p:cTn>
+                  </p:par>
+                  <p:par>
+                    <p:cTn id="13" fill="hold">
+                      <p:stCondLst>
+                        <p:cond delay="indefinite"/>
+                      </p:stCondLst>
+                      <p:childTnLst>
+                        <p:par>
+                          <p:cTn id="14" fill="hold">
+                            <p:stCondLst>
+                              <p:cond delay="0"/>
+                            </p:stCondLst>
+                            <p:childTnLst>
+                              <p:par>
+                                <p:cTn id="15" presetID="1" presetClass="entr" presetSubtype="0" fill="hold" nodeType="clickEffect">
+                                  <p:stCondLst>
+                                    <p:cond delay="0"/>
+                                  </p:stCondLst>
+                                  <p:childTnLst>
+                                    <p:set>
+                                      <p:cBhvr>
+                                        <p:cTn id="16" dur="1" fill="hold">
+                                          <p:stCondLst>
+                                            <p:cond delay="0"/>
+                                          </p:stCondLst>
+                                        </p:cTn>
+                                        <p:tgtEl>
+                                          <p:spTgt spid="3">
+                                            <p:txEl>
+                                              <p:pRg st="2" end="2"/>
+                                            </p:txEl>
+                                          </p:spTgt>
+                                        </p:tgtEl>
+                                        <p:attrNameLst>
+                                          <p:attrName>style.visibility</p:attrName>
+                                        </p:attrNameLst>
+                                      </p:cBhvr>
+                                      <p:to>
+                                        <p:strVal val="visible"/>
+                                      </p:to>
+                                    </p:set>
+                                  </p:childTnLst>
+                                </p:cTn>
+                              </p:par>
+                            </p:childTnLst>
+                          </p:cTn>
+                        </p:par>
+                      </p:childTnLst>
+                    </p:cTn>
+                  </p:par>
+                  <p:par>
+                    <p:cTn id="17" fill="hold">
+                      <p:stCondLst>
+                        <p:cond delay="indefinite"/>
+                      </p:stCondLst>
+                      <p:childTnLst>
+                        <p:par>
+                          <p:cTn id="18" fill="hold">
+                            <p:stCondLst>
+                              <p:cond delay="0"/>
+                            </p:stCondLst>
+                            <p:childTnLst>
+                              <p:par>
+                                <p:cTn id="19" presetID="1" presetClass="entr" presetSubtype="0" fill="hold" grpId="0" nodeType="clickEffect">
+                                  <p:stCondLst>
+                                    <p:cond delay="0"/>
+                                  </p:stCondLst>
+                                  <p:childTnLst>
+                                    <p:set>
+                                      <p:cBhvr>
+                                        <p:cTn id="20" dur="1" fill="hold">
+                                          <p:stCondLst>
+                                            <p:cond delay="0"/>
+                                          </p:stCondLst>
+                                        </p:cTn>
+                                        <p:tgtEl>
+                                          <p:spTgt spid="9"/>
+                                        </p:tgtEl>
+                                        <p:attrNameLst>
+                                          <p:attrName>style.visibility</p:attrName>
+                                        </p:attrNameLst>
+                                      </p:cBhvr>
+                                      <p:to>
+                                        <p:strVal val="visible"/>
+                                      </p:to>
+                                    </p:set>
+                                  </p:childTnLst>
+                                </p:cTn>
+                              </p:par>
+                            </p:childTnLst>
+                          </p:cTn>
+                        </p:par>
+                      </p:childTnLst>
+                    </p:cTn>
+                  </p:par>
+                </p:childTnLst>
+              </p:cTn>
+              <p:prevCondLst>
+                <p:cond evt="onPrev" delay="0">
+                  <p:tgtEl>
+                    <p:sldTgt/>
+                  </p:tgtEl>
+                </p:cond>
+              </p:prevCondLst>
+              <p:nextCondLst>
+                <p:cond evt="onNext" delay="0">
+                  <p:tgtEl>
+                    <p:sldTgt/>
+                  </p:tgtEl>
+                </p:cond>
+              </p:nextCondLst>
+            </p:seq>
+          </p:childTnLst>
+        </p:cTn>
+      </p:par>
+    </p:tnLst>
+    <p:bldLst>
+      <p:bldP spid="5" grpId="0" animBg="1"/>
+      <p:bldP spid="6" grpId="0" animBg="1"/>
+      <p:bldP spid="9" grpId="0" animBg="1"/>
+    </p:bldLst>
+  </p:timing>
+</p:sld>
+</file>
+
+<file path=ppt/slides/slide21.xml><?xml version="1.0" encoding="utf-8"?>
+<p:sld xmlns:a="http://schemas.openxmlformats.org/drawingml/2006/main" xmlns:r="http://schemas.openxmlformats.org/officeDocument/2006/relationships" xmlns:p="http://schemas.openxmlformats.org/presentationml/2006/main">
+  <p:cSld>
+    <p:spTree>
+      <p:nvGrpSpPr>
+        <p:cNvPr id="1" name=""/>
+        <p:cNvGrpSpPr/>
+        <p:nvPr/>
+      </p:nvGrpSpPr>
+      <p:grpSpPr>
+        <a:xfrm>
+          <a:off x="0" y="0"/>
+          <a:ext cx="0" cy="0"/>
+          <a:chOff x="0" y="0"/>
+          <a:chExt cx="0" cy="0"/>
+        </a:xfrm>
+      </p:grpSpPr>
+      <p:sp>
+        <p:nvSpPr>
+          <p:cNvPr id="2" name="Text Placeholder 1"/>
+          <p:cNvSpPr>
+            <a:spLocks noGrp="1"/>
+          </p:cNvSpPr>
+          <p:nvPr>
+            <p:ph type="body" sz="quarter" idx="10"/>
+          </p:nvPr>
+        </p:nvSpPr>
+        <p:spPr>
+          <a:xfrm>
+            <a:off x="1636885" y="1159244"/>
+            <a:ext cx="9929724" cy="5276048"/>
+          </a:xfrm>
+        </p:spPr>
+        <p:txBody>
+          <a:bodyPr/>
+          <a:lstStyle/>
+          <a:p>
+            <a:r>
+              <a:rPr lang="en-US" sz="3400" noProof="1"/>
+              <a:t>Webpack uses </a:t>
+            </a:r>
+            <a:r>
+              <a:rPr lang="en-US" sz="3400" b="1" noProof="1">
+                <a:solidFill>
+                  <a:schemeClr val="bg1"/>
+                </a:solidFill>
+                <a:latin typeface="+mj-lt"/>
+              </a:rPr>
+              <a:t>npm scripts </a:t>
+            </a:r>
+            <a:r>
+              <a:rPr lang="en-US" sz="3400" noProof="1"/>
+              <a:t>for further automation</a:t>
+            </a:r>
+          </a:p>
+          <a:p>
+            <a:pPr lvl="1"/>
+            <a:r>
+              <a:rPr lang="en-US" sz="3200" noProof="1"/>
+              <a:t>Add to your </a:t>
+            </a:r>
+            <a:r>
+              <a:rPr lang="en-US" sz="3200" b="1" noProof="1">
+                <a:solidFill>
+                  <a:schemeClr val="bg1"/>
+                </a:solidFill>
+                <a:latin typeface="+mj-lt"/>
+              </a:rPr>
+              <a:t>package.json</a:t>
+            </a:r>
+            <a:r>
+              <a:rPr lang="en-US" sz="3200" noProof="1"/>
+              <a:t> file</a:t>
+            </a:r>
+          </a:p>
+          <a:p>
+            <a:pPr lvl="1"/>
+            <a:endParaRPr lang="en-US" sz="3200" noProof="1"/>
+          </a:p>
+          <a:p>
+            <a:pPr lvl="1"/>
+            <a:endParaRPr lang="en-US" sz="3200" noProof="1"/>
+          </a:p>
+          <a:p>
+            <a:pPr lvl="1"/>
+            <a:r>
+              <a:rPr lang="en-US" sz="3200" noProof="1"/>
+              <a:t>Instead of running </a:t>
+            </a:r>
+            <a:r>
+              <a:rPr lang="en-US" sz="3200" b="1" noProof="1">
+                <a:solidFill>
+                  <a:schemeClr val="bg1"/>
+                </a:solidFill>
+              </a:rPr>
+              <a:t>webpack-dev-server</a:t>
+            </a:r>
+            <a:r>
+              <a:rPr lang="en-US" sz="3200" noProof="1"/>
+              <a:t>, we can run the following instead</a:t>
+            </a:r>
+          </a:p>
+        </p:txBody>
+      </p:sp>
+      <p:sp>
+        <p:nvSpPr>
+          <p:cNvPr id="3" name="Title 2"/>
+          <p:cNvSpPr>
+            <a:spLocks noGrp="1"/>
+          </p:cNvSpPr>
+          <p:nvPr>
+            <p:ph type="title"/>
+          </p:nvPr>
+        </p:nvSpPr>
+        <p:spPr/>
+        <p:txBody>
+          <a:bodyPr/>
+          <a:lstStyle/>
+          <a:p>
+            <a:r>
+              <a:rPr lang="en-US" dirty="0"/>
+              <a:t>Creating a Start Script</a:t>
+            </a:r>
+          </a:p>
+        </p:txBody>
+      </p:sp>
+      <p:sp>
+        <p:nvSpPr>
+          <p:cNvPr id="4" name="Rectangle 3"/>
+          <p:cNvSpPr>
+            <a:spLocks noChangeArrowheads="1"/>
+          </p:cNvSpPr>
+          <p:nvPr/>
+        </p:nvSpPr>
+        <p:spPr bwMode="auto">
+          <a:xfrm>
+            <a:off x="2710542" y="2488466"/>
+            <a:ext cx="5527767" cy="1308802"/>
+          </a:xfrm>
+          <a:prstGeom prst="rect">
+            <a:avLst/>
+          </a:prstGeom>
+          <a:solidFill>
+            <a:schemeClr val="accent5">
+              <a:lumMod val="40000"/>
+              <a:lumOff val="60000"/>
+              <a:alpha val="15000"/>
+            </a:schemeClr>
+          </a:solidFill>
+          <a:ln w="12700">
+            <a:solidFill>
+              <a:schemeClr val="tx1">
+                <a:lumMod val="75000"/>
+              </a:schemeClr>
+            </a:solidFill>
+          </a:ln>
+        </p:spPr>
+        <p:txBody>
+          <a:bodyPr wrap="square" lIns="108000" tIns="72000" rIns="108000" bIns="72000">
+            <a:spAutoFit/>
+          </a:bodyPr>
+          <a:lstStyle/>
+          <a:p>
+            <a:pPr eaLnBrk="0" hangingPunct="0">
+              <a:lnSpc>
+                <a:spcPct val="105000"/>
+              </a:lnSpc>
+              <a:buClr>
+                <a:schemeClr val="accent5">
+                  <a:lumMod val="40000"/>
+                  <a:lumOff val="60000"/>
+                </a:schemeClr>
+              </a:buClr>
+              <a:buSzPct val="70000"/>
+            </a:pPr>
+            <a:r>
+              <a:rPr lang="en-US" sz="2400" b="1" noProof="1">
+                <a:solidFill>
+                  <a:schemeClr val="bg1"/>
+                </a:solidFill>
+                <a:latin typeface="Consolas" pitchFamily="49" charset="0"/>
+                <a:cs typeface="Consolas" pitchFamily="49" charset="0"/>
+              </a:rPr>
+              <a:t>scripts</a:t>
+            </a:r>
+            <a:r>
+              <a:rPr lang="en-US" sz="2400" b="1" noProof="1">
+                <a:latin typeface="Consolas" pitchFamily="49" charset="0"/>
+                <a:cs typeface="Consolas" pitchFamily="49" charset="0"/>
+              </a:rPr>
+              <a:t>: {</a:t>
+            </a:r>
+          </a:p>
+          <a:p>
+            <a:pPr eaLnBrk="0" hangingPunct="0">
+              <a:lnSpc>
+                <a:spcPct val="105000"/>
+              </a:lnSpc>
+              <a:buClr>
+                <a:schemeClr val="accent5">
+                  <a:lumMod val="40000"/>
+                  <a:lumOff val="60000"/>
+                </a:schemeClr>
+              </a:buClr>
+              <a:buSzPct val="70000"/>
+            </a:pPr>
+            <a:r>
+              <a:rPr lang="en-US" sz="2400" b="1" noProof="1">
+                <a:latin typeface="Consolas" pitchFamily="49" charset="0"/>
+                <a:cs typeface="Consolas" pitchFamily="49" charset="0"/>
+              </a:rPr>
+              <a:t>  "</a:t>
+            </a:r>
+            <a:r>
+              <a:rPr lang="en-US" sz="2400" b="1" noProof="1">
+                <a:solidFill>
+                  <a:schemeClr val="bg1"/>
+                </a:solidFill>
+                <a:latin typeface="Consolas" pitchFamily="49" charset="0"/>
+                <a:cs typeface="Consolas" pitchFamily="49" charset="0"/>
+              </a:rPr>
+              <a:t>start</a:t>
+            </a:r>
+            <a:r>
+              <a:rPr lang="en-US" sz="2400" b="1" noProof="1">
+                <a:latin typeface="Consolas" pitchFamily="49" charset="0"/>
+                <a:cs typeface="Consolas" pitchFamily="49" charset="0"/>
+              </a:rPr>
+              <a:t>": "webpack-dev-server"</a:t>
+            </a:r>
+          </a:p>
+          <a:p>
+            <a:pPr eaLnBrk="0" hangingPunct="0">
+              <a:lnSpc>
+                <a:spcPct val="105000"/>
+              </a:lnSpc>
+              <a:buClr>
+                <a:schemeClr val="accent5">
+                  <a:lumMod val="40000"/>
+                  <a:lumOff val="60000"/>
+                </a:schemeClr>
+              </a:buClr>
+              <a:buSzPct val="70000"/>
+            </a:pPr>
+            <a:r>
+              <a:rPr lang="en-US" sz="2400" b="1" noProof="1">
+                <a:latin typeface="Consolas" pitchFamily="49" charset="0"/>
+                <a:cs typeface="Consolas" pitchFamily="49" charset="0"/>
+              </a:rPr>
+              <a:t>};</a:t>
+            </a:r>
+          </a:p>
+        </p:txBody>
+      </p:sp>
+      <p:sp>
+        <p:nvSpPr>
+          <p:cNvPr id="6" name="Rectangle 5"/>
+          <p:cNvSpPr>
+            <a:spLocks noChangeArrowheads="1"/>
+          </p:cNvSpPr>
+          <p:nvPr/>
+        </p:nvSpPr>
+        <p:spPr bwMode="auto">
+          <a:xfrm>
+            <a:off x="2710543" y="5091433"/>
+            <a:ext cx="1760790" cy="533205"/>
+          </a:xfrm>
+          <a:prstGeom prst="rect">
+            <a:avLst/>
+          </a:prstGeom>
+          <a:solidFill>
+            <a:schemeClr val="accent5">
+              <a:lumMod val="40000"/>
+              <a:lumOff val="60000"/>
+              <a:alpha val="15000"/>
+            </a:schemeClr>
+          </a:solidFill>
+          <a:ln w="12700">
+            <a:solidFill>
+              <a:schemeClr val="tx1">
+                <a:lumMod val="75000"/>
+              </a:schemeClr>
+            </a:solidFill>
+          </a:ln>
+        </p:spPr>
+        <p:txBody>
+          <a:bodyPr wrap="square" lIns="108000" tIns="72000" rIns="108000" bIns="72000">
+            <a:spAutoFit/>
+          </a:bodyPr>
+          <a:lstStyle/>
+          <a:p>
+            <a:pPr eaLnBrk="0" hangingPunct="0">
+              <a:lnSpc>
+                <a:spcPct val="105000"/>
+              </a:lnSpc>
+              <a:buClr>
+                <a:schemeClr val="accent5">
+                  <a:lumMod val="40000"/>
+                  <a:lumOff val="60000"/>
+                </a:schemeClr>
+              </a:buClr>
+              <a:buSzPct val="70000"/>
+            </a:pPr>
+            <a:r>
+              <a:rPr lang="en-US" sz="2400" b="1" noProof="1">
+                <a:latin typeface="Consolas" pitchFamily="49" charset="0"/>
+                <a:cs typeface="Consolas" pitchFamily="49" charset="0"/>
+              </a:rPr>
+              <a:t>npm start</a:t>
+            </a:r>
+          </a:p>
+        </p:txBody>
+      </p:sp>
+    </p:spTree>
+    <p:extLst>
+      <p:ext uri="{BB962C8B-B14F-4D97-AF65-F5344CB8AC3E}">
+        <p14:creationId xmlns:p14="http://schemas.microsoft.com/office/powerpoint/2010/main" val="1240048928"/>
+      </p:ext>
+    </p:extLst>
+  </p:cSld>
+  <p:clrMapOvr>
+    <a:masterClrMapping/>
+  </p:clrMapOvr>
+  <p:timing>
+    <p:tnLst>
+      <p:par>
+        <p:cTn id="1" dur="indefinite" restart="never" nodeType="tmRoot">
+          <p:childTnLst>
+            <p:seq concurrent="1" nextAc="seek">
+              <p:cTn id="2" dur="indefinite" nodeType="mainSeq">
+                <p:childTnLst>
+                  <p:par>
+                    <p:cTn id="3" fill="hold">
+                      <p:stCondLst>
+                        <p:cond delay="indefinite"/>
+                      </p:stCondLst>
+                      <p:childTnLst>
+                        <p:par>
+                          <p:cTn id="4" fill="hold">
+                            <p:stCondLst>
+                              <p:cond delay="0"/>
+                            </p:stCondLst>
+                            <p:childTnLst>
+                              <p:par>
+                                <p:cTn id="5" presetID="1" presetClass="entr" presetSubtype="0" fill="hold" nodeType="clickEffect">
+                                  <p:stCondLst>
+                                    <p:cond delay="0"/>
+                                  </p:stCondLst>
+                                  <p:childTnLst>
+                                    <p:set>
+                                      <p:cBhvr>
+                                        <p:cTn id="6" dur="1" fill="hold">
+                                          <p:stCondLst>
+                                            <p:cond delay="0"/>
+                                          </p:stCondLst>
+                                        </p:cTn>
+                                        <p:tgtEl>
+                                          <p:spTgt spid="2">
+                                            <p:txEl>
+                                              <p:pRg st="4" end="4"/>
+                                            </p:txEl>
+                                          </p:spTgt>
+                                        </p:tgtEl>
+                                        <p:attrNameLst>
+                                          <p:attrName>style.visibility</p:attrName>
+                                        </p:attrNameLst>
+                                      </p:cBhvr>
+                                      <p:to>
+                                        <p:strVal val="visible"/>
+                                      </p:to>
+                                    </p:set>
+                                  </p:childTnLst>
+                                </p:cTn>
+                              </p:par>
+                            </p:childTnLst>
+                          </p:cTn>
+                        </p:par>
+                      </p:childTnLst>
+                    </p:cTn>
+                  </p:par>
+                  <p:par>
+                    <p:cTn id="7" fill="hold">
+                      <p:stCondLst>
+                        <p:cond delay="indefinite"/>
+                      </p:stCondLst>
+                      <p:childTnLst>
+                        <p:par>
+                          <p:cTn id="8" fill="hold">
+                            <p:stCondLst>
+                              <p:cond delay="0"/>
+                            </p:stCondLst>
+                            <p:childTnLst>
+                              <p:par>
+                                <p:cTn id="9" presetID="1" presetClass="entr" presetSubtype="0" fill="hold" grpId="0" nodeType="clickEffect">
+                                  <p:stCondLst>
+                                    <p:cond delay="0"/>
+                                  </p:stCondLst>
+                                  <p:childTnLst>
+                                    <p:set>
+                                      <p:cBhvr>
+                                        <p:cTn id="10" dur="1" fill="hold">
+                                          <p:stCondLst>
+                                            <p:cond delay="0"/>
+                                          </p:stCondLst>
+                                        </p:cTn>
+                                        <p:tgtEl>
+                                          <p:spTgt spid="6"/>
+                                        </p:tgtEl>
+                                        <p:attrNameLst>
+                                          <p:attrName>style.visibility</p:attrName>
+                                        </p:attrNameLst>
+                                      </p:cBhvr>
+                                      <p:to>
+                                        <p:strVal val="visible"/>
+                                      </p:to>
+                                    </p:set>
+                                  </p:childTnLst>
+                                </p:cTn>
+                              </p:par>
+                            </p:childTnLst>
+                          </p:cTn>
+                        </p:par>
+                      </p:childTnLst>
+                    </p:cTn>
+                  </p:par>
+                </p:childTnLst>
+              </p:cTn>
+              <p:prevCondLst>
+                <p:cond evt="onPrev" delay="0">
+                  <p:tgtEl>
+                    <p:sldTgt/>
+                  </p:tgtEl>
+                </p:cond>
+              </p:prevCondLst>
+              <p:nextCondLst>
+                <p:cond evt="onNext" delay="0">
+                  <p:tgtEl>
+                    <p:sldTgt/>
+                  </p:tgtEl>
+                </p:cond>
+              </p:nextCondLst>
+            </p:seq>
+          </p:childTnLst>
+        </p:cTn>
+      </p:par>
+    </p:tnLst>
+    <p:bldLst>
+      <p:bldP spid="6" grpId="0" animBg="1"/>
+    </p:bldLst>
+  </p:timing>
+</p:sld>
+</file>
+
+<file path=ppt/slides/slide22.xml><?xml version="1.0" encoding="utf-8"?>
+<p:sld xmlns:a="http://schemas.openxmlformats.org/drawingml/2006/main" xmlns:r="http://schemas.openxmlformats.org/officeDocument/2006/relationships" xmlns:p="http://schemas.openxmlformats.org/presentationml/2006/main">
+  <p:cSld>
+    <p:spTree>
+      <p:nvGrpSpPr>
+        <p:cNvPr id="1" name=""/>
+        <p:cNvGrpSpPr/>
+        <p:nvPr/>
+      </p:nvGrpSpPr>
+      <p:grpSpPr>
+        <a:xfrm>
+          <a:off x="0" y="0"/>
+          <a:ext cx="0" cy="0"/>
+          <a:chOff x="0" y="0"/>
+          <a:chExt cx="0" cy="0"/>
+        </a:xfrm>
+      </p:grpSpPr>
+      <p:sp>
+        <p:nvSpPr>
+          <p:cNvPr id="2" name="Text Placeholder 1"/>
+          <p:cNvSpPr>
+            <a:spLocks noGrp="1"/>
+          </p:cNvSpPr>
+          <p:nvPr>
+            <p:ph type="body" sz="quarter" idx="10"/>
+          </p:nvPr>
+        </p:nvSpPr>
+        <p:spPr>
+          <a:xfrm>
+            <a:off x="190402" y="1196125"/>
+            <a:ext cx="12001598" cy="5201066"/>
+          </a:xfrm>
+        </p:spPr>
+        <p:txBody>
+          <a:bodyPr/>
+          <a:lstStyle/>
+          <a:p>
+            <a:pPr>
+              <a:spcBef>
+                <a:spcPts val="13800"/>
+              </a:spcBef>
+            </a:pPr>
+            <a:r>
+              <a:rPr lang="en-US" sz="3400" noProof="1"/>
+              <a:t>To </a:t>
+            </a:r>
+            <a:r>
+              <a:rPr lang="en-US" sz="3400" b="1" noProof="1">
+                <a:solidFill>
+                  <a:schemeClr val="bg1"/>
+                </a:solidFill>
+              </a:rPr>
+              <a:t>minify</a:t>
+            </a:r>
+            <a:r>
+              <a:rPr lang="en-US" sz="3400" noProof="1"/>
+              <a:t> the bundle</a:t>
+            </a:r>
+            <a:r>
+              <a:rPr lang="bg-BG" sz="3400" noProof="1"/>
+              <a:t> </a:t>
+            </a:r>
+            <a:r>
+              <a:rPr lang="en-US" sz="3400" noProof="1"/>
+              <a:t>for deploy, run webpack with </a:t>
+            </a:r>
+            <a:r>
+              <a:rPr lang="en-US" sz="3400" b="1" noProof="1">
+                <a:solidFill>
+                  <a:schemeClr val="bg1"/>
+                </a:solidFill>
+                <a:latin typeface="Consolas" panose="020B0609020204030204" pitchFamily="49" charset="0"/>
+              </a:rPr>
+              <a:t>–p</a:t>
+            </a:r>
+            <a:r>
+              <a:rPr lang="en-US" sz="3400" noProof="1"/>
+              <a:t> argument</a:t>
+            </a:r>
+          </a:p>
+          <a:p>
+            <a:pPr marL="0" indent="0">
+              <a:spcBef>
+                <a:spcPts val="0"/>
+              </a:spcBef>
+              <a:buNone/>
+            </a:pPr>
+            <a:endParaRPr lang="en-US" sz="3400" noProof="1"/>
+          </a:p>
+          <a:p>
+            <a:pPr>
+              <a:spcBef>
+                <a:spcPts val="0"/>
+              </a:spcBef>
+            </a:pPr>
+            <a:r>
+              <a:rPr lang="en-US" sz="3400" noProof="1"/>
+              <a:t>Install </a:t>
+            </a:r>
+            <a:r>
+              <a:rPr lang="en-US" sz="3400" b="1" noProof="1">
+                <a:solidFill>
+                  <a:schemeClr val="bg1"/>
+                </a:solidFill>
+              </a:rPr>
+              <a:t>strip-loader </a:t>
+            </a:r>
+          </a:p>
+          <a:p>
+            <a:pPr lvl="1">
+              <a:spcBef>
+                <a:spcPts val="0"/>
+              </a:spcBef>
+            </a:pPr>
+            <a:r>
+              <a:rPr lang="en-US" dirty="0"/>
+              <a:t>Strips </a:t>
+            </a:r>
+            <a:r>
+              <a:rPr lang="en-US" b="1" dirty="0">
+                <a:solidFill>
+                  <a:schemeClr val="bg1"/>
+                </a:solidFill>
+              </a:rPr>
+              <a:t>arbitrary functions </a:t>
+            </a:r>
+            <a:r>
+              <a:rPr lang="en-US" dirty="0"/>
+              <a:t>out of your production code </a:t>
+            </a:r>
+            <a:endParaRPr lang="en-US" sz="3200" b="1" noProof="1">
+              <a:solidFill>
+                <a:schemeClr val="bg1"/>
+              </a:solidFill>
+            </a:endParaRPr>
+          </a:p>
+          <a:p>
+            <a:pPr marL="0" indent="0">
+              <a:spcBef>
+                <a:spcPts val="0"/>
+              </a:spcBef>
+              <a:buNone/>
+            </a:pPr>
+            <a:endParaRPr lang="en-US" sz="3400" noProof="1"/>
+          </a:p>
+          <a:p>
+            <a:pPr marL="457200" indent="-457200">
+              <a:spcBef>
+                <a:spcPts val="0"/>
+              </a:spcBef>
+            </a:pPr>
+            <a:r>
+              <a:rPr lang="en-US" sz="3400" noProof="1"/>
+              <a:t>Create </a:t>
+            </a:r>
+            <a:r>
+              <a:rPr lang="en-US" sz="3400" b="1" noProof="1">
+                <a:solidFill>
+                  <a:schemeClr val="bg1"/>
+                </a:solidFill>
+              </a:rPr>
+              <a:t>webpack-production.config.js</a:t>
+            </a:r>
+            <a:endParaRPr lang="bg-BG" sz="3400" b="1" noProof="1">
+              <a:solidFill>
+                <a:schemeClr val="bg1"/>
+              </a:solidFill>
+            </a:endParaRPr>
+          </a:p>
+          <a:p>
+            <a:pPr marL="990266" lvl="1" indent="-457200">
+              <a:spcBef>
+                <a:spcPts val="0"/>
+              </a:spcBef>
+            </a:pPr>
+            <a:r>
+              <a:rPr lang="en-US" sz="3200" noProof="1"/>
+              <a:t>You can specify a </a:t>
+            </a:r>
+            <a:r>
+              <a:rPr lang="en-US" sz="3200" b="1" noProof="1">
+                <a:solidFill>
+                  <a:schemeClr val="bg1"/>
+                </a:solidFill>
+              </a:rPr>
+              <a:t>different config file </a:t>
+            </a:r>
+            <a:r>
+              <a:rPr lang="en-US" sz="3200" noProof="1"/>
+              <a:t>for production</a:t>
+            </a:r>
+          </a:p>
+          <a:p>
+            <a:pPr marL="990266" lvl="1" indent="-457200">
+              <a:spcBef>
+                <a:spcPts val="0"/>
+              </a:spcBef>
+            </a:pPr>
+            <a:endParaRPr lang="en-US" sz="3200" b="1" noProof="1">
+              <a:solidFill>
+                <a:schemeClr val="bg1"/>
+              </a:solidFill>
+            </a:endParaRPr>
+          </a:p>
+          <a:p>
+            <a:endParaRPr lang="en-US" dirty="0"/>
+          </a:p>
+        </p:txBody>
+      </p:sp>
+      <p:sp>
+        <p:nvSpPr>
+          <p:cNvPr id="3" name="Title 2"/>
+          <p:cNvSpPr>
+            <a:spLocks noGrp="1"/>
+          </p:cNvSpPr>
+          <p:nvPr>
+            <p:ph type="title"/>
+          </p:nvPr>
+        </p:nvSpPr>
+        <p:spPr/>
+        <p:txBody>
+          <a:bodyPr/>
+          <a:lstStyle/>
+          <a:p>
+            <a:r>
+              <a:rPr lang="en-US" dirty="0"/>
+              <a:t>Production and Development Builds (1)</a:t>
+            </a:r>
+          </a:p>
+        </p:txBody>
+      </p:sp>
+      <p:sp>
+        <p:nvSpPr>
+          <p:cNvPr id="5" name="Rectangle 4"/>
+          <p:cNvSpPr>
+            <a:spLocks noChangeArrowheads="1"/>
+          </p:cNvSpPr>
+          <p:nvPr/>
+        </p:nvSpPr>
+        <p:spPr bwMode="auto">
+          <a:xfrm>
+            <a:off x="810439" y="1844556"/>
+            <a:ext cx="1915983" cy="533205"/>
+          </a:xfrm>
+          <a:prstGeom prst="rect">
+            <a:avLst/>
+          </a:prstGeom>
+          <a:solidFill>
+            <a:schemeClr val="accent5">
+              <a:lumMod val="40000"/>
+              <a:lumOff val="60000"/>
+              <a:alpha val="15000"/>
+            </a:schemeClr>
+          </a:solidFill>
+          <a:ln w="12700">
+            <a:solidFill>
+              <a:schemeClr val="tx1">
+                <a:lumMod val="75000"/>
+              </a:schemeClr>
+            </a:solidFill>
+          </a:ln>
+        </p:spPr>
+        <p:txBody>
+          <a:bodyPr wrap="square" lIns="108000" tIns="72000" rIns="108000" bIns="72000">
+            <a:spAutoFit/>
+          </a:bodyPr>
+          <a:lstStyle/>
+          <a:p>
+            <a:pPr eaLnBrk="0" hangingPunct="0">
+              <a:lnSpc>
+                <a:spcPct val="105000"/>
+              </a:lnSpc>
+              <a:buClr>
+                <a:schemeClr val="accent5">
+                  <a:lumMod val="40000"/>
+                  <a:lumOff val="60000"/>
+                </a:schemeClr>
+              </a:buClr>
+              <a:buSzPct val="70000"/>
+            </a:pPr>
+            <a:r>
+              <a:rPr lang="en-US" sz="2400" b="1" noProof="1">
+                <a:latin typeface="Consolas" pitchFamily="49" charset="0"/>
+              </a:rPr>
+              <a:t>webpack -</a:t>
+            </a:r>
+            <a:r>
+              <a:rPr lang="en-US" sz="2400" b="1" noProof="1">
+                <a:solidFill>
+                  <a:schemeClr val="bg1"/>
+                </a:solidFill>
+                <a:latin typeface="Consolas" pitchFamily="49" charset="0"/>
+              </a:rPr>
+              <a:t>p</a:t>
+            </a:r>
+          </a:p>
+        </p:txBody>
+      </p:sp>
+      <p:sp>
+        <p:nvSpPr>
+          <p:cNvPr id="6" name="Rectangle 5"/>
+          <p:cNvSpPr>
+            <a:spLocks noChangeArrowheads="1"/>
+          </p:cNvSpPr>
+          <p:nvPr/>
+        </p:nvSpPr>
+        <p:spPr bwMode="auto">
+          <a:xfrm>
+            <a:off x="810440" y="3665752"/>
+            <a:ext cx="6127256" cy="533205"/>
+          </a:xfrm>
+          <a:prstGeom prst="rect">
+            <a:avLst/>
+          </a:prstGeom>
+          <a:solidFill>
+            <a:schemeClr val="accent5">
+              <a:lumMod val="40000"/>
+              <a:lumOff val="60000"/>
+              <a:alpha val="15000"/>
+            </a:schemeClr>
+          </a:solidFill>
+          <a:ln w="12700">
+            <a:solidFill>
+              <a:schemeClr val="tx1">
+                <a:lumMod val="75000"/>
+              </a:schemeClr>
+            </a:solidFill>
+          </a:ln>
+        </p:spPr>
+        <p:txBody>
+          <a:bodyPr wrap="square" lIns="108000" tIns="72000" rIns="108000" bIns="72000">
+            <a:spAutoFit/>
+          </a:bodyPr>
+          <a:lstStyle/>
+          <a:p>
+            <a:pPr eaLnBrk="0" hangingPunct="0">
+              <a:lnSpc>
+                <a:spcPct val="105000"/>
+              </a:lnSpc>
+              <a:buClr>
+                <a:schemeClr val="accent5">
+                  <a:lumMod val="40000"/>
+                  <a:lumOff val="60000"/>
+                </a:schemeClr>
+              </a:buClr>
+              <a:buSzPct val="70000"/>
+            </a:pPr>
+            <a:r>
+              <a:rPr lang="en-US" sz="2400" b="1" noProof="1">
+                <a:latin typeface="Consolas" pitchFamily="49" charset="0"/>
+              </a:rPr>
+              <a:t>npm install </a:t>
+            </a:r>
+            <a:r>
+              <a:rPr lang="en-US" sz="2400" b="1" noProof="1">
+                <a:solidFill>
+                  <a:schemeClr val="bg1"/>
+                </a:solidFill>
+                <a:latin typeface="Consolas" pitchFamily="49" charset="0"/>
+              </a:rPr>
+              <a:t>strip-loader</a:t>
+            </a:r>
+            <a:r>
+              <a:rPr lang="en-US" sz="2400" b="1" noProof="1">
+                <a:latin typeface="Consolas" pitchFamily="49" charset="0"/>
+              </a:rPr>
+              <a:t> --save-dev</a:t>
+            </a:r>
+            <a:endParaRPr lang="en-US" sz="2400" b="1" noProof="1">
+              <a:solidFill>
+                <a:schemeClr val="bg1"/>
+              </a:solidFill>
+              <a:latin typeface="Consolas" pitchFamily="49" charset="0"/>
+            </a:endParaRPr>
+          </a:p>
+        </p:txBody>
+      </p:sp>
+      <p:sp>
+        <p:nvSpPr>
+          <p:cNvPr id="8" name="Rectangle 7"/>
+          <p:cNvSpPr>
+            <a:spLocks noChangeArrowheads="1"/>
+          </p:cNvSpPr>
+          <p:nvPr/>
+        </p:nvSpPr>
+        <p:spPr bwMode="auto">
+          <a:xfrm>
+            <a:off x="810440" y="5557173"/>
+            <a:ext cx="8411938" cy="533205"/>
+          </a:xfrm>
+          <a:prstGeom prst="rect">
+            <a:avLst/>
+          </a:prstGeom>
+          <a:solidFill>
+            <a:schemeClr val="accent5">
+              <a:lumMod val="40000"/>
+              <a:lumOff val="60000"/>
+              <a:alpha val="15000"/>
+            </a:schemeClr>
+          </a:solidFill>
+          <a:ln w="12700">
+            <a:solidFill>
+              <a:schemeClr val="tx1">
+                <a:lumMod val="75000"/>
+              </a:schemeClr>
+            </a:solidFill>
+          </a:ln>
+        </p:spPr>
+        <p:txBody>
+          <a:bodyPr wrap="square" lIns="108000" tIns="72000" rIns="108000" bIns="72000">
+            <a:spAutoFit/>
+          </a:bodyPr>
+          <a:lstStyle/>
+          <a:p>
+            <a:pPr eaLnBrk="0" hangingPunct="0">
+              <a:lnSpc>
+                <a:spcPct val="105000"/>
+              </a:lnSpc>
+              <a:buClr>
+                <a:schemeClr val="accent5">
+                  <a:lumMod val="40000"/>
+                  <a:lumOff val="60000"/>
+                </a:schemeClr>
+              </a:buClr>
+              <a:buSzPct val="70000"/>
+            </a:pPr>
+            <a:r>
+              <a:rPr lang="en-US" sz="2400" b="1" noProof="1">
+                <a:latin typeface="Consolas" pitchFamily="49" charset="0"/>
+              </a:rPr>
+              <a:t>webpack --</a:t>
+            </a:r>
+            <a:r>
+              <a:rPr lang="en-US" sz="2400" b="1" noProof="1">
+                <a:solidFill>
+                  <a:schemeClr val="bg1"/>
+                </a:solidFill>
+                <a:latin typeface="Consolas" pitchFamily="49" charset="0"/>
+              </a:rPr>
+              <a:t>config</a:t>
+            </a:r>
+            <a:r>
+              <a:rPr lang="en-US" sz="2400" b="1" noProof="1">
+                <a:latin typeface="Consolas" pitchFamily="49" charset="0"/>
+              </a:rPr>
+              <a:t> webpack-production.config.js -</a:t>
+            </a:r>
+            <a:r>
+              <a:rPr lang="en-US" sz="2400" b="1" noProof="1">
+                <a:solidFill>
+                  <a:schemeClr val="bg1"/>
+                </a:solidFill>
+                <a:latin typeface="Consolas" pitchFamily="49" charset="0"/>
+              </a:rPr>
+              <a:t>p</a:t>
+            </a:r>
+          </a:p>
+        </p:txBody>
+      </p:sp>
+    </p:spTree>
+    <p:extLst>
+      <p:ext uri="{BB962C8B-B14F-4D97-AF65-F5344CB8AC3E}">
+        <p14:creationId xmlns:p14="http://schemas.microsoft.com/office/powerpoint/2010/main" val="70672681"/>
+      </p:ext>
+    </p:extLst>
+  </p:cSld>
+  <p:clrMapOvr>
+    <a:masterClrMapping/>
+  </p:clrMapOvr>
+  <p:timing>
+    <p:tnLst>
+      <p:par>
+        <p:cTn id="1" dur="indefinite" restart="never" nodeType="tmRoot">
+          <p:childTnLst>
+            <p:seq concurrent="1" nextAc="seek">
+              <p:cTn id="2" dur="indefinite" nodeType="mainSeq">
+                <p:childTnLst>
+                  <p:par>
+                    <p:cTn id="3" fill="hold">
+                      <p:stCondLst>
+                        <p:cond delay="indefinite"/>
+                      </p:stCondLst>
+                      <p:childTnLst>
+                        <p:par>
+                          <p:cTn id="4" fill="hold">
+                            <p:stCondLst>
+                              <p:cond delay="0"/>
+                            </p:stCondLst>
+                            <p:childTnLst>
+                              <p:par>
+                                <p:cTn id="5" presetID="1" presetClass="entr" presetSubtype="0" fill="hold" nodeType="clickEffect">
+                                  <p:stCondLst>
+                                    <p:cond delay="0"/>
+                                  </p:stCondLst>
+                                  <p:childTnLst>
+                                    <p:set>
+                                      <p:cBhvr>
+                                        <p:cTn id="6" dur="1" fill="hold">
+                                          <p:stCondLst>
+                                            <p:cond delay="0"/>
+                                          </p:stCondLst>
+                                        </p:cTn>
+                                        <p:tgtEl>
+                                          <p:spTgt spid="2">
+                                            <p:txEl>
+                                              <p:pRg st="2" end="2"/>
+                                            </p:txEl>
+                                          </p:spTgt>
+                                        </p:tgtEl>
+                                        <p:attrNameLst>
+                                          <p:attrName>style.visibility</p:attrName>
+                                        </p:attrNameLst>
+                                      </p:cBhvr>
+                                      <p:to>
+                                        <p:strVal val="visible"/>
+                                      </p:to>
+                                    </p:set>
+                                  </p:childTnLst>
+                                </p:cTn>
+                              </p:par>
+                              <p:par>
+                                <p:cTn id="7" presetID="1" presetClass="entr" presetSubtype="0" fill="hold" nodeType="withEffect">
+                                  <p:stCondLst>
+                                    <p:cond delay="0"/>
+                                  </p:stCondLst>
+                                  <p:childTnLst>
+                                    <p:set>
+                                      <p:cBhvr>
+                                        <p:cTn id="8" dur="1" fill="hold">
+                                          <p:stCondLst>
+                                            <p:cond delay="0"/>
+                                          </p:stCondLst>
+                                        </p:cTn>
+                                        <p:tgtEl>
+                                          <p:spTgt spid="2">
+                                            <p:txEl>
+                                              <p:pRg st="3" end="3"/>
+                                            </p:txEl>
+                                          </p:spTgt>
+                                        </p:tgtEl>
+                                        <p:attrNameLst>
+                                          <p:attrName>style.visibility</p:attrName>
+                                        </p:attrNameLst>
+                                      </p:cBhvr>
+                                      <p:to>
+                                        <p:strVal val="visible"/>
+                                      </p:to>
+                                    </p:set>
+                                  </p:childTnLst>
+                                </p:cTn>
+                              </p:par>
+                              <p:par>
+                                <p:cTn id="9" presetID="1" presetClass="entr" presetSubtype="0" fill="hold" grpId="0" nodeType="withEffect">
+                                  <p:stCondLst>
+                                    <p:cond delay="0"/>
+                                  </p:stCondLst>
+                                  <p:childTnLst>
+                                    <p:set>
+                                      <p:cBhvr>
+                                        <p:cTn id="10" dur="1" fill="hold">
+                                          <p:stCondLst>
+                                            <p:cond delay="0"/>
+                                          </p:stCondLst>
+                                        </p:cTn>
+                                        <p:tgtEl>
+                                          <p:spTgt spid="6"/>
+                                        </p:tgtEl>
+                                        <p:attrNameLst>
+                                          <p:attrName>style.visibility</p:attrName>
+                                        </p:attrNameLst>
+                                      </p:cBhvr>
+                                      <p:to>
+                                        <p:strVal val="visible"/>
+                                      </p:to>
+                                    </p:set>
+                                  </p:childTnLst>
+                                </p:cTn>
+                              </p:par>
+                            </p:childTnLst>
+                          </p:cTn>
+                        </p:par>
+                      </p:childTnLst>
+                    </p:cTn>
+                  </p:par>
+                  <p:par>
+                    <p:cTn id="11" fill="hold">
+                      <p:stCondLst>
+                        <p:cond delay="indefinite"/>
+                      </p:stCondLst>
+                      <p:childTnLst>
+                        <p:par>
+                          <p:cTn id="12" fill="hold">
+                            <p:stCondLst>
+                              <p:cond delay="0"/>
+                            </p:stCondLst>
+                            <p:childTnLst>
+                              <p:par>
+                                <p:cTn id="13" presetID="1" presetClass="entr" presetSubtype="0" fill="hold" nodeType="clickEffect">
+                                  <p:stCondLst>
+                                    <p:cond delay="0"/>
+                                  </p:stCondLst>
+                                  <p:childTnLst>
+                                    <p:set>
+                                      <p:cBhvr>
+                                        <p:cTn id="14" dur="1" fill="hold">
+                                          <p:stCondLst>
+                                            <p:cond delay="0"/>
+                                          </p:stCondLst>
+                                        </p:cTn>
+                                        <p:tgtEl>
+                                          <p:spTgt spid="2">
+                                            <p:txEl>
+                                              <p:pRg st="5" end="5"/>
+                                            </p:txEl>
+                                          </p:spTgt>
+                                        </p:tgtEl>
+                                        <p:attrNameLst>
+                                          <p:attrName>style.visibility</p:attrName>
+                                        </p:attrNameLst>
+                                      </p:cBhvr>
+                                      <p:to>
+                                        <p:strVal val="visible"/>
+                                      </p:to>
+                                    </p:set>
+                                  </p:childTnLst>
+                                </p:cTn>
+                              </p:par>
+                            </p:childTnLst>
+                          </p:cTn>
+                        </p:par>
+                      </p:childTnLst>
+                    </p:cTn>
+                  </p:par>
+                  <p:par>
+                    <p:cTn id="15" fill="hold">
+                      <p:stCondLst>
+                        <p:cond delay="indefinite"/>
+                      </p:stCondLst>
+                      <p:childTnLst>
+                        <p:par>
+                          <p:cTn id="16" fill="hold">
+                            <p:stCondLst>
+                              <p:cond delay="0"/>
+                            </p:stCondLst>
+                            <p:childTnLst>
+                              <p:par>
+                                <p:cTn id="17" presetID="1" presetClass="entr" presetSubtype="0" fill="hold" nodeType="clickEffect">
+                                  <p:stCondLst>
+                                    <p:cond delay="0"/>
+                                  </p:stCondLst>
+                                  <p:childTnLst>
+                                    <p:set>
+                                      <p:cBhvr>
+                                        <p:cTn id="18" dur="1" fill="hold">
+                                          <p:stCondLst>
+                                            <p:cond delay="0"/>
+                                          </p:stCondLst>
+                                        </p:cTn>
+                                        <p:tgtEl>
+                                          <p:spTgt spid="2">
+                                            <p:txEl>
+                                              <p:pRg st="6" end="6"/>
+                                            </p:txEl>
+                                          </p:spTgt>
+                                        </p:tgtEl>
+                                        <p:attrNameLst>
+                                          <p:attrName>style.visibility</p:attrName>
+                                        </p:attrNameLst>
+                                      </p:cBhvr>
+                                      <p:to>
+                                        <p:strVal val="visible"/>
+                                      </p:to>
+                                    </p:set>
+                                  </p:childTnLst>
+                                </p:cTn>
+                              </p:par>
+                              <p:par>
+                                <p:cTn id="19" presetID="1" presetClass="entr" presetSubtype="0" fill="hold" grpId="0" nodeType="withEffect">
+                                  <p:stCondLst>
+                                    <p:cond delay="0"/>
+                                  </p:stCondLst>
+                                  <p:childTnLst>
+                                    <p:set>
+                                      <p:cBhvr>
+                                        <p:cTn id="20" dur="1" fill="hold">
+                                          <p:stCondLst>
+                                            <p:cond delay="0"/>
+                                          </p:stCondLst>
+                                        </p:cTn>
+                                        <p:tgtEl>
+                                          <p:spTgt spid="8"/>
+                                        </p:tgtEl>
+                                        <p:attrNameLst>
+                                          <p:attrName>style.visibility</p:attrName>
+                                        </p:attrNameLst>
+                                      </p:cBhvr>
+                                      <p:to>
+                                        <p:strVal val="visible"/>
+                                      </p:to>
+                                    </p:set>
+                                  </p:childTnLst>
+                                </p:cTn>
+                              </p:par>
+                            </p:childTnLst>
+                          </p:cTn>
+                        </p:par>
+                      </p:childTnLst>
+                    </p:cTn>
+                  </p:par>
+                </p:childTnLst>
+              </p:cTn>
+              <p:prevCondLst>
+                <p:cond evt="onPrev" delay="0">
+                  <p:tgtEl>
+                    <p:sldTgt/>
+                  </p:tgtEl>
+                </p:cond>
+              </p:prevCondLst>
+              <p:nextCondLst>
+                <p:cond evt="onNext" delay="0">
+                  <p:tgtEl>
+                    <p:sldTgt/>
+                  </p:tgtEl>
+                </p:cond>
+              </p:nextCondLst>
+            </p:seq>
+          </p:childTnLst>
+        </p:cTn>
+      </p:par>
+    </p:tnLst>
+    <p:bldLst>
+      <p:bldP spid="6" grpId="0" animBg="1"/>
+      <p:bldP spid="8" grpId="0" animBg="1"/>
+    </p:bldLst>
+  </p:timing>
+</p:sld>
+</file>
+
+<file path=ppt/slides/slide23.xml><?xml version="1.0" encoding="utf-8"?>
+<p:sld xmlns:a="http://schemas.openxmlformats.org/drawingml/2006/main" xmlns:r="http://schemas.openxmlformats.org/officeDocument/2006/relationships" xmlns:p="http://schemas.openxmlformats.org/presentationml/2006/main">
+  <p:cSld>
+    <p:spTree>
+      <p:nvGrpSpPr>
+        <p:cNvPr id="1" name=""/>
+        <p:cNvGrpSpPr/>
+        <p:nvPr/>
+      </p:nvGrpSpPr>
+      <p:grpSpPr>
+        <a:xfrm>
+          <a:off x="0" y="0"/>
+          <a:ext cx="0" cy="0"/>
+          <a:chOff x="0" y="0"/>
+          <a:chExt cx="0" cy="0"/>
+        </a:xfrm>
+      </p:grpSpPr>
+      <p:sp>
+        <p:nvSpPr>
+          <p:cNvPr id="2" name="Text Placeholder 1"/>
+          <p:cNvSpPr>
+            <a:spLocks noGrp="1"/>
+          </p:cNvSpPr>
+          <p:nvPr>
+            <p:ph type="body" sz="quarter" idx="10"/>
+          </p:nvPr>
+        </p:nvSpPr>
+        <p:spPr>
+          <a:xfrm>
+            <a:off x="0" y="1206438"/>
+            <a:ext cx="12245439" cy="5201066"/>
+          </a:xfrm>
+        </p:spPr>
+        <p:txBody>
+          <a:bodyPr/>
+          <a:lstStyle/>
+          <a:p>
+            <a:r>
+              <a:rPr lang="en-US" sz="3400" dirty="0"/>
+              <a:t>In the </a:t>
+            </a:r>
+            <a:r>
+              <a:rPr lang="en-US" sz="3000" b="1" noProof="1">
+                <a:solidFill>
+                  <a:schemeClr val="bg1"/>
+                </a:solidFill>
+                <a:latin typeface="Consolas" panose="020B0609020204030204" pitchFamily="49" charset="0"/>
+              </a:rPr>
+              <a:t>webpack-production.config.js</a:t>
+            </a:r>
+            <a:r>
+              <a:rPr lang="en-US" sz="3400" b="1" noProof="1">
+                <a:solidFill>
+                  <a:schemeClr val="bg1"/>
+                </a:solidFill>
+              </a:rPr>
+              <a:t> </a:t>
+            </a:r>
+            <a:r>
+              <a:rPr lang="en-US" sz="3400" noProof="1"/>
+              <a:t>write the following</a:t>
+            </a:r>
+            <a:r>
+              <a:rPr lang="bg-BG" sz="3400" noProof="1"/>
+              <a:t> </a:t>
+            </a:r>
+            <a:r>
+              <a:rPr lang="en-US" sz="3400" noProof="1"/>
+              <a:t>code:</a:t>
+            </a:r>
+          </a:p>
+          <a:p>
+            <a:pPr marL="990266" lvl="1" indent="-457200"/>
+            <a:r>
+              <a:rPr lang="en-US" sz="3200" noProof="1"/>
+              <a:t>Require the </a:t>
+            </a:r>
+            <a:r>
+              <a:rPr lang="en-US" sz="3200" b="1" noProof="1">
+                <a:solidFill>
+                  <a:schemeClr val="bg1"/>
+                </a:solidFill>
+              </a:rPr>
+              <a:t>strip-loader</a:t>
+            </a:r>
+            <a:r>
+              <a:rPr lang="en-US" sz="3200" noProof="1"/>
+              <a:t> npm module</a:t>
+            </a:r>
+          </a:p>
+          <a:p>
+            <a:pPr marL="990266" lvl="1" indent="-457200"/>
+            <a:endParaRPr lang="en-US" sz="3200" noProof="1"/>
+          </a:p>
+          <a:p>
+            <a:pPr marL="990266" lvl="1" indent="-457200"/>
+            <a:r>
+              <a:rPr lang="en-US" sz="3200" noProof="1"/>
+              <a:t>Require the </a:t>
+            </a:r>
+            <a:r>
+              <a:rPr lang="en-US" sz="3200" b="1" noProof="1">
+                <a:solidFill>
+                  <a:schemeClr val="bg1"/>
+                </a:solidFill>
+              </a:rPr>
+              <a:t>original webpack</a:t>
+            </a:r>
+            <a:r>
+              <a:rPr lang="en-US" sz="3200" noProof="1"/>
+              <a:t> configuration file</a:t>
+            </a:r>
+          </a:p>
+          <a:p>
+            <a:pPr marL="990266" lvl="1" indent="-457200"/>
+            <a:endParaRPr lang="en-US" sz="3200" noProof="1"/>
+          </a:p>
+          <a:p>
+            <a:pPr marL="0" indent="0">
+              <a:buNone/>
+            </a:pPr>
+            <a:endParaRPr lang="en-US" dirty="0"/>
+          </a:p>
+        </p:txBody>
+      </p:sp>
+      <p:sp>
+        <p:nvSpPr>
+          <p:cNvPr id="3" name="Title 2"/>
+          <p:cNvSpPr>
+            <a:spLocks noGrp="1"/>
+          </p:cNvSpPr>
+          <p:nvPr>
+            <p:ph type="title"/>
+          </p:nvPr>
+        </p:nvSpPr>
+        <p:spPr/>
+        <p:txBody>
+          <a:bodyPr/>
+          <a:lstStyle/>
+          <a:p>
+            <a:r>
+              <a:rPr lang="en-US" dirty="0"/>
+              <a:t>Production and Development Builds (</a:t>
+            </a:r>
+            <a:r>
+              <a:rPr lang="bg-BG" dirty="0"/>
+              <a:t>2</a:t>
+            </a:r>
+            <a:r>
+              <a:rPr lang="en-US" dirty="0"/>
+              <a:t>)</a:t>
+            </a:r>
+          </a:p>
+        </p:txBody>
+      </p:sp>
+      <p:sp>
+        <p:nvSpPr>
+          <p:cNvPr id="5" name="Rectangle 4"/>
+          <p:cNvSpPr>
+            <a:spLocks noChangeArrowheads="1"/>
+          </p:cNvSpPr>
+          <p:nvPr/>
+        </p:nvSpPr>
+        <p:spPr bwMode="auto">
+          <a:xfrm>
+            <a:off x="1123950" y="2577512"/>
+            <a:ext cx="8506612" cy="533205"/>
+          </a:xfrm>
+          <a:prstGeom prst="rect">
+            <a:avLst/>
+          </a:prstGeom>
+          <a:solidFill>
+            <a:schemeClr val="accent5">
+              <a:lumMod val="40000"/>
+              <a:lumOff val="60000"/>
+              <a:alpha val="15000"/>
+            </a:schemeClr>
+          </a:solidFill>
+          <a:ln w="12700">
+            <a:solidFill>
+              <a:schemeClr val="tx1">
+                <a:lumMod val="75000"/>
+              </a:schemeClr>
+            </a:solidFill>
+          </a:ln>
+        </p:spPr>
+        <p:txBody>
+          <a:bodyPr wrap="square" lIns="108000" tIns="72000" rIns="108000" bIns="72000">
+            <a:spAutoFit/>
+          </a:bodyPr>
+          <a:lstStyle/>
+          <a:p>
+            <a:pPr eaLnBrk="0" hangingPunct="0">
+              <a:lnSpc>
+                <a:spcPct val="105000"/>
+              </a:lnSpc>
+              <a:buClr>
+                <a:schemeClr val="accent5">
+                  <a:lumMod val="40000"/>
+                  <a:lumOff val="60000"/>
+                </a:schemeClr>
+              </a:buClr>
+              <a:buSzPct val="70000"/>
+            </a:pPr>
+            <a:r>
+              <a:rPr lang="en-US" sz="2400" b="1" noProof="1">
+                <a:latin typeface="Consolas" pitchFamily="49" charset="0"/>
+              </a:rPr>
+              <a:t>var WebpackStripLoader = </a:t>
+            </a:r>
+            <a:r>
+              <a:rPr lang="en-US" sz="2400" b="1" noProof="1">
+                <a:solidFill>
+                  <a:schemeClr val="bg1"/>
+                </a:solidFill>
+                <a:latin typeface="Consolas" pitchFamily="49" charset="0"/>
+              </a:rPr>
+              <a:t>require('strip-loader')</a:t>
+            </a:r>
+            <a:r>
+              <a:rPr lang="en-US" sz="2400" b="1" noProof="1">
+                <a:latin typeface="Consolas" pitchFamily="49" charset="0"/>
+              </a:rPr>
+              <a:t>;</a:t>
+            </a:r>
+          </a:p>
+        </p:txBody>
+      </p:sp>
+      <p:sp>
+        <p:nvSpPr>
+          <p:cNvPr id="6" name="Rectangle 5"/>
+          <p:cNvSpPr>
+            <a:spLocks noChangeArrowheads="1"/>
+          </p:cNvSpPr>
+          <p:nvPr/>
+        </p:nvSpPr>
+        <p:spPr bwMode="auto">
+          <a:xfrm>
+            <a:off x="1123949" y="3881113"/>
+            <a:ext cx="8137497" cy="533205"/>
+          </a:xfrm>
+          <a:prstGeom prst="rect">
+            <a:avLst/>
+          </a:prstGeom>
+          <a:solidFill>
+            <a:schemeClr val="accent5">
+              <a:lumMod val="40000"/>
+              <a:lumOff val="60000"/>
+              <a:alpha val="15000"/>
+            </a:schemeClr>
+          </a:solidFill>
+          <a:ln w="12700">
+            <a:solidFill>
+              <a:schemeClr val="tx1">
+                <a:lumMod val="75000"/>
+              </a:schemeClr>
+            </a:solidFill>
+          </a:ln>
+        </p:spPr>
+        <p:txBody>
+          <a:bodyPr wrap="square" lIns="108000" tIns="72000" rIns="108000" bIns="72000">
+            <a:spAutoFit/>
+          </a:bodyPr>
+          <a:lstStyle/>
+          <a:p>
+            <a:pPr eaLnBrk="0" hangingPunct="0">
+              <a:lnSpc>
+                <a:spcPct val="105000"/>
+              </a:lnSpc>
+              <a:buClr>
+                <a:schemeClr val="accent5">
+                  <a:lumMod val="40000"/>
+                  <a:lumOff val="60000"/>
+                </a:schemeClr>
+              </a:buClr>
+              <a:buSzPct val="70000"/>
+            </a:pPr>
+            <a:r>
+              <a:rPr lang="en-US" sz="2400" b="1" noProof="1">
+                <a:latin typeface="Consolas" pitchFamily="49" charset="0"/>
+              </a:rPr>
+              <a:t>var devConfig = </a:t>
+            </a:r>
+            <a:r>
+              <a:rPr lang="en-US" sz="2400" b="1" noProof="1">
+                <a:solidFill>
+                  <a:schemeClr val="bg1"/>
+                </a:solidFill>
+                <a:latin typeface="Consolas" pitchFamily="49" charset="0"/>
+              </a:rPr>
+              <a:t>require('./webpack.config.js')</a:t>
+            </a:r>
+            <a:r>
+              <a:rPr lang="en-US" sz="2400" b="1" noProof="1">
+                <a:latin typeface="Consolas" pitchFamily="49" charset="0"/>
+              </a:rPr>
+              <a:t>;</a:t>
+            </a:r>
+          </a:p>
+        </p:txBody>
+      </p:sp>
+    </p:spTree>
+    <p:extLst>
+      <p:ext uri="{BB962C8B-B14F-4D97-AF65-F5344CB8AC3E}">
+        <p14:creationId xmlns:p14="http://schemas.microsoft.com/office/powerpoint/2010/main" val="1045656978"/>
+      </p:ext>
+    </p:extLst>
+  </p:cSld>
+  <p:clrMapOvr>
+    <a:masterClrMapping/>
+  </p:clrMapOvr>
+  <p:timing>
+    <p:tnLst>
+      <p:par>
+        <p:cTn id="1" dur="indefinite" restart="never" nodeType="tmRoot">
+          <p:childTnLst>
+            <p:seq concurrent="1" nextAc="seek">
+              <p:cTn id="2" dur="indefinite" nodeType="mainSeq">
+                <p:childTnLst>
+                  <p:par>
+                    <p:cTn id="3" fill="hold">
+                      <p:stCondLst>
+                        <p:cond delay="indefinite"/>
+                      </p:stCondLst>
+                      <p:childTnLst>
+                        <p:par>
+                          <p:cTn id="4" fill="hold">
+                            <p:stCondLst>
+                              <p:cond delay="0"/>
+                            </p:stCondLst>
+                            <p:childTnLst>
+                              <p:par>
+                                <p:cTn id="5" presetID="1" presetClass="entr" presetSubtype="0" fill="hold" nodeType="clickEffect">
+                                  <p:stCondLst>
+                                    <p:cond delay="0"/>
+                                  </p:stCondLst>
+                                  <p:childTnLst>
+                                    <p:set>
+                                      <p:cBhvr>
+                                        <p:cTn id="6" dur="1" fill="hold">
+                                          <p:stCondLst>
+                                            <p:cond delay="0"/>
+                                          </p:stCondLst>
+                                        </p:cTn>
+                                        <p:tgtEl>
+                                          <p:spTgt spid="2">
+                                            <p:txEl>
+                                              <p:pRg st="3" end="3"/>
+                                            </p:txEl>
+                                          </p:spTgt>
+                                        </p:tgtEl>
+                                        <p:attrNameLst>
+                                          <p:attrName>style.visibility</p:attrName>
+                                        </p:attrNameLst>
+                                      </p:cBhvr>
+                                      <p:to>
+                                        <p:strVal val="visible"/>
+                                      </p:to>
+                                    </p:set>
+                                  </p:childTnLst>
+                                </p:cTn>
+                              </p:par>
+                              <p:par>
+                                <p:cTn id="7" presetID="1" presetClass="entr" presetSubtype="0" fill="hold" grpId="0" nodeType="withEffect">
+                                  <p:stCondLst>
+                                    <p:cond delay="0"/>
+                                  </p:stCondLst>
+                                  <p:childTnLst>
+                                    <p:set>
+                                      <p:cBhvr>
+                                        <p:cTn id="8" dur="1" fill="hold">
+                                          <p:stCondLst>
+                                            <p:cond delay="0"/>
+                                          </p:stCondLst>
+                                        </p:cTn>
+                                        <p:tgtEl>
+                                          <p:spTgt spid="6"/>
+                                        </p:tgtEl>
+                                        <p:attrNameLst>
+                                          <p:attrName>style.visibility</p:attrName>
+                                        </p:attrNameLst>
+                                      </p:cBhvr>
+                                      <p:to>
+                                        <p:strVal val="visible"/>
+                                      </p:to>
+                                    </p:set>
+                                  </p:childTnLst>
+                                </p:cTn>
+                              </p:par>
+                            </p:childTnLst>
+                          </p:cTn>
+                        </p:par>
+                      </p:childTnLst>
+                    </p:cTn>
+                  </p:par>
+                </p:childTnLst>
+              </p:cTn>
+              <p:prevCondLst>
+                <p:cond evt="onPrev" delay="0">
+                  <p:tgtEl>
+                    <p:sldTgt/>
+                  </p:tgtEl>
+                </p:cond>
+              </p:prevCondLst>
+              <p:nextCondLst>
+                <p:cond evt="onNext" delay="0">
+                  <p:tgtEl>
+                    <p:sldTgt/>
+                  </p:tgtEl>
+                </p:cond>
+              </p:nextCondLst>
+            </p:seq>
+          </p:childTnLst>
+        </p:cTn>
+      </p:par>
+    </p:tnLst>
+    <p:bldLst>
+      <p:bldP spid="6" grpId="0" animBg="1"/>
+    </p:bldLst>
+  </p:timing>
+</p:sld>
+</file>
+
+<file path=ppt/slides/slide24.xml><?xml version="1.0" encoding="utf-8"?>
+<p:sld xmlns:a="http://schemas.openxmlformats.org/drawingml/2006/main" xmlns:r="http://schemas.openxmlformats.org/officeDocument/2006/relationships" xmlns:p="http://schemas.openxmlformats.org/presentationml/2006/main">
+  <p:cSld>
+    <p:spTree>
+      <p:nvGrpSpPr>
+        <p:cNvPr id="1" name=""/>
+        <p:cNvGrpSpPr/>
+        <p:nvPr/>
+      </p:nvGrpSpPr>
+      <p:grpSpPr>
+        <a:xfrm>
+          <a:off x="0" y="0"/>
+          <a:ext cx="0" cy="0"/>
+          <a:chOff x="0" y="0"/>
+          <a:chExt cx="0" cy="0"/>
+        </a:xfrm>
+      </p:grpSpPr>
+      <p:sp>
+        <p:nvSpPr>
+          <p:cNvPr id="2" name="Text Placeholder 1">
+            <a:extLst>
+              <a:ext uri="{FF2B5EF4-FFF2-40B4-BE49-F238E27FC236}">
+                <a16:creationId xmlns:a16="http://schemas.microsoft.com/office/drawing/2014/main" id="{A8CD7D46-ADD2-4ED8-80B2-024F2A770F9C}"/>
+              </a:ext>
+            </a:extLst>
+          </p:cNvPr>
+          <p:cNvSpPr>
+            <a:spLocks noGrp="1"/>
+          </p:cNvSpPr>
+          <p:nvPr>
+            <p:ph type="body" sz="quarter" idx="10"/>
+          </p:nvPr>
+        </p:nvSpPr>
+        <p:spPr/>
+        <p:txBody>
+          <a:bodyPr/>
+          <a:lstStyle/>
+          <a:p>
+            <a:r>
+              <a:rPr lang="en-US" sz="3600" noProof="1"/>
+              <a:t>Create a </a:t>
+            </a:r>
+            <a:r>
+              <a:rPr lang="en-US" sz="3600" b="1" noProof="1">
+                <a:solidFill>
+                  <a:schemeClr val="bg1"/>
+                </a:solidFill>
+              </a:rPr>
+              <a:t>new object</a:t>
+            </a:r>
+            <a:r>
+              <a:rPr lang="en-US" sz="3600" noProof="1"/>
+              <a:t>, and pass in the </a:t>
+            </a:r>
+            <a:r>
+              <a:rPr lang="en-US" sz="3600" b="1" noProof="1">
+                <a:solidFill>
+                  <a:schemeClr val="bg1"/>
+                </a:solidFill>
+              </a:rPr>
+              <a:t>test</a:t>
+            </a:r>
+            <a:r>
+              <a:rPr lang="en-US" sz="3600" noProof="1"/>
+              <a:t>, </a:t>
+            </a:r>
+            <a:r>
+              <a:rPr lang="en-US" sz="3600" b="1" noProof="1">
+                <a:solidFill>
+                  <a:schemeClr val="bg1"/>
+                </a:solidFill>
+              </a:rPr>
+              <a:t>exclude</a:t>
+            </a:r>
+            <a:r>
+              <a:rPr lang="en-US" sz="3600" noProof="1"/>
+              <a:t> and</a:t>
+            </a:r>
+            <a:br>
+              <a:rPr lang="en-US" sz="3600" noProof="1"/>
+            </a:br>
+            <a:r>
+              <a:rPr lang="en-US" sz="3600" b="1" noProof="1">
+                <a:solidFill>
+                  <a:schemeClr val="bg1"/>
+                </a:solidFill>
+              </a:rPr>
+              <a:t>loader</a:t>
+            </a:r>
+            <a:r>
+              <a:rPr lang="en-US" sz="3600" noProof="1"/>
+              <a:t> keys</a:t>
+            </a:r>
+          </a:p>
+        </p:txBody>
+      </p:sp>
+      <p:sp>
+        <p:nvSpPr>
+          <p:cNvPr id="3" name="Title 2">
+            <a:extLst>
+              <a:ext uri="{FF2B5EF4-FFF2-40B4-BE49-F238E27FC236}">
+                <a16:creationId xmlns:a16="http://schemas.microsoft.com/office/drawing/2014/main" id="{1FEC27C9-CFF6-41D2-9678-D4A2CCC6E4BB}"/>
+              </a:ext>
+            </a:extLst>
+          </p:cNvPr>
+          <p:cNvSpPr>
+            <a:spLocks noGrp="1"/>
+          </p:cNvSpPr>
+          <p:nvPr>
+            <p:ph type="title"/>
+          </p:nvPr>
+        </p:nvSpPr>
+        <p:spPr/>
+        <p:txBody>
+          <a:bodyPr/>
+          <a:lstStyle/>
+          <a:p>
+            <a:r>
+              <a:rPr lang="en-US" dirty="0"/>
+              <a:t>Production and Development Builds (3)</a:t>
+            </a:r>
+            <a:endParaRPr lang="bg-BG" dirty="0"/>
+          </a:p>
+        </p:txBody>
+      </p:sp>
+      <p:sp>
+        <p:nvSpPr>
+          <p:cNvPr id="4" name="Rectangle 3">
+            <a:extLst>
+              <a:ext uri="{FF2B5EF4-FFF2-40B4-BE49-F238E27FC236}">
+                <a16:creationId xmlns:a16="http://schemas.microsoft.com/office/drawing/2014/main" id="{DC315D38-D77B-4CC3-BD05-FFB2A5DF5B66}"/>
+              </a:ext>
+            </a:extLst>
+          </p:cNvPr>
+          <p:cNvSpPr>
+            <a:spLocks noChangeArrowheads="1"/>
+          </p:cNvSpPr>
+          <p:nvPr/>
+        </p:nvSpPr>
+        <p:spPr bwMode="auto">
+          <a:xfrm>
+            <a:off x="1048447" y="2701573"/>
+            <a:ext cx="8969286" cy="1308802"/>
+          </a:xfrm>
+          <a:prstGeom prst="rect">
+            <a:avLst/>
+          </a:prstGeom>
+          <a:solidFill>
+            <a:schemeClr val="accent5">
+              <a:lumMod val="40000"/>
+              <a:lumOff val="60000"/>
+              <a:alpha val="15000"/>
+            </a:schemeClr>
+          </a:solidFill>
+          <a:ln w="12700">
+            <a:solidFill>
+              <a:schemeClr val="tx1">
+                <a:lumMod val="75000"/>
+              </a:schemeClr>
+            </a:solidFill>
+          </a:ln>
+        </p:spPr>
+        <p:txBody>
+          <a:bodyPr wrap="square" lIns="108000" tIns="72000" rIns="108000" bIns="72000">
+            <a:spAutoFit/>
+          </a:bodyPr>
+          <a:lstStyle/>
+          <a:p>
+            <a:pPr eaLnBrk="0" hangingPunct="0">
+              <a:lnSpc>
+                <a:spcPct val="105000"/>
+              </a:lnSpc>
+              <a:buClr>
+                <a:schemeClr val="accent5">
+                  <a:lumMod val="40000"/>
+                  <a:lumOff val="60000"/>
+                </a:schemeClr>
+              </a:buClr>
+              <a:buSzPct val="70000"/>
+            </a:pPr>
+            <a:r>
+              <a:rPr lang="en-US" sz="2400" b="1" noProof="1">
+                <a:latin typeface="Consolas" pitchFamily="49" charset="0"/>
+              </a:rPr>
+              <a:t>var stripLoader = { </a:t>
+            </a:r>
+            <a:r>
+              <a:rPr lang="en-US" sz="2400" b="1" noProof="1">
+                <a:solidFill>
+                  <a:schemeClr val="bg1"/>
+                </a:solidFill>
+                <a:latin typeface="Consolas" pitchFamily="49" charset="0"/>
+              </a:rPr>
+              <a:t>test</a:t>
+            </a:r>
+            <a:r>
+              <a:rPr lang="en-US" sz="2400" b="1" noProof="1">
+                <a:latin typeface="Consolas" pitchFamily="49" charset="0"/>
+              </a:rPr>
+              <a:t>: [/\.js$/, /\.es6$/],</a:t>
+            </a:r>
+          </a:p>
+          <a:p>
+            <a:pPr eaLnBrk="0" hangingPunct="0">
+              <a:lnSpc>
+                <a:spcPct val="105000"/>
+              </a:lnSpc>
+              <a:buClr>
+                <a:schemeClr val="accent5">
+                  <a:lumMod val="40000"/>
+                  <a:lumOff val="60000"/>
+                </a:schemeClr>
+              </a:buClr>
+              <a:buSzPct val="70000"/>
+            </a:pPr>
+            <a:r>
+              <a:rPr lang="en-US" sz="2400" b="1" noProof="1">
+                <a:latin typeface="Consolas" pitchFamily="49" charset="0"/>
+              </a:rPr>
+              <a:t> </a:t>
+            </a:r>
+            <a:r>
+              <a:rPr lang="en-US" sz="2400" b="1" noProof="1">
+                <a:solidFill>
+                  <a:schemeClr val="bg1"/>
+                </a:solidFill>
+                <a:latin typeface="Consolas" pitchFamily="49" charset="0"/>
+              </a:rPr>
+              <a:t>exclude</a:t>
+            </a:r>
+            <a:r>
+              <a:rPr lang="en-US" sz="2400" b="1" noProof="1">
+                <a:latin typeface="Consolas" pitchFamily="49" charset="0"/>
+              </a:rPr>
+              <a:t>: /node_modules/,</a:t>
+            </a:r>
+          </a:p>
+          <a:p>
+            <a:pPr eaLnBrk="0" hangingPunct="0">
+              <a:lnSpc>
+                <a:spcPct val="105000"/>
+              </a:lnSpc>
+              <a:buClr>
+                <a:schemeClr val="accent5">
+                  <a:lumMod val="40000"/>
+                  <a:lumOff val="60000"/>
+                </a:schemeClr>
+              </a:buClr>
+              <a:buSzPct val="70000"/>
+            </a:pPr>
+            <a:r>
+              <a:rPr lang="en-US" sz="2400" b="1" noProof="1">
+                <a:latin typeface="Consolas" pitchFamily="49" charset="0"/>
+              </a:rPr>
+              <a:t> </a:t>
+            </a:r>
+            <a:r>
+              <a:rPr lang="en-US" sz="2400" b="1" noProof="1">
+                <a:solidFill>
+                  <a:schemeClr val="bg1"/>
+                </a:solidFill>
+                <a:latin typeface="Consolas" pitchFamily="49" charset="0"/>
+              </a:rPr>
+              <a:t>loader</a:t>
+            </a:r>
+            <a:r>
+              <a:rPr lang="en-US" sz="2400" b="1" noProof="1">
+                <a:latin typeface="Consolas" pitchFamily="49" charset="0"/>
+              </a:rPr>
+              <a:t>: WebpackStripLoader.loader('console.log') }</a:t>
+            </a:r>
+          </a:p>
+        </p:txBody>
+      </p:sp>
+    </p:spTree>
+    <p:extLst>
+      <p:ext uri="{BB962C8B-B14F-4D97-AF65-F5344CB8AC3E}">
+        <p14:creationId xmlns:p14="http://schemas.microsoft.com/office/powerpoint/2010/main" val="303153581"/>
+      </p:ext>
+    </p:extLst>
+  </p:cSld>
+  <p:clrMapOvr>
+    <a:masterClrMapping/>
+  </p:clrMapOvr>
+  <mc:AlternateContent xmlns:mc="http://schemas.openxmlformats.org/markup-compatibility/2006" xmlns:p14="http://schemas.microsoft.com/office/powerpoint/2010/main">
+    <mc:Choice Requires="p14">
+      <p:transition spd="slow" p14:dur="2000" advClick="0" advTm="5000"/>
+    </mc:Choice>
+    <mc:Fallback xmlns="">
+      <p:transition spd="slow" advClick="0" advTm="5000"/>
+    </mc:Fallback>
+  </mc:AlternateContent>
+  <p:timing>
+    <p:tnLst>
+      <p:par>
+        <p:cTn id="1" dur="indefinite" restart="never" nodeType="tmRoot">
+          <p:childTnLst>
+            <p:seq concurrent="1" nextAc="seek">
+              <p:cTn id="2" dur="indefinite" nodeType="mainSeq">
+                <p:childTnLst>
+                  <p:par>
+                    <p:cTn id="3" fill="hold">
+                      <p:stCondLst>
+                        <p:cond delay="indefinite"/>
+                        <p:cond evt="onBegin" delay="0">
+                          <p:tn val="2"/>
+                        </p:cond>
+                      </p:stCondLst>
+                      <p:childTnLst>
+                        <p:par>
+                          <p:cTn id="4" fill="hold">
+                            <p:stCondLst>
+                              <p:cond delay="0"/>
+                            </p:stCondLst>
+                            <p:childTnLst>
+                              <p:par>
+                                <p:cTn id="5" presetID="1" presetClass="entr" presetSubtype="0" fill="hold" grpId="0" nodeType="withEffect">
+                                  <p:stCondLst>
+                                    <p:cond delay="0"/>
+                                  </p:stCondLst>
+                                  <p:childTnLst>
+                                    <p:set>
+                                      <p:cBhvr>
+                                        <p:cTn id="6" dur="1" fill="hold">
+                                          <p:stCondLst>
+                                            <p:cond delay="0"/>
+                                          </p:stCondLst>
+                                        </p:cTn>
+                                        <p:tgtEl>
+                                          <p:spTgt spid="4"/>
+                                        </p:tgtEl>
+                                        <p:attrNameLst>
+                                          <p:attrName>style.visibility</p:attrName>
+                                        </p:attrNameLst>
+                                      </p:cBhvr>
+                                      <p:to>
+                                        <p:strVal val="visible"/>
+                                      </p:to>
+                                    </p:set>
+                                  </p:childTnLst>
+                                </p:cTn>
+                              </p:par>
+                            </p:childTnLst>
+                          </p:cTn>
+                        </p:par>
+                      </p:childTnLst>
+                    </p:cTn>
+                  </p:par>
+                </p:childTnLst>
+              </p:cTn>
+              <p:prevCondLst>
+                <p:cond evt="onPrev" delay="0">
+                  <p:tgtEl>
+                    <p:sldTgt/>
+                  </p:tgtEl>
+                </p:cond>
+              </p:prevCondLst>
+              <p:nextCondLst>
+                <p:cond evt="onNext" delay="0">
+                  <p:tgtEl>
+                    <p:sldTgt/>
+                  </p:tgtEl>
+                </p:cond>
+              </p:nextCondLst>
+            </p:seq>
+          </p:childTnLst>
+        </p:cTn>
+      </p:par>
+    </p:tnLst>
+    <p:bldLst>
+      <p:bldP spid="4" grpId="0" animBg="1"/>
+    </p:bldLst>
+  </p:timing>
+</p:sld>
+</file>
+
+<file path=ppt/slides/slide25.xml><?xml version="1.0" encoding="utf-8"?>
+<p:sld xmlns:a="http://schemas.openxmlformats.org/drawingml/2006/main" xmlns:r="http://schemas.openxmlformats.org/officeDocument/2006/relationships" xmlns:p="http://schemas.openxmlformats.org/presentationml/2006/main">
+  <p:cSld>
+    <p:spTree>
+      <p:nvGrpSpPr>
+        <p:cNvPr id="1" name=""/>
+        <p:cNvGrpSpPr/>
+        <p:nvPr/>
+      </p:nvGrpSpPr>
+      <p:grpSpPr>
+        <a:xfrm>
+          <a:off x="0" y="0"/>
+          <a:ext cx="0" cy="0"/>
+          <a:chOff x="0" y="0"/>
+          <a:chExt cx="0" cy="0"/>
+        </a:xfrm>
+      </p:grpSpPr>
+      <p:sp>
+        <p:nvSpPr>
+          <p:cNvPr id="2" name="Text Placeholder 1"/>
+          <p:cNvSpPr>
+            <a:spLocks noGrp="1"/>
+          </p:cNvSpPr>
+          <p:nvPr>
+            <p:ph type="body" sz="quarter" idx="10"/>
+          </p:nvPr>
+        </p:nvSpPr>
+        <p:spPr/>
+        <p:txBody>
+          <a:bodyPr/>
+          <a:lstStyle/>
+          <a:p>
+            <a:pPr>
+              <a:buClr>
+                <a:schemeClr val="tx1"/>
+              </a:buClr>
+            </a:pPr>
+            <a:r>
+              <a:rPr lang="en-US" b="1" dirty="0">
+                <a:solidFill>
+                  <a:schemeClr val="bg1"/>
+                </a:solidFill>
+              </a:rPr>
+              <a:t>Push</a:t>
+            </a:r>
+            <a:r>
+              <a:rPr lang="en-US" dirty="0"/>
+              <a:t> the new object into our </a:t>
+            </a:r>
+            <a:r>
+              <a:rPr lang="en-US" b="1" dirty="0">
+                <a:solidFill>
+                  <a:schemeClr val="bg1"/>
+                </a:solidFill>
+              </a:rPr>
+              <a:t>loaders</a:t>
+            </a:r>
+            <a:r>
+              <a:rPr lang="en-US" dirty="0"/>
+              <a:t> array from our </a:t>
+            </a:r>
+            <a:r>
+              <a:rPr lang="en-US" b="1" dirty="0">
+                <a:solidFill>
+                  <a:schemeClr val="bg1"/>
+                </a:solidFill>
+              </a:rPr>
+              <a:t>original                        config</a:t>
+            </a:r>
+          </a:p>
+          <a:p>
+            <a:endParaRPr lang="en-US" dirty="0"/>
+          </a:p>
+          <a:p>
+            <a:pPr>
+              <a:buClr>
+                <a:schemeClr val="tx1"/>
+              </a:buClr>
+            </a:pPr>
+            <a:r>
+              <a:rPr lang="en-US" b="1" dirty="0">
+                <a:solidFill>
+                  <a:schemeClr val="bg1"/>
+                </a:solidFill>
+              </a:rPr>
+              <a:t>Export</a:t>
+            </a:r>
+            <a:r>
+              <a:rPr lang="en-US" dirty="0"/>
+              <a:t> our new config object</a:t>
+            </a:r>
+          </a:p>
+        </p:txBody>
+      </p:sp>
+      <p:sp>
+        <p:nvSpPr>
+          <p:cNvPr id="3" name="Title 2"/>
+          <p:cNvSpPr>
+            <a:spLocks noGrp="1"/>
+          </p:cNvSpPr>
+          <p:nvPr>
+            <p:ph type="title"/>
+          </p:nvPr>
+        </p:nvSpPr>
+        <p:spPr/>
+        <p:txBody>
+          <a:bodyPr/>
+          <a:lstStyle/>
+          <a:p>
+            <a:r>
+              <a:rPr lang="en-US" dirty="0"/>
+              <a:t>Production and Development Builds (4)</a:t>
+            </a:r>
+          </a:p>
+        </p:txBody>
+      </p:sp>
+      <p:sp>
+        <p:nvSpPr>
+          <p:cNvPr id="5" name="Rectangle 4"/>
+          <p:cNvSpPr>
+            <a:spLocks noChangeArrowheads="1"/>
+          </p:cNvSpPr>
+          <p:nvPr/>
+        </p:nvSpPr>
+        <p:spPr bwMode="auto">
+          <a:xfrm>
+            <a:off x="819150" y="2475422"/>
+            <a:ext cx="7567204" cy="533205"/>
+          </a:xfrm>
+          <a:prstGeom prst="rect">
+            <a:avLst/>
+          </a:prstGeom>
+          <a:solidFill>
+            <a:schemeClr val="accent5">
+              <a:lumMod val="40000"/>
+              <a:lumOff val="60000"/>
+              <a:alpha val="15000"/>
+            </a:schemeClr>
+          </a:solidFill>
+          <a:ln w="12700">
+            <a:solidFill>
+              <a:schemeClr val="tx1">
+                <a:lumMod val="75000"/>
+              </a:schemeClr>
+            </a:solidFill>
+          </a:ln>
+        </p:spPr>
+        <p:txBody>
+          <a:bodyPr wrap="square" lIns="108000" tIns="72000" rIns="108000" bIns="72000">
+            <a:spAutoFit/>
+          </a:bodyPr>
+          <a:lstStyle/>
+          <a:p>
+            <a:pPr eaLnBrk="0" hangingPunct="0">
+              <a:lnSpc>
+                <a:spcPct val="105000"/>
+              </a:lnSpc>
+              <a:buClr>
+                <a:schemeClr val="accent5">
+                  <a:lumMod val="40000"/>
+                  <a:lumOff val="60000"/>
+                </a:schemeClr>
+              </a:buClr>
+              <a:buSzPct val="70000"/>
+            </a:pPr>
+            <a:r>
+              <a:rPr lang="en-US" sz="2400" b="1" noProof="1">
+                <a:latin typeface="Consolas" pitchFamily="49" charset="0"/>
+              </a:rPr>
+              <a:t>devConfig.module.loaders.</a:t>
+            </a:r>
+            <a:r>
+              <a:rPr lang="en-US" sz="2400" b="1" noProof="1">
+                <a:solidFill>
+                  <a:schemeClr val="bg1"/>
+                </a:solidFill>
+                <a:latin typeface="Consolas" pitchFamily="49" charset="0"/>
+              </a:rPr>
+              <a:t>push(</a:t>
+            </a:r>
+            <a:r>
+              <a:rPr lang="en-US" sz="2400" b="1" noProof="1">
+                <a:latin typeface="Consolas" pitchFamily="49" charset="0"/>
+              </a:rPr>
+              <a:t>stripLoader</a:t>
+            </a:r>
+            <a:r>
+              <a:rPr lang="en-US" sz="2400" b="1" noProof="1">
+                <a:solidFill>
+                  <a:schemeClr val="bg1"/>
+                </a:solidFill>
+                <a:latin typeface="Consolas" pitchFamily="49" charset="0"/>
+              </a:rPr>
+              <a:t>)</a:t>
+            </a:r>
+            <a:r>
+              <a:rPr lang="en-US" sz="2400" b="1" noProof="1">
+                <a:latin typeface="Consolas" pitchFamily="49" charset="0"/>
+              </a:rPr>
+              <a:t>;</a:t>
+            </a:r>
+          </a:p>
+        </p:txBody>
+      </p:sp>
+      <p:sp>
+        <p:nvSpPr>
+          <p:cNvPr id="8" name="Rectangle 7"/>
+          <p:cNvSpPr>
+            <a:spLocks noChangeArrowheads="1"/>
+          </p:cNvSpPr>
+          <p:nvPr/>
+        </p:nvSpPr>
+        <p:spPr bwMode="auto">
+          <a:xfrm>
+            <a:off x="819149" y="3903101"/>
+            <a:ext cx="4818253" cy="533205"/>
+          </a:xfrm>
+          <a:prstGeom prst="rect">
+            <a:avLst/>
+          </a:prstGeom>
+          <a:solidFill>
+            <a:schemeClr val="accent5">
+              <a:lumMod val="40000"/>
+              <a:lumOff val="60000"/>
+              <a:alpha val="15000"/>
+            </a:schemeClr>
+          </a:solidFill>
+          <a:ln w="12700">
+            <a:solidFill>
+              <a:schemeClr val="tx1">
+                <a:lumMod val="75000"/>
+              </a:schemeClr>
+            </a:solidFill>
+          </a:ln>
+        </p:spPr>
+        <p:txBody>
+          <a:bodyPr wrap="square" lIns="108000" tIns="72000" rIns="108000" bIns="72000">
+            <a:spAutoFit/>
+          </a:bodyPr>
+          <a:lstStyle/>
+          <a:p>
+            <a:pPr eaLnBrk="0" hangingPunct="0">
+              <a:lnSpc>
+                <a:spcPct val="105000"/>
+              </a:lnSpc>
+              <a:buClr>
+                <a:schemeClr val="accent5">
+                  <a:lumMod val="40000"/>
+                  <a:lumOff val="60000"/>
+                </a:schemeClr>
+              </a:buClr>
+              <a:buSzPct val="70000"/>
+            </a:pPr>
+            <a:r>
+              <a:rPr lang="en-US" sz="2400" b="1" noProof="1">
+                <a:latin typeface="Consolas" pitchFamily="49" charset="0"/>
+              </a:rPr>
+              <a:t>module.exports = devConfig;</a:t>
+            </a:r>
+          </a:p>
+        </p:txBody>
+      </p:sp>
+    </p:spTree>
+    <p:extLst>
+      <p:ext uri="{BB962C8B-B14F-4D97-AF65-F5344CB8AC3E}">
+        <p14:creationId xmlns:p14="http://schemas.microsoft.com/office/powerpoint/2010/main" val="3482511892"/>
+      </p:ext>
+    </p:extLst>
+  </p:cSld>
+  <p:clrMapOvr>
+    <a:masterClrMapping/>
+  </p:clrMapOvr>
+  <p:timing>
+    <p:tnLst>
+      <p:par>
+        <p:cTn id="1" dur="indefinite" restart="never" nodeType="tmRoot">
+          <p:childTnLst>
+            <p:seq concurrent="1" nextAc="seek">
+              <p:cTn id="2" dur="indefinite" nodeType="mainSeq">
+                <p:childTnLst>
+                  <p:par>
+                    <p:cTn id="3" fill="hold">
+                      <p:stCondLst>
+                        <p:cond delay="indefinite"/>
+                      </p:stCondLst>
+                      <p:childTnLst>
+                        <p:par>
+                          <p:cTn id="4" fill="hold">
+                            <p:stCondLst>
+                              <p:cond delay="0"/>
+                            </p:stCondLst>
+                            <p:childTnLst>
+                              <p:par>
+                                <p:cTn id="5" presetID="1" presetClass="entr" presetSubtype="0" fill="hold" nodeType="clickEffect">
+                                  <p:stCondLst>
+                                    <p:cond delay="0"/>
+                                  </p:stCondLst>
+                                  <p:childTnLst>
+                                    <p:set>
+                                      <p:cBhvr>
+                                        <p:cTn id="6" dur="1" fill="hold">
+                                          <p:stCondLst>
+                                            <p:cond delay="0"/>
+                                          </p:stCondLst>
+                                        </p:cTn>
+                                        <p:tgtEl>
+                                          <p:spTgt spid="2">
+                                            <p:txEl>
+                                              <p:pRg st="2" end="2"/>
+                                            </p:txEl>
+                                          </p:spTgt>
+                                        </p:tgtEl>
+                                        <p:attrNameLst>
+                                          <p:attrName>style.visibility</p:attrName>
+                                        </p:attrNameLst>
+                                      </p:cBhvr>
+                                      <p:to>
+                                        <p:strVal val="visible"/>
+                                      </p:to>
+                                    </p:set>
+                                  </p:childTnLst>
+                                </p:cTn>
+                              </p:par>
+                              <p:par>
+                                <p:cTn id="7" presetID="1" presetClass="entr" presetSubtype="0" fill="hold" grpId="0" nodeType="withEffect">
+                                  <p:stCondLst>
+                                    <p:cond delay="0"/>
+                                  </p:stCondLst>
+                                  <p:childTnLst>
+                                    <p:set>
+                                      <p:cBhvr>
+                                        <p:cTn id="8" dur="1" fill="hold">
+                                          <p:stCondLst>
+                                            <p:cond delay="0"/>
+                                          </p:stCondLst>
+                                        </p:cTn>
+                                        <p:tgtEl>
+                                          <p:spTgt spid="8"/>
+                                        </p:tgtEl>
+                                        <p:attrNameLst>
+                                          <p:attrName>style.visibility</p:attrName>
+                                        </p:attrNameLst>
+                                      </p:cBhvr>
+                                      <p:to>
+                                        <p:strVal val="visible"/>
+                                      </p:to>
+                                    </p:set>
+                                  </p:childTnLst>
+                                </p:cTn>
+                              </p:par>
+                            </p:childTnLst>
+                          </p:cTn>
+                        </p:par>
+                      </p:childTnLst>
+                    </p:cTn>
+                  </p:par>
+                </p:childTnLst>
+              </p:cTn>
+              <p:prevCondLst>
+                <p:cond evt="onPrev" delay="0">
+                  <p:tgtEl>
+                    <p:sldTgt/>
+                  </p:tgtEl>
+                </p:cond>
+              </p:prevCondLst>
+              <p:nextCondLst>
+                <p:cond evt="onNext" delay="0">
+                  <p:tgtEl>
+                    <p:sldTgt/>
+                  </p:tgtEl>
+                </p:cond>
+              </p:nextCondLst>
+            </p:seq>
+          </p:childTnLst>
+        </p:cTn>
+      </p:par>
+    </p:tnLst>
+    <p:bldLst>
+      <p:bldP spid="8" grpId="0" animBg="1"/>
+    </p:bldLst>
+  </p:timing>
+</p:sld>
+</file>
+
+<file path=ppt/slides/slide26.xml><?xml version="1.0" encoding="utf-8"?>
+<p:sld xmlns:a="http://schemas.openxmlformats.org/drawingml/2006/main" xmlns:r="http://schemas.openxmlformats.org/officeDocument/2006/relationships" xmlns:p="http://schemas.openxmlformats.org/presentationml/2006/main">
+  <p:cSld>
+    <p:spTree>
+      <p:nvGrpSpPr>
+        <p:cNvPr id="1" name=""/>
+        <p:cNvGrpSpPr/>
+        <p:nvPr/>
+      </p:nvGrpSpPr>
+      <p:grpSpPr>
+        <a:xfrm>
+          <a:off x="0" y="0"/>
+          <a:ext cx="0" cy="0"/>
+          <a:chOff x="0" y="0"/>
+          <a:chExt cx="0" cy="0"/>
+        </a:xfrm>
+      </p:grpSpPr>
+      <p:sp>
+        <p:nvSpPr>
           <p:cNvPr id="4" name="Title 3"/>
           <p:cNvSpPr>
             <a:spLocks noGrp="1"/>
@@ -14200,7 +20384,7 @@
             <a:fld id="{C014DD1E-5D91-48A3-AD6D-45FBA980D106}" type="slidenum">
               <a:rPr lang="en-US" smtClean="0"/>
               <a:pPr/>
-              <a:t>16</a:t>
+              <a:t>26</a:t>
             </a:fld>
             <a:endParaRPr lang="en-US" dirty="0"/>
           </a:p>
@@ -15162,7 +21346,1009 @@
 </p:sld>
 </file>
 
-<file path=ppt/slides/slide17.xml><?xml version="1.0" encoding="utf-8"?>
+<file path=ppt/slides/slide27.xml><?xml version="1.0" encoding="utf-8"?>
+<p:sld xmlns:a="http://schemas.openxmlformats.org/drawingml/2006/main" xmlns:r="http://schemas.openxmlformats.org/officeDocument/2006/relationships" xmlns:p="http://schemas.openxmlformats.org/presentationml/2006/main">
+  <p:cSld>
+    <p:spTree>
+      <p:nvGrpSpPr>
+        <p:cNvPr id="1" name=""/>
+        <p:cNvGrpSpPr/>
+        <p:nvPr/>
+      </p:nvGrpSpPr>
+      <p:grpSpPr>
+        <a:xfrm>
+          <a:off x="0" y="0"/>
+          <a:ext cx="0" cy="0"/>
+          <a:chOff x="0" y="0"/>
+          <a:chExt cx="0" cy="0"/>
+        </a:xfrm>
+      </p:grpSpPr>
+      <p:sp>
+        <p:nvSpPr>
+          <p:cNvPr id="4" name="Title 3"/>
+          <p:cNvSpPr>
+            <a:spLocks noGrp="1"/>
+          </p:cNvSpPr>
+          <p:nvPr>
+            <p:ph type="title"/>
+          </p:nvPr>
+        </p:nvSpPr>
+        <p:spPr/>
+        <p:txBody>
+          <a:bodyPr/>
+          <a:lstStyle/>
+          <a:p>
+            <a:r>
+              <a:rPr lang="en-US" dirty="0"/>
+              <a:t>Summary (2)</a:t>
+            </a:r>
+          </a:p>
+        </p:txBody>
+      </p:sp>
+      <p:sp>
+        <p:nvSpPr>
+          <p:cNvPr id="6" name="Slide Number Placeholder 5"/>
+          <p:cNvSpPr>
+            <a:spLocks noGrp="1"/>
+          </p:cNvSpPr>
+          <p:nvPr>
+            <p:ph type="sldNum" sz="quarter" idx="4294967295"/>
+          </p:nvPr>
+        </p:nvSpPr>
+        <p:spPr>
+          <a:xfrm>
+            <a:off x="11761789" y="6524625"/>
+            <a:ext cx="428625" cy="196850"/>
+          </a:xfrm>
+        </p:spPr>
+        <p:txBody>
+          <a:bodyPr/>
+          <a:lstStyle/>
+          <a:p>
+            <a:fld id="{C014DD1E-5D91-48A3-AD6D-45FBA980D106}" type="slidenum">
+              <a:rPr lang="en-US" smtClean="0"/>
+              <a:pPr/>
+              <a:t>27</a:t>
+            </a:fld>
+            <a:endParaRPr lang="en-US" dirty="0"/>
+          </a:p>
+        </p:txBody>
+      </p:sp>
+      <p:grpSp>
+        <p:nvGrpSpPr>
+          <p:cNvPr id="9" name="Group 8">
+            <a:extLst>
+              <a:ext uri="{FF2B5EF4-FFF2-40B4-BE49-F238E27FC236}">
+                <a16:creationId xmlns:a16="http://schemas.microsoft.com/office/drawing/2014/main" id="{EBAFE522-EB7D-4931-A015-9A7E8A98517D}"/>
+              </a:ext>
+            </a:extLst>
+          </p:cNvPr>
+          <p:cNvGrpSpPr/>
+          <p:nvPr/>
+        </p:nvGrpSpPr>
+        <p:grpSpPr>
+          <a:xfrm>
+            <a:off x="349651" y="1624496"/>
+            <a:ext cx="8349446" cy="4798782"/>
+            <a:chOff x="540767" y="1696736"/>
+            <a:chExt cx="3675941" cy="4405146"/>
+          </a:xfrm>
+        </p:grpSpPr>
+        <p:sp>
+          <p:nvSpPr>
+            <p:cNvPr id="11" name="Rounded Rectangle 16">
+              <a:extLst>
+                <a:ext uri="{FF2B5EF4-FFF2-40B4-BE49-F238E27FC236}">
+                  <a16:creationId xmlns:a16="http://schemas.microsoft.com/office/drawing/2014/main" id="{F12C06CE-2BBE-46C2-B718-813794C58DF9}"/>
+                </a:ext>
+              </a:extLst>
+            </p:cNvPr>
+            <p:cNvSpPr/>
+            <p:nvPr userDrawn="1"/>
+          </p:nvSpPr>
+          <p:spPr>
+            <a:xfrm>
+              <a:off x="540767" y="1781251"/>
+              <a:ext cx="85794" cy="4320631"/>
+            </a:xfrm>
+            <a:prstGeom prst="roundRect">
+              <a:avLst>
+                <a:gd name="adj" fmla="val 50000"/>
+              </a:avLst>
+            </a:prstGeom>
+            <a:solidFill>
+              <a:srgbClr val="FFFFFF">
+                <a:alpha val="41000"/>
+              </a:srgbClr>
+            </a:solidFill>
+            <a:ln w="25400" cap="flat" cmpd="sng" algn="ctr">
+              <a:noFill/>
+              <a:prstDash val="solid"/>
+            </a:ln>
+            <a:effectLst/>
+          </p:spPr>
+          <p:txBody>
+            <a:bodyPr rtlCol="0" anchor="ctr"/>
+            <a:lstStyle/>
+            <a:p>
+              <a:pPr algn="ctr">
+                <a:defRPr/>
+              </a:pPr>
+              <a:endParaRPr lang="ko-KR" altLang="en-US" sz="2399" kern="0">
+                <a:solidFill>
+                  <a:srgbClr val="FFA000"/>
+                </a:solidFill>
+                <a:latin typeface="Calibri"/>
+                <a:ea typeface="맑은 고딕" panose="020B0503020000020004" pitchFamily="34" charset="-127"/>
+              </a:endParaRPr>
+            </a:p>
+          </p:txBody>
+        </p:sp>
+        <p:sp>
+          <p:nvSpPr>
+            <p:cNvPr id="12" name="Half Frame 11">
+              <a:extLst>
+                <a:ext uri="{FF2B5EF4-FFF2-40B4-BE49-F238E27FC236}">
+                  <a16:creationId xmlns:a16="http://schemas.microsoft.com/office/drawing/2014/main" id="{66CDBB1E-AF3C-43FC-9F34-2DD691F81726}"/>
+                </a:ext>
+              </a:extLst>
+            </p:cNvPr>
+            <p:cNvSpPr/>
+            <p:nvPr userDrawn="1"/>
+          </p:nvSpPr>
+          <p:spPr>
+            <a:xfrm rot="5400000">
+              <a:off x="3762569" y="1912372"/>
+              <a:ext cx="669775" cy="238503"/>
+            </a:xfrm>
+            <a:prstGeom prst="halfFrame">
+              <a:avLst>
+                <a:gd name="adj1" fmla="val 23728"/>
+                <a:gd name="adj2" fmla="val 24642"/>
+              </a:avLst>
+            </a:prstGeom>
+            <a:solidFill>
+              <a:srgbClr val="FFFFFF">
+                <a:alpha val="23000"/>
+              </a:srgbClr>
+            </a:solidFill>
+            <a:ln w="25400" cap="flat" cmpd="sng" algn="ctr">
+              <a:noFill/>
+              <a:prstDash val="solid"/>
+            </a:ln>
+            <a:effectLst/>
+          </p:spPr>
+          <p:txBody>
+            <a:bodyPr rtlCol="0" anchor="ctr"/>
+            <a:lstStyle/>
+            <a:p>
+              <a:pPr algn="ctr">
+                <a:defRPr/>
+              </a:pPr>
+              <a:endParaRPr lang="ko-KR" altLang="en-US" sz="2399" kern="0">
+                <a:solidFill>
+                  <a:srgbClr val="234465"/>
+                </a:solidFill>
+                <a:latin typeface="Calibri"/>
+                <a:ea typeface="맑은 고딕" panose="020B0503020000020004" pitchFamily="34" charset="-127"/>
+              </a:endParaRPr>
+            </a:p>
+          </p:txBody>
+        </p:sp>
+      </p:grpSp>
+      <p:grpSp>
+        <p:nvGrpSpPr>
+          <p:cNvPr id="13" name="Group 12">
+            <a:extLst>
+              <a:ext uri="{FF2B5EF4-FFF2-40B4-BE49-F238E27FC236}">
+                <a16:creationId xmlns:a16="http://schemas.microsoft.com/office/drawing/2014/main" id="{EBAFE522-EB7D-4931-A015-9A7E8A98517D}"/>
+              </a:ext>
+            </a:extLst>
+          </p:cNvPr>
+          <p:cNvGrpSpPr/>
+          <p:nvPr/>
+        </p:nvGrpSpPr>
+        <p:grpSpPr>
+          <a:xfrm>
+            <a:off x="169504" y="1322711"/>
+            <a:ext cx="8630747" cy="5300339"/>
+            <a:chOff x="472011" y="1508786"/>
+            <a:chExt cx="3799787" cy="4865561"/>
+          </a:xfrm>
+        </p:grpSpPr>
+        <p:sp>
+          <p:nvSpPr>
+            <p:cNvPr id="14" name="Rounded Rectangle 10">
+              <a:extLst>
+                <a:ext uri="{FF2B5EF4-FFF2-40B4-BE49-F238E27FC236}">
+                  <a16:creationId xmlns:a16="http://schemas.microsoft.com/office/drawing/2014/main" id="{18F78F23-3D09-4B63-8DF9-D49CFBB145EE}"/>
+                </a:ext>
+              </a:extLst>
+            </p:cNvPr>
+            <p:cNvSpPr/>
+            <p:nvPr userDrawn="1"/>
+          </p:nvSpPr>
+          <p:spPr>
+            <a:xfrm>
+              <a:off x="472011" y="1508786"/>
+              <a:ext cx="3799787" cy="4865561"/>
+            </a:xfrm>
+            <a:prstGeom prst="roundRect">
+              <a:avLst>
+                <a:gd name="adj" fmla="val 3968"/>
+              </a:avLst>
+            </a:prstGeom>
+            <a:solidFill>
+              <a:srgbClr val="234465"/>
+            </a:solidFill>
+            <a:ln w="25400" cap="flat" cmpd="sng" algn="ctr">
+              <a:noFill/>
+              <a:prstDash val="solid"/>
+            </a:ln>
+            <a:effectLst/>
+          </p:spPr>
+          <p:txBody>
+            <a:bodyPr rtlCol="0" anchor="ctr"/>
+            <a:lstStyle/>
+            <a:p>
+              <a:pPr marL="342900" indent="-342900" algn="ctr">
+                <a:buFont typeface="Arial" panose="020B0604020202020204" pitchFamily="34" charset="0"/>
+                <a:buChar char="•"/>
+                <a:defRPr/>
+              </a:pPr>
+              <a:endParaRPr lang="en-US" altLang="ko-KR" sz="2399" kern="0" dirty="0">
+                <a:solidFill>
+                  <a:srgbClr val="FFA000"/>
+                </a:solidFill>
+                <a:latin typeface="Calibri"/>
+                <a:ea typeface="맑은 고딕" panose="020B0503020000020004" pitchFamily="34" charset="-127"/>
+              </a:endParaRPr>
+            </a:p>
+            <a:p>
+              <a:pPr marL="342900" indent="-342900" algn="ctr">
+                <a:buFont typeface="Arial" panose="020B0604020202020204" pitchFamily="34" charset="0"/>
+                <a:buChar char="•"/>
+                <a:defRPr/>
+              </a:pPr>
+              <a:endParaRPr lang="en-US" altLang="ko-KR" sz="2399" kern="0" dirty="0">
+                <a:solidFill>
+                  <a:srgbClr val="FFA000"/>
+                </a:solidFill>
+                <a:latin typeface="Calibri"/>
+                <a:ea typeface="맑은 고딕" panose="020B0503020000020004" pitchFamily="34" charset="-127"/>
+              </a:endParaRPr>
+            </a:p>
+            <a:p>
+              <a:pPr marL="342900" indent="-342900" algn="ctr">
+                <a:buFont typeface="Arial" panose="020B0604020202020204" pitchFamily="34" charset="0"/>
+                <a:buChar char="•"/>
+                <a:defRPr/>
+              </a:pPr>
+              <a:endParaRPr lang="en-US" altLang="ko-KR" sz="2399" kern="0" dirty="0">
+                <a:solidFill>
+                  <a:srgbClr val="FFA000"/>
+                </a:solidFill>
+                <a:latin typeface="Calibri"/>
+                <a:ea typeface="맑은 고딕" panose="020B0503020000020004" pitchFamily="34" charset="-127"/>
+              </a:endParaRPr>
+            </a:p>
+            <a:p>
+              <a:pPr marL="342900" indent="-342900" algn="ctr">
+                <a:buFont typeface="Arial" panose="020B0604020202020204" pitchFamily="34" charset="0"/>
+                <a:buChar char="•"/>
+                <a:defRPr/>
+              </a:pPr>
+              <a:endParaRPr lang="en-US" altLang="ko-KR" sz="2399" kern="0" dirty="0">
+                <a:solidFill>
+                  <a:srgbClr val="FFA000"/>
+                </a:solidFill>
+                <a:latin typeface="Calibri"/>
+                <a:ea typeface="맑은 고딕" panose="020B0503020000020004" pitchFamily="34" charset="-127"/>
+              </a:endParaRPr>
+            </a:p>
+            <a:p>
+              <a:pPr marL="342900" indent="-342900" algn="ctr">
+                <a:buFont typeface="Arial" panose="020B0604020202020204" pitchFamily="34" charset="0"/>
+                <a:buChar char="•"/>
+                <a:defRPr/>
+              </a:pPr>
+              <a:endParaRPr lang="en-US" altLang="ko-KR" sz="2399" kern="0" dirty="0">
+                <a:solidFill>
+                  <a:srgbClr val="FFA000"/>
+                </a:solidFill>
+                <a:latin typeface="Calibri"/>
+                <a:ea typeface="맑은 고딕" panose="020B0503020000020004" pitchFamily="34" charset="-127"/>
+              </a:endParaRPr>
+            </a:p>
+            <a:p>
+              <a:pPr marL="342900" indent="-342900" algn="ctr">
+                <a:buFont typeface="Arial" panose="020B0604020202020204" pitchFamily="34" charset="0"/>
+                <a:buChar char="•"/>
+                <a:defRPr/>
+              </a:pPr>
+              <a:endParaRPr lang="en-US" altLang="ko-KR" sz="2399" kern="0" dirty="0">
+                <a:solidFill>
+                  <a:srgbClr val="FFA000"/>
+                </a:solidFill>
+                <a:latin typeface="Calibri"/>
+                <a:ea typeface="맑은 고딕" panose="020B0503020000020004" pitchFamily="34" charset="-127"/>
+              </a:endParaRPr>
+            </a:p>
+            <a:p>
+              <a:pPr marL="342900" indent="-342900" algn="ctr">
+                <a:buFont typeface="Arial" panose="020B0604020202020204" pitchFamily="34" charset="0"/>
+                <a:buChar char="•"/>
+                <a:defRPr/>
+              </a:pPr>
+              <a:r>
+                <a:rPr lang="en-US" sz="2400" dirty="0"/>
+                <a:t>Arrow functions ≈ short function syntax</a:t>
+              </a:r>
+            </a:p>
+            <a:p>
+              <a:pPr marL="342900" indent="-342900" algn="ctr">
+                <a:buFont typeface="Arial" panose="020B0604020202020204" pitchFamily="34" charset="0"/>
+                <a:buChar char="•"/>
+                <a:defRPr/>
+              </a:pPr>
+              <a:endParaRPr lang="ko-KR" altLang="en-US" sz="2399" kern="0" dirty="0">
+                <a:solidFill>
+                  <a:srgbClr val="FFA000"/>
+                </a:solidFill>
+                <a:latin typeface="Calibri"/>
+                <a:ea typeface="맑은 고딕" panose="020B0503020000020004" pitchFamily="34" charset="-127"/>
+              </a:endParaRPr>
+            </a:p>
+          </p:txBody>
+        </p:sp>
+        <p:sp>
+          <p:nvSpPr>
+            <p:cNvPr id="15" name="Rounded Rectangle 16">
+              <a:extLst>
+                <a:ext uri="{FF2B5EF4-FFF2-40B4-BE49-F238E27FC236}">
+                  <a16:creationId xmlns:a16="http://schemas.microsoft.com/office/drawing/2014/main" id="{F12C06CE-2BBE-46C2-B718-813794C58DF9}"/>
+                </a:ext>
+              </a:extLst>
+            </p:cNvPr>
+            <p:cNvSpPr/>
+            <p:nvPr userDrawn="1"/>
+          </p:nvSpPr>
+          <p:spPr>
+            <a:xfrm>
+              <a:off x="540767" y="1781251"/>
+              <a:ext cx="85794" cy="4320631"/>
+            </a:xfrm>
+            <a:prstGeom prst="roundRect">
+              <a:avLst>
+                <a:gd name="adj" fmla="val 50000"/>
+              </a:avLst>
+            </a:prstGeom>
+            <a:solidFill>
+              <a:srgbClr val="FFFFFF">
+                <a:alpha val="41000"/>
+              </a:srgbClr>
+            </a:solidFill>
+            <a:ln w="25400" cap="flat" cmpd="sng" algn="ctr">
+              <a:noFill/>
+              <a:prstDash val="solid"/>
+            </a:ln>
+            <a:effectLst/>
+          </p:spPr>
+          <p:txBody>
+            <a:bodyPr rtlCol="0" anchor="ctr"/>
+            <a:lstStyle/>
+            <a:p>
+              <a:pPr marL="342900" indent="-342900" algn="ctr">
+                <a:buFont typeface="Arial" panose="020B0604020202020204" pitchFamily="34" charset="0"/>
+                <a:buChar char="•"/>
+                <a:defRPr/>
+              </a:pPr>
+              <a:endParaRPr lang="ko-KR" altLang="en-US" sz="2399" kern="0">
+                <a:solidFill>
+                  <a:srgbClr val="FFA000"/>
+                </a:solidFill>
+                <a:latin typeface="Calibri"/>
+                <a:ea typeface="맑은 고딕" panose="020B0503020000020004" pitchFamily="34" charset="-127"/>
+              </a:endParaRPr>
+            </a:p>
+          </p:txBody>
+        </p:sp>
+        <p:sp>
+          <p:nvSpPr>
+            <p:cNvPr id="16" name="Half Frame 15">
+              <a:extLst>
+                <a:ext uri="{FF2B5EF4-FFF2-40B4-BE49-F238E27FC236}">
+                  <a16:creationId xmlns:a16="http://schemas.microsoft.com/office/drawing/2014/main" id="{66CDBB1E-AF3C-43FC-9F34-2DD691F81726}"/>
+                </a:ext>
+              </a:extLst>
+            </p:cNvPr>
+            <p:cNvSpPr/>
+            <p:nvPr userDrawn="1"/>
+          </p:nvSpPr>
+          <p:spPr>
+            <a:xfrm rot="5400000">
+              <a:off x="3762569" y="1912372"/>
+              <a:ext cx="669775" cy="238503"/>
+            </a:xfrm>
+            <a:prstGeom prst="halfFrame">
+              <a:avLst>
+                <a:gd name="adj1" fmla="val 23728"/>
+                <a:gd name="adj2" fmla="val 24642"/>
+              </a:avLst>
+            </a:prstGeom>
+            <a:solidFill>
+              <a:srgbClr val="FFFFFF">
+                <a:alpha val="23000"/>
+              </a:srgbClr>
+            </a:solidFill>
+            <a:ln w="25400" cap="flat" cmpd="sng" algn="ctr">
+              <a:noFill/>
+              <a:prstDash val="solid"/>
+            </a:ln>
+            <a:effectLst/>
+          </p:spPr>
+          <p:txBody>
+            <a:bodyPr rtlCol="0" anchor="ctr"/>
+            <a:lstStyle/>
+            <a:p>
+              <a:pPr marL="342900" indent="-342900" algn="ctr">
+                <a:buFont typeface="Arial" panose="020B0604020202020204" pitchFamily="34" charset="0"/>
+                <a:buChar char="•"/>
+                <a:defRPr/>
+              </a:pPr>
+              <a:endParaRPr lang="ko-KR" altLang="en-US" sz="2399" kern="0">
+                <a:solidFill>
+                  <a:srgbClr val="234465"/>
+                </a:solidFill>
+                <a:latin typeface="Calibri"/>
+                <a:ea typeface="맑은 고딕" panose="020B0503020000020004" pitchFamily="34" charset="-127"/>
+              </a:endParaRPr>
+            </a:p>
+          </p:txBody>
+        </p:sp>
+      </p:grpSp>
+      <p:sp>
+        <p:nvSpPr>
+          <p:cNvPr id="5" name="Content Placeholder 4"/>
+          <p:cNvSpPr>
+            <a:spLocks noGrp="1"/>
+          </p:cNvSpPr>
+          <p:nvPr>
+            <p:ph idx="4294967295"/>
+          </p:nvPr>
+        </p:nvSpPr>
+        <p:spPr>
+          <a:xfrm>
+            <a:off x="447086" y="1774287"/>
+            <a:ext cx="8774004" cy="4997169"/>
+          </a:xfrm>
+        </p:spPr>
+        <p:txBody>
+          <a:bodyPr>
+            <a:normAutofit/>
+          </a:bodyPr>
+          <a:lstStyle/>
+          <a:p>
+            <a:pPr>
+              <a:lnSpc>
+                <a:spcPct val="95000"/>
+              </a:lnSpc>
+              <a:buClr>
+                <a:schemeClr val="bg2"/>
+              </a:buClr>
+            </a:pPr>
+            <a:r>
+              <a:rPr lang="en-US" dirty="0">
+                <a:solidFill>
+                  <a:schemeClr val="bg2"/>
+                </a:solidFill>
+              </a:rPr>
+              <a:t>Webpack is a </a:t>
+            </a:r>
+            <a:r>
+              <a:rPr lang="en-US" b="1" dirty="0">
+                <a:solidFill>
+                  <a:schemeClr val="bg1"/>
+                </a:solidFill>
+              </a:rPr>
+              <a:t>module bundler</a:t>
+            </a:r>
+            <a:r>
+              <a:rPr lang="en-US" dirty="0">
+                <a:solidFill>
+                  <a:schemeClr val="bg2"/>
+                </a:solidFill>
+              </a:rPr>
+              <a:t>.</a:t>
+            </a:r>
+            <a:r>
+              <a:rPr lang="en-US" b="1" dirty="0">
+                <a:solidFill>
+                  <a:schemeClr val="bg1"/>
+                </a:solidFill>
+              </a:rPr>
+              <a:t> </a:t>
+            </a:r>
+            <a:r>
+              <a:rPr lang="en-US" dirty="0">
+                <a:solidFill>
+                  <a:schemeClr val="bg2"/>
+                </a:solidFill>
+              </a:rPr>
+              <a:t>It relies on:</a:t>
+            </a:r>
+            <a:endParaRPr lang="en-US" b="1" dirty="0">
+              <a:solidFill>
+                <a:schemeClr val="bg1"/>
+              </a:solidFill>
+            </a:endParaRPr>
+          </a:p>
+          <a:p>
+            <a:pPr lvl="1">
+              <a:lnSpc>
+                <a:spcPct val="95000"/>
+              </a:lnSpc>
+              <a:buClr>
+                <a:schemeClr val="bg2"/>
+              </a:buClr>
+            </a:pPr>
+            <a:r>
+              <a:rPr lang="en-US" b="1" dirty="0">
+                <a:solidFill>
+                  <a:schemeClr val="bg1"/>
+                </a:solidFill>
+              </a:rPr>
+              <a:t>Dependency graph</a:t>
+            </a:r>
+            <a:r>
+              <a:rPr lang="en-US" dirty="0">
+                <a:solidFill>
+                  <a:schemeClr val="bg2"/>
+                </a:solidFill>
+              </a:rPr>
+              <a:t> underneath</a:t>
+            </a:r>
+          </a:p>
+          <a:p>
+            <a:pPr lvl="1">
+              <a:lnSpc>
+                <a:spcPct val="95000"/>
+              </a:lnSpc>
+              <a:buClr>
+                <a:schemeClr val="bg2"/>
+              </a:buClr>
+            </a:pPr>
+            <a:r>
+              <a:rPr lang="en-US" b="1" dirty="0">
+                <a:solidFill>
+                  <a:schemeClr val="bg1"/>
+                </a:solidFill>
+              </a:rPr>
+              <a:t>Loaders</a:t>
+            </a:r>
+            <a:r>
+              <a:rPr lang="en-US" dirty="0">
+                <a:solidFill>
+                  <a:schemeClr val="bg2"/>
+                </a:solidFill>
+              </a:rPr>
+              <a:t> and </a:t>
+            </a:r>
+            <a:r>
+              <a:rPr lang="en-US" b="1" dirty="0">
+                <a:solidFill>
+                  <a:schemeClr val="bg1"/>
+                </a:solidFill>
+              </a:rPr>
+              <a:t>plugins</a:t>
+            </a:r>
+          </a:p>
+          <a:p>
+            <a:pPr>
+              <a:lnSpc>
+                <a:spcPct val="95000"/>
+              </a:lnSpc>
+              <a:buClr>
+                <a:schemeClr val="bg2"/>
+              </a:buClr>
+            </a:pPr>
+            <a:r>
+              <a:rPr lang="en-US" dirty="0">
+                <a:solidFill>
+                  <a:schemeClr val="bg2"/>
+                </a:solidFill>
+              </a:rPr>
+              <a:t>Its </a:t>
+            </a:r>
+            <a:r>
+              <a:rPr lang="en-US" b="1" dirty="0">
+                <a:solidFill>
+                  <a:schemeClr val="bg1"/>
+                </a:solidFill>
+              </a:rPr>
+              <a:t>configuration</a:t>
+            </a:r>
+            <a:r>
+              <a:rPr lang="en-US" dirty="0">
+                <a:solidFill>
+                  <a:schemeClr val="bg2"/>
+                </a:solidFill>
+              </a:rPr>
+              <a:t> describes how to </a:t>
+            </a:r>
+            <a:br>
+              <a:rPr lang="bg-BG" dirty="0">
+                <a:solidFill>
+                  <a:schemeClr val="bg2"/>
+                </a:solidFill>
+              </a:rPr>
+            </a:br>
+            <a:r>
+              <a:rPr lang="en-US" dirty="0">
+                <a:solidFill>
+                  <a:schemeClr val="bg2"/>
+                </a:solidFill>
+              </a:rPr>
+              <a:t>transform assets of the graphs</a:t>
+            </a:r>
+          </a:p>
+          <a:p>
+            <a:pPr>
+              <a:lnSpc>
+                <a:spcPct val="95000"/>
+              </a:lnSpc>
+              <a:buClr>
+                <a:schemeClr val="bg2"/>
+              </a:buClr>
+            </a:pPr>
+            <a:r>
+              <a:rPr lang="en-US" dirty="0">
+                <a:solidFill>
+                  <a:schemeClr val="bg2"/>
+                </a:solidFill>
+              </a:rPr>
+              <a:t>Features like </a:t>
+            </a:r>
+            <a:r>
+              <a:rPr lang="en-US" b="1" dirty="0">
+                <a:solidFill>
+                  <a:schemeClr val="bg1"/>
+                </a:solidFill>
+              </a:rPr>
+              <a:t>code splitting</a:t>
+            </a:r>
+            <a:r>
+              <a:rPr lang="en-US" dirty="0">
+                <a:solidFill>
+                  <a:schemeClr val="bg2"/>
+                </a:solidFill>
+              </a:rPr>
+              <a:t> are used</a:t>
+            </a:r>
+          </a:p>
+          <a:p>
+            <a:pPr>
+              <a:lnSpc>
+                <a:spcPct val="95000"/>
+              </a:lnSpc>
+              <a:buClr>
+                <a:schemeClr val="bg2"/>
+              </a:buClr>
+            </a:pPr>
+            <a:r>
+              <a:rPr lang="en-US" dirty="0">
+                <a:solidFill>
+                  <a:schemeClr val="bg2"/>
+                </a:solidFill>
+              </a:rPr>
+              <a:t>It comes with it's </a:t>
+            </a:r>
+            <a:r>
+              <a:rPr lang="en-US" b="1" dirty="0">
+                <a:solidFill>
+                  <a:schemeClr val="bg1"/>
+                </a:solidFill>
+              </a:rPr>
+              <a:t>own</a:t>
+            </a:r>
+            <a:r>
+              <a:rPr lang="en-US" dirty="0">
+                <a:solidFill>
+                  <a:schemeClr val="bg2"/>
+                </a:solidFill>
+              </a:rPr>
+              <a:t> development </a:t>
+            </a:r>
+            <a:r>
+              <a:rPr lang="en-US" b="1" dirty="0">
+                <a:solidFill>
+                  <a:schemeClr val="bg1"/>
+                </a:solidFill>
+              </a:rPr>
+              <a:t>server</a:t>
+            </a:r>
+          </a:p>
+          <a:p>
+            <a:pPr>
+              <a:lnSpc>
+                <a:spcPct val="95000"/>
+              </a:lnSpc>
+              <a:buClr>
+                <a:schemeClr val="bg2"/>
+              </a:buClr>
+            </a:pPr>
+            <a:endParaRPr lang="en-US" dirty="0">
+              <a:solidFill>
+                <a:schemeClr val="bg2"/>
+              </a:solidFill>
+            </a:endParaRPr>
+          </a:p>
+        </p:txBody>
+      </p:sp>
+      <p:pic>
+        <p:nvPicPr>
+          <p:cNvPr id="21" name="Picture 20"/>
+          <p:cNvPicPr>
+            <a:picLocks noChangeAspect="1"/>
+          </p:cNvPicPr>
+          <p:nvPr/>
+        </p:nvPicPr>
+        <p:blipFill>
+          <a:blip r:embed="rId3"/>
+          <a:stretch>
+            <a:fillRect/>
+          </a:stretch>
+        </p:blipFill>
+        <p:spPr>
+          <a:xfrm>
+            <a:off x="9008797" y="3307952"/>
+            <a:ext cx="2883658" cy="3115326"/>
+          </a:xfrm>
+          <a:prstGeom prst="rect">
+            <a:avLst/>
+          </a:prstGeom>
+        </p:spPr>
+      </p:pic>
+    </p:spTree>
+    <p:extLst>
+      <p:ext uri="{BB962C8B-B14F-4D97-AF65-F5344CB8AC3E}">
+        <p14:creationId xmlns:p14="http://schemas.microsoft.com/office/powerpoint/2010/main" val="108516679"/>
+      </p:ext>
+    </p:extLst>
+  </p:cSld>
+  <p:clrMapOvr>
+    <a:masterClrMapping/>
+  </p:clrMapOvr>
+  <p:timing>
+    <p:tnLst>
+      <p:par>
+        <p:cTn id="1" dur="indefinite" restart="never" nodeType="tmRoot">
+          <p:childTnLst>
+            <p:seq concurrent="1" nextAc="seek">
+              <p:cTn id="2" dur="indefinite" nodeType="mainSeq">
+                <p:childTnLst>
+                  <p:par>
+                    <p:cTn id="3" fill="hold">
+                      <p:stCondLst>
+                        <p:cond delay="indefinite"/>
+                      </p:stCondLst>
+                      <p:childTnLst>
+                        <p:par>
+                          <p:cTn id="4" fill="hold">
+                            <p:stCondLst>
+                              <p:cond delay="0"/>
+                            </p:stCondLst>
+                            <p:childTnLst>
+                              <p:par>
+                                <p:cTn id="5" presetID="1" presetClass="entr" presetSubtype="0" fill="hold" nodeType="clickEffect">
+                                  <p:stCondLst>
+                                    <p:cond delay="0"/>
+                                  </p:stCondLst>
+                                  <p:childTnLst>
+                                    <p:set>
+                                      <p:cBhvr>
+                                        <p:cTn id="6" dur="1" fill="hold">
+                                          <p:stCondLst>
+                                            <p:cond delay="0"/>
+                                          </p:stCondLst>
+                                        </p:cTn>
+                                        <p:tgtEl>
+                                          <p:spTgt spid="5">
+                                            <p:txEl>
+                                              <p:pRg st="2" end="2"/>
+                                            </p:txEl>
+                                          </p:spTgt>
+                                        </p:tgtEl>
+                                        <p:attrNameLst>
+                                          <p:attrName>style.visibility</p:attrName>
+                                        </p:attrNameLst>
+                                      </p:cBhvr>
+                                      <p:to>
+                                        <p:strVal val="visible"/>
+                                      </p:to>
+                                    </p:set>
+                                  </p:childTnLst>
+                                </p:cTn>
+                              </p:par>
+                            </p:childTnLst>
+                          </p:cTn>
+                        </p:par>
+                      </p:childTnLst>
+                    </p:cTn>
+                  </p:par>
+                  <p:par>
+                    <p:cTn id="7" fill="hold">
+                      <p:stCondLst>
+                        <p:cond delay="indefinite"/>
+                      </p:stCondLst>
+                      <p:childTnLst>
+                        <p:par>
+                          <p:cTn id="8" fill="hold">
+                            <p:stCondLst>
+                              <p:cond delay="0"/>
+                            </p:stCondLst>
+                            <p:childTnLst>
+                              <p:par>
+                                <p:cTn id="9" presetID="1" presetClass="entr" presetSubtype="0" fill="hold" nodeType="clickEffect">
+                                  <p:stCondLst>
+                                    <p:cond delay="0"/>
+                                  </p:stCondLst>
+                                  <p:childTnLst>
+                                    <p:set>
+                                      <p:cBhvr>
+                                        <p:cTn id="10" dur="1" fill="hold">
+                                          <p:stCondLst>
+                                            <p:cond delay="0"/>
+                                          </p:stCondLst>
+                                        </p:cTn>
+                                        <p:tgtEl>
+                                          <p:spTgt spid="5">
+                                            <p:txEl>
+                                              <p:pRg st="3" end="3"/>
+                                            </p:txEl>
+                                          </p:spTgt>
+                                        </p:tgtEl>
+                                        <p:attrNameLst>
+                                          <p:attrName>style.visibility</p:attrName>
+                                        </p:attrNameLst>
+                                      </p:cBhvr>
+                                      <p:to>
+                                        <p:strVal val="visible"/>
+                                      </p:to>
+                                    </p:set>
+                                  </p:childTnLst>
+                                </p:cTn>
+                              </p:par>
+                            </p:childTnLst>
+                          </p:cTn>
+                        </p:par>
+                      </p:childTnLst>
+                    </p:cTn>
+                  </p:par>
+                  <p:par>
+                    <p:cTn id="11" fill="hold">
+                      <p:stCondLst>
+                        <p:cond delay="indefinite"/>
+                      </p:stCondLst>
+                      <p:childTnLst>
+                        <p:par>
+                          <p:cTn id="12" fill="hold">
+                            <p:stCondLst>
+                              <p:cond delay="0"/>
+                            </p:stCondLst>
+                            <p:childTnLst>
+                              <p:par>
+                                <p:cTn id="13" presetID="1" presetClass="entr" presetSubtype="0" fill="hold" nodeType="clickEffect">
+                                  <p:stCondLst>
+                                    <p:cond delay="0"/>
+                                  </p:stCondLst>
+                                  <p:childTnLst>
+                                    <p:set>
+                                      <p:cBhvr>
+                                        <p:cTn id="14" dur="1" fill="hold">
+                                          <p:stCondLst>
+                                            <p:cond delay="0"/>
+                                          </p:stCondLst>
+                                        </p:cTn>
+                                        <p:tgtEl>
+                                          <p:spTgt spid="5">
+                                            <p:txEl>
+                                              <p:pRg st="4" end="4"/>
+                                            </p:txEl>
+                                          </p:spTgt>
+                                        </p:tgtEl>
+                                        <p:attrNameLst>
+                                          <p:attrName>style.visibility</p:attrName>
+                                        </p:attrNameLst>
+                                      </p:cBhvr>
+                                      <p:to>
+                                        <p:strVal val="visible"/>
+                                      </p:to>
+                                    </p:set>
+                                  </p:childTnLst>
+                                </p:cTn>
+                              </p:par>
+                            </p:childTnLst>
+                          </p:cTn>
+                        </p:par>
+                      </p:childTnLst>
+                    </p:cTn>
+                  </p:par>
+                  <p:par>
+                    <p:cTn id="15" fill="hold">
+                      <p:stCondLst>
+                        <p:cond delay="indefinite"/>
+                      </p:stCondLst>
+                      <p:childTnLst>
+                        <p:par>
+                          <p:cTn id="16" fill="hold">
+                            <p:stCondLst>
+                              <p:cond delay="0"/>
+                            </p:stCondLst>
+                            <p:childTnLst>
+                              <p:par>
+                                <p:cTn id="17" presetID="1" presetClass="entr" presetSubtype="0" fill="hold" nodeType="clickEffect">
+                                  <p:stCondLst>
+                                    <p:cond delay="0"/>
+                                  </p:stCondLst>
+                                  <p:childTnLst>
+                                    <p:set>
+                                      <p:cBhvr>
+                                        <p:cTn id="18" dur="1" fill="hold">
+                                          <p:stCondLst>
+                                            <p:cond delay="0"/>
+                                          </p:stCondLst>
+                                        </p:cTn>
+                                        <p:tgtEl>
+                                          <p:spTgt spid="5">
+                                            <p:txEl>
+                                              <p:pRg st="5" end="5"/>
+                                            </p:txEl>
+                                          </p:spTgt>
+                                        </p:tgtEl>
+                                        <p:attrNameLst>
+                                          <p:attrName>style.visibility</p:attrName>
+                                        </p:attrNameLst>
+                                      </p:cBhvr>
+                                      <p:to>
+                                        <p:strVal val="visible"/>
+                                      </p:to>
+                                    </p:set>
+                                  </p:childTnLst>
+                                </p:cTn>
+                              </p:par>
+                            </p:childTnLst>
+                          </p:cTn>
+                        </p:par>
+                      </p:childTnLst>
+                    </p:cTn>
+                  </p:par>
+                </p:childTnLst>
+              </p:cTn>
+              <p:prevCondLst>
+                <p:cond evt="onPrev" delay="0">
+                  <p:tgtEl>
+                    <p:sldTgt/>
+                  </p:tgtEl>
+                </p:cond>
+              </p:prevCondLst>
+              <p:nextCondLst>
+                <p:cond evt="onNext" delay="0">
+                  <p:tgtEl>
+                    <p:sldTgt/>
+                  </p:tgtEl>
+                </p:cond>
+              </p:nextCondLst>
+            </p:seq>
+          </p:childTnLst>
+        </p:cTn>
+      </p:par>
+    </p:tnLst>
+  </p:timing>
+</p:sld>
+</file>
+
+<file path=ppt/slides/slide28.xml><?xml version="1.0" encoding="utf-8"?>
 <p:sld xmlns:a="http://schemas.openxmlformats.org/drawingml/2006/main" xmlns:r="http://schemas.openxmlformats.org/officeDocument/2006/relationships" xmlns:p="http://schemas.openxmlformats.org/presentationml/2006/main">
   <p:cSld>
     <p:spTree>
@@ -15231,7 +22417,7 @@
 </p:sld>
 </file>
 
-<file path=ppt/slides/slide18.xml><?xml version="1.0" encoding="utf-8"?>
+<file path=ppt/slides/slide29.xml><?xml version="1.0" encoding="utf-8"?>
 <p:sld xmlns:a="http://schemas.openxmlformats.org/drawingml/2006/main" xmlns:r="http://schemas.openxmlformats.org/officeDocument/2006/relationships" xmlns:p="http://schemas.openxmlformats.org/presentationml/2006/main">
   <p:cSld>
     <p:spTree>
@@ -15785,7 +22971,142 @@
 </p:sld>
 </file>
 
-<file path=ppt/slides/slide19.xml><?xml version="1.0" encoding="utf-8"?>
+<file path=ppt/slides/slide3.xml><?xml version="1.0" encoding="utf-8"?>
+<p:sld xmlns:a="http://schemas.openxmlformats.org/drawingml/2006/main" xmlns:r="http://schemas.openxmlformats.org/officeDocument/2006/relationships" xmlns:p="http://schemas.openxmlformats.org/presentationml/2006/main">
+  <p:cSld>
+    <p:spTree>
+      <p:nvGrpSpPr>
+        <p:cNvPr id="1" name=""/>
+        <p:cNvGrpSpPr/>
+        <p:nvPr/>
+      </p:nvGrpSpPr>
+      <p:grpSpPr>
+        <a:xfrm>
+          <a:off x="0" y="0"/>
+          <a:ext cx="0" cy="0"/>
+          <a:chOff x="0" y="0"/>
+          <a:chExt cx="0" cy="0"/>
+        </a:xfrm>
+      </p:grpSpPr>
+      <p:sp>
+        <p:nvSpPr>
+          <p:cNvPr id="4" name="Title 3"/>
+          <p:cNvSpPr>
+            <a:spLocks noGrp="1"/>
+          </p:cNvSpPr>
+          <p:nvPr>
+            <p:ph type="title"/>
+          </p:nvPr>
+        </p:nvSpPr>
+        <p:spPr/>
+        <p:txBody>
+          <a:bodyPr/>
+          <a:lstStyle/>
+          <a:p>
+            <a:r>
+              <a:rPr lang="en-US"/>
+              <a:t>Have a Question?</a:t>
+            </a:r>
+            <a:endParaRPr lang="en-US" dirty="0"/>
+          </a:p>
+        </p:txBody>
+      </p:sp>
+      <p:sp>
+        <p:nvSpPr>
+          <p:cNvPr id="3" name="Content Placeholder 2"/>
+          <p:cNvSpPr>
+            <a:spLocks noGrp="1"/>
+          </p:cNvSpPr>
+          <p:nvPr>
+            <p:ph idx="4294967295"/>
+          </p:nvPr>
+        </p:nvSpPr>
+        <p:spPr>
+          <a:xfrm>
+            <a:off x="1588" y="1150939"/>
+            <a:ext cx="11804650" cy="5373687"/>
+          </a:xfrm>
+        </p:spPr>
+        <p:txBody>
+          <a:bodyPr>
+            <a:normAutofit/>
+          </a:bodyPr>
+          <a:lstStyle/>
+          <a:p>
+            <a:pPr marL="0" indent="0" algn="ctr">
+              <a:buNone/>
+            </a:pPr>
+            <a:endParaRPr lang="bg-BG" b="1" dirty="0"/>
+          </a:p>
+          <a:p>
+            <a:pPr marL="0" indent="0" algn="ctr">
+              <a:buNone/>
+            </a:pPr>
+            <a:r>
+              <a:rPr lang="en-US" sz="8800" b="1" dirty="0">
+                <a:solidFill>
+                  <a:schemeClr val="bg1"/>
+                </a:solidFill>
+              </a:rPr>
+              <a:t>sli.do</a:t>
+            </a:r>
+            <a:br>
+              <a:rPr lang="en-US" sz="6000" b="1" dirty="0"/>
+            </a:br>
+            <a:r>
+              <a:rPr lang="en-US" sz="11500" b="1" dirty="0"/>
+              <a:t>#JS-CORE</a:t>
+            </a:r>
+            <a:endParaRPr lang="en-US" sz="6000" b="1" dirty="0"/>
+          </a:p>
+          <a:p>
+            <a:endParaRPr lang="en-US" dirty="0"/>
+          </a:p>
+        </p:txBody>
+      </p:sp>
+      <p:sp>
+        <p:nvSpPr>
+          <p:cNvPr id="2" name="Slide Number Placeholder 1"/>
+          <p:cNvSpPr>
+            <a:spLocks noGrp="1"/>
+          </p:cNvSpPr>
+          <p:nvPr>
+            <p:ph type="sldNum" sz="quarter" idx="4294967295"/>
+          </p:nvPr>
+        </p:nvSpPr>
+        <p:spPr>
+          <a:xfrm>
+            <a:off x="11761789" y="6524625"/>
+            <a:ext cx="428625" cy="196850"/>
+          </a:xfrm>
+        </p:spPr>
+        <p:txBody>
+          <a:bodyPr/>
+          <a:lstStyle/>
+          <a:p>
+            <a:fld id="{C014DD1E-5D91-48A3-AD6D-45FBA980D106}" type="slidenum">
+              <a:rPr lang="en-US" smtClean="0"/>
+              <a:pPr/>
+              <a:t>3</a:t>
+            </a:fld>
+            <a:endParaRPr lang="en-US" dirty="0"/>
+          </a:p>
+        </p:txBody>
+      </p:sp>
+    </p:spTree>
+    <p:extLst>
+      <p:ext uri="{BB962C8B-B14F-4D97-AF65-F5344CB8AC3E}">
+        <p14:creationId xmlns:p14="http://schemas.microsoft.com/office/powerpoint/2010/main" val="1874243831"/>
+      </p:ext>
+    </p:extLst>
+  </p:cSld>
+  <p:clrMapOvr>
+    <a:masterClrMapping/>
+  </p:clrMapOvr>
+</p:sld>
+</file>
+
+<file path=ppt/slides/slide30.xml><?xml version="1.0" encoding="utf-8"?>
 <p:sld xmlns:a="http://schemas.openxmlformats.org/drawingml/2006/main" xmlns:r="http://schemas.openxmlformats.org/officeDocument/2006/relationships" xmlns:p="http://schemas.openxmlformats.org/presentationml/2006/main">
   <p:cSld>
     <p:spTree>
@@ -16037,441 +23358,7 @@
 </p:sld>
 </file>
 
-<file path=ppt/slides/slide2.xml><?xml version="1.0" encoding="utf-8"?>
-<p:sld xmlns:a="http://schemas.openxmlformats.org/drawingml/2006/main" xmlns:r="http://schemas.openxmlformats.org/officeDocument/2006/relationships" xmlns:p="http://schemas.openxmlformats.org/presentationml/2006/main">
-  <p:cSld>
-    <p:spTree>
-      <p:nvGrpSpPr>
-        <p:cNvPr id="1" name=""/>
-        <p:cNvGrpSpPr/>
-        <p:nvPr/>
-      </p:nvGrpSpPr>
-      <p:grpSpPr>
-        <a:xfrm>
-          <a:off x="0" y="0"/>
-          <a:ext cx="0" cy="0"/>
-          <a:chOff x="0" y="0"/>
-          <a:chExt cx="0" cy="0"/>
-        </a:xfrm>
-      </p:grpSpPr>
-      <p:sp>
-        <p:nvSpPr>
-          <p:cNvPr id="2" name="Title 1"/>
-          <p:cNvSpPr>
-            <a:spLocks noGrp="1"/>
-          </p:cNvSpPr>
-          <p:nvPr>
-            <p:ph type="title"/>
-          </p:nvPr>
-        </p:nvSpPr>
-        <p:spPr/>
-        <p:txBody>
-          <a:bodyPr/>
-          <a:lstStyle/>
-          <a:p>
-            <a:r>
-              <a:rPr lang="en-US" dirty="0"/>
-              <a:t>Table of Contents</a:t>
-            </a:r>
-          </a:p>
-        </p:txBody>
-      </p:sp>
-      <p:sp>
-        <p:nvSpPr>
-          <p:cNvPr id="3" name="Text Placeholder 2"/>
-          <p:cNvSpPr>
-            <a:spLocks noGrp="1"/>
-          </p:cNvSpPr>
-          <p:nvPr>
-            <p:ph type="body" sz="quarter" idx="13"/>
-          </p:nvPr>
-        </p:nvSpPr>
-        <p:spPr/>
-        <p:txBody>
-          <a:bodyPr>
-            <a:normAutofit/>
-          </a:bodyPr>
-          <a:lstStyle/>
-          <a:p>
-            <a:r>
-              <a:rPr lang="en-US" dirty="0"/>
-              <a:t>Introduction</a:t>
-            </a:r>
-          </a:p>
-          <a:p>
-            <a:pPr lvl="1"/>
-            <a:r>
-              <a:rPr lang="en-US" dirty="0"/>
-              <a:t>What is </a:t>
-            </a:r>
-            <a:r>
-              <a:rPr lang="en-US" dirty="0" err="1"/>
-              <a:t>Webpack</a:t>
-            </a:r>
-            <a:r>
-              <a:rPr lang="en-US" dirty="0"/>
-              <a:t>?</a:t>
-            </a:r>
-          </a:p>
-          <a:p>
-            <a:pPr lvl="1"/>
-            <a:r>
-              <a:rPr lang="en-US" dirty="0"/>
-              <a:t>Installation</a:t>
-            </a:r>
-          </a:p>
-          <a:p>
-            <a:pPr lvl="1"/>
-            <a:r>
-              <a:rPr lang="en-US" dirty="0"/>
-              <a:t>Build Process</a:t>
-            </a:r>
-          </a:p>
-          <a:p>
-            <a:r>
-              <a:rPr lang="en-US" dirty="0"/>
-              <a:t>Basic Builds</a:t>
-            </a:r>
-          </a:p>
-          <a:p>
-            <a:pPr lvl="1"/>
-            <a:r>
-              <a:rPr lang="en-US" dirty="0"/>
-              <a:t>Creating a Bundle</a:t>
-            </a:r>
-          </a:p>
-          <a:p>
-            <a:r>
-              <a:rPr lang="en-US" dirty="0"/>
-              <a:t>Configuration</a:t>
-            </a:r>
-          </a:p>
-          <a:p>
-            <a:pPr lvl="1"/>
-            <a:endParaRPr lang="en-US" dirty="0"/>
-          </a:p>
-        </p:txBody>
-      </p:sp>
-    </p:spTree>
-    <p:extLst>
-      <p:ext uri="{BB962C8B-B14F-4D97-AF65-F5344CB8AC3E}">
-        <p14:creationId xmlns:p14="http://schemas.microsoft.com/office/powerpoint/2010/main" val="2227084166"/>
-      </p:ext>
-    </p:extLst>
-  </p:cSld>
-  <p:clrMapOvr>
-    <a:masterClrMapping/>
-  </p:clrMapOvr>
-  <p:timing>
-    <p:tnLst>
-      <p:par>
-        <p:cTn id="1" dur="indefinite" restart="never" nodeType="tmRoot">
-          <p:childTnLst>
-            <p:seq concurrent="1" nextAc="seek">
-              <p:cTn id="2" dur="indefinite" nodeType="mainSeq">
-                <p:childTnLst>
-                  <p:par>
-                    <p:cTn id="3" fill="hold">
-                      <p:stCondLst>
-                        <p:cond delay="indefinite"/>
-                      </p:stCondLst>
-                      <p:childTnLst>
-                        <p:par>
-                          <p:cTn id="4" fill="hold">
-                            <p:stCondLst>
-                              <p:cond delay="0"/>
-                            </p:stCondLst>
-                            <p:childTnLst>
-                              <p:par>
-                                <p:cTn id="5" presetID="1" presetClass="entr" presetSubtype="0" fill="hold" nodeType="clickEffect">
-                                  <p:stCondLst>
-                                    <p:cond delay="0"/>
-                                  </p:stCondLst>
-                                  <p:childTnLst>
-                                    <p:set>
-                                      <p:cBhvr>
-                                        <p:cTn id="6" dur="1" fill="hold">
-                                          <p:stCondLst>
-                                            <p:cond delay="0"/>
-                                          </p:stCondLst>
-                                        </p:cTn>
-                                        <p:tgtEl>
-                                          <p:spTgt spid="3">
-                                            <p:txEl>
-                                              <p:pRg st="1" end="1"/>
-                                            </p:txEl>
-                                          </p:spTgt>
-                                        </p:tgtEl>
-                                        <p:attrNameLst>
-                                          <p:attrName>style.visibility</p:attrName>
-                                        </p:attrNameLst>
-                                      </p:cBhvr>
-                                      <p:to>
-                                        <p:strVal val="visible"/>
-                                      </p:to>
-                                    </p:set>
-                                  </p:childTnLst>
-                                </p:cTn>
-                              </p:par>
-                            </p:childTnLst>
-                          </p:cTn>
-                        </p:par>
-                      </p:childTnLst>
-                    </p:cTn>
-                  </p:par>
-                  <p:par>
-                    <p:cTn id="7" fill="hold">
-                      <p:stCondLst>
-                        <p:cond delay="indefinite"/>
-                      </p:stCondLst>
-                      <p:childTnLst>
-                        <p:par>
-                          <p:cTn id="8" fill="hold">
-                            <p:stCondLst>
-                              <p:cond delay="0"/>
-                            </p:stCondLst>
-                            <p:childTnLst>
-                              <p:par>
-                                <p:cTn id="9" presetID="1" presetClass="entr" presetSubtype="0" fill="hold" nodeType="clickEffect">
-                                  <p:stCondLst>
-                                    <p:cond delay="0"/>
-                                  </p:stCondLst>
-                                  <p:childTnLst>
-                                    <p:set>
-                                      <p:cBhvr>
-                                        <p:cTn id="10" dur="1" fill="hold">
-                                          <p:stCondLst>
-                                            <p:cond delay="0"/>
-                                          </p:stCondLst>
-                                        </p:cTn>
-                                        <p:tgtEl>
-                                          <p:spTgt spid="3">
-                                            <p:txEl>
-                                              <p:pRg st="2" end="2"/>
-                                            </p:txEl>
-                                          </p:spTgt>
-                                        </p:tgtEl>
-                                        <p:attrNameLst>
-                                          <p:attrName>style.visibility</p:attrName>
-                                        </p:attrNameLst>
-                                      </p:cBhvr>
-                                      <p:to>
-                                        <p:strVal val="visible"/>
-                                      </p:to>
-                                    </p:set>
-                                  </p:childTnLst>
-                                </p:cTn>
-                              </p:par>
-                            </p:childTnLst>
-                          </p:cTn>
-                        </p:par>
-                      </p:childTnLst>
-                    </p:cTn>
-                  </p:par>
-                  <p:par>
-                    <p:cTn id="11" fill="hold">
-                      <p:stCondLst>
-                        <p:cond delay="indefinite"/>
-                      </p:stCondLst>
-                      <p:childTnLst>
-                        <p:par>
-                          <p:cTn id="12" fill="hold">
-                            <p:stCondLst>
-                              <p:cond delay="0"/>
-                            </p:stCondLst>
-                            <p:childTnLst>
-                              <p:par>
-                                <p:cTn id="13" presetID="1" presetClass="entr" presetSubtype="0" fill="hold" nodeType="clickEffect">
-                                  <p:stCondLst>
-                                    <p:cond delay="0"/>
-                                  </p:stCondLst>
-                                  <p:childTnLst>
-                                    <p:set>
-                                      <p:cBhvr>
-                                        <p:cTn id="14" dur="1" fill="hold">
-                                          <p:stCondLst>
-                                            <p:cond delay="0"/>
-                                          </p:stCondLst>
-                                        </p:cTn>
-                                        <p:tgtEl>
-                                          <p:spTgt spid="3">
-                                            <p:txEl>
-                                              <p:pRg st="3" end="3"/>
-                                            </p:txEl>
-                                          </p:spTgt>
-                                        </p:tgtEl>
-                                        <p:attrNameLst>
-                                          <p:attrName>style.visibility</p:attrName>
-                                        </p:attrNameLst>
-                                      </p:cBhvr>
-                                      <p:to>
-                                        <p:strVal val="visible"/>
-                                      </p:to>
-                                    </p:set>
-                                  </p:childTnLst>
-                                </p:cTn>
-                              </p:par>
-                            </p:childTnLst>
-                          </p:cTn>
-                        </p:par>
-                      </p:childTnLst>
-                    </p:cTn>
-                  </p:par>
-                  <p:par>
-                    <p:cTn id="15" fill="hold">
-                      <p:stCondLst>
-                        <p:cond delay="indefinite"/>
-                      </p:stCondLst>
-                      <p:childTnLst>
-                        <p:par>
-                          <p:cTn id="16" fill="hold">
-                            <p:stCondLst>
-                              <p:cond delay="0"/>
-                            </p:stCondLst>
-                            <p:childTnLst>
-                              <p:par>
-                                <p:cTn id="17" presetID="1" presetClass="entr" presetSubtype="0" fill="hold" nodeType="clickEffect">
-                                  <p:stCondLst>
-                                    <p:cond delay="0"/>
-                                  </p:stCondLst>
-                                  <p:childTnLst>
-                                    <p:set>
-                                      <p:cBhvr>
-                                        <p:cTn id="18" dur="1" fill="hold">
-                                          <p:stCondLst>
-                                            <p:cond delay="0"/>
-                                          </p:stCondLst>
-                                        </p:cTn>
-                                        <p:tgtEl>
-                                          <p:spTgt spid="3">
-                                            <p:txEl>
-                                              <p:pRg st="4" end="4"/>
-                                            </p:txEl>
-                                          </p:spTgt>
-                                        </p:tgtEl>
-                                        <p:attrNameLst>
-                                          <p:attrName>style.visibility</p:attrName>
-                                        </p:attrNameLst>
-                                      </p:cBhvr>
-                                      <p:to>
-                                        <p:strVal val="visible"/>
-                                      </p:to>
-                                    </p:set>
-                                  </p:childTnLst>
-                                </p:cTn>
-                              </p:par>
-                              <p:par>
-                                <p:cTn id="19" presetID="1" presetClass="entr" presetSubtype="0" fill="hold" nodeType="withEffect">
-                                  <p:stCondLst>
-                                    <p:cond delay="0"/>
-                                  </p:stCondLst>
-                                  <p:childTnLst>
-                                    <p:set>
-                                      <p:cBhvr>
-                                        <p:cTn id="20" dur="1" fill="hold">
-                                          <p:stCondLst>
-                                            <p:cond delay="0"/>
-                                          </p:stCondLst>
-                                        </p:cTn>
-                                        <p:tgtEl>
-                                          <p:spTgt spid="3">
-                                            <p:txEl>
-                                              <p:pRg st="5" end="5"/>
-                                            </p:txEl>
-                                          </p:spTgt>
-                                        </p:tgtEl>
-                                        <p:attrNameLst>
-                                          <p:attrName>style.visibility</p:attrName>
-                                        </p:attrNameLst>
-                                      </p:cBhvr>
-                                      <p:to>
-                                        <p:strVal val="visible"/>
-                                      </p:to>
-                                    </p:set>
-                                  </p:childTnLst>
-                                </p:cTn>
-                              </p:par>
-                            </p:childTnLst>
-                          </p:cTn>
-                        </p:par>
-                      </p:childTnLst>
-                    </p:cTn>
-                  </p:par>
-                  <p:par>
-                    <p:cTn id="21" fill="hold">
-                      <p:stCondLst>
-                        <p:cond delay="indefinite"/>
-                      </p:stCondLst>
-                      <p:childTnLst>
-                        <p:par>
-                          <p:cTn id="22" fill="hold">
-                            <p:stCondLst>
-                              <p:cond delay="0"/>
-                            </p:stCondLst>
-                            <p:childTnLst>
-                              <p:par>
-                                <p:cTn id="23" presetID="1" presetClass="entr" presetSubtype="0" fill="hold" nodeType="clickEffect">
-                                  <p:stCondLst>
-                                    <p:cond delay="0"/>
-                                  </p:stCondLst>
-                                  <p:childTnLst>
-                                    <p:set>
-                                      <p:cBhvr>
-                                        <p:cTn id="24" dur="1" fill="hold">
-                                          <p:stCondLst>
-                                            <p:cond delay="0"/>
-                                          </p:stCondLst>
-                                        </p:cTn>
-                                        <p:tgtEl>
-                                          <p:spTgt spid="3">
-                                            <p:txEl>
-                                              <p:pRg st="6" end="6"/>
-                                            </p:txEl>
-                                          </p:spTgt>
-                                        </p:tgtEl>
-                                        <p:attrNameLst>
-                                          <p:attrName>style.visibility</p:attrName>
-                                        </p:attrNameLst>
-                                      </p:cBhvr>
-                                      <p:to>
-                                        <p:strVal val="visible"/>
-                                      </p:to>
-                                    </p:set>
-                                  </p:childTnLst>
-                                </p:cTn>
-                              </p:par>
-                            </p:childTnLst>
-                          </p:cTn>
-                        </p:par>
-                      </p:childTnLst>
-                    </p:cTn>
-                  </p:par>
-                </p:childTnLst>
-              </p:cTn>
-              <p:prevCondLst>
-                <p:cond evt="onPrev" delay="0">
-                  <p:tgtEl>
-                    <p:sldTgt/>
-                  </p:tgtEl>
-                </p:cond>
-              </p:prevCondLst>
-              <p:nextCondLst>
-                <p:cond evt="onNext" delay="0">
-                  <p:tgtEl>
-                    <p:sldTgt/>
-                  </p:tgtEl>
-                </p:cond>
-              </p:nextCondLst>
-            </p:seq>
-          </p:childTnLst>
-        </p:cTn>
-      </p:par>
-    </p:tnLst>
-  </p:timing>
-</p:sld>
-</file>
-
-<file path=ppt/slides/slide20.xml><?xml version="1.0" encoding="utf-8"?>
+<file path=ppt/slides/slide31.xml><?xml version="1.0" encoding="utf-8"?>
 <p:sld xmlns:a="http://schemas.openxmlformats.org/drawingml/2006/main" xmlns:r="http://schemas.openxmlformats.org/officeDocument/2006/relationships" xmlns:p="http://schemas.openxmlformats.org/presentationml/2006/main">
   <p:cSld>
     <p:spTree>
@@ -16843,7 +23730,7 @@
 </p:sld>
 </file>
 
-<file path=ppt/slides/slide21.xml><?xml version="1.0" encoding="utf-8"?>
+<file path=ppt/slides/slide32.xml><?xml version="1.0" encoding="utf-8"?>
 <p:sld xmlns:a="http://schemas.openxmlformats.org/drawingml/2006/main" xmlns:r="http://schemas.openxmlformats.org/officeDocument/2006/relationships" xmlns:p="http://schemas.openxmlformats.org/presentationml/2006/main">
   <p:cSld>
     <p:spTree>
@@ -16956,7 +23843,7 @@
             <a:fld id="{C014DD1E-5D91-48A3-AD6D-45FBA980D106}" type="slidenum">
               <a:rPr lang="en-US" smtClean="0"/>
               <a:pPr/>
-              <a:t>21</a:t>
+              <a:t>32</a:t>
             </a:fld>
             <a:endParaRPr lang="en-US" dirty="0"/>
           </a:p>
@@ -17018,141 +23905,6 @@
     <p:extLst>
       <p:ext uri="{BB962C8B-B14F-4D97-AF65-F5344CB8AC3E}">
         <p14:creationId xmlns:p14="http://schemas.microsoft.com/office/powerpoint/2010/main" val="3147406691"/>
-      </p:ext>
-    </p:extLst>
-  </p:cSld>
-  <p:clrMapOvr>
-    <a:masterClrMapping/>
-  </p:clrMapOvr>
-</p:sld>
-</file>
-
-<file path=ppt/slides/slide3.xml><?xml version="1.0" encoding="utf-8"?>
-<p:sld xmlns:a="http://schemas.openxmlformats.org/drawingml/2006/main" xmlns:r="http://schemas.openxmlformats.org/officeDocument/2006/relationships" xmlns:p="http://schemas.openxmlformats.org/presentationml/2006/main">
-  <p:cSld>
-    <p:spTree>
-      <p:nvGrpSpPr>
-        <p:cNvPr id="1" name=""/>
-        <p:cNvGrpSpPr/>
-        <p:nvPr/>
-      </p:nvGrpSpPr>
-      <p:grpSpPr>
-        <a:xfrm>
-          <a:off x="0" y="0"/>
-          <a:ext cx="0" cy="0"/>
-          <a:chOff x="0" y="0"/>
-          <a:chExt cx="0" cy="0"/>
-        </a:xfrm>
-      </p:grpSpPr>
-      <p:sp>
-        <p:nvSpPr>
-          <p:cNvPr id="4" name="Title 3"/>
-          <p:cNvSpPr>
-            <a:spLocks noGrp="1"/>
-          </p:cNvSpPr>
-          <p:nvPr>
-            <p:ph type="title"/>
-          </p:nvPr>
-        </p:nvSpPr>
-        <p:spPr/>
-        <p:txBody>
-          <a:bodyPr/>
-          <a:lstStyle/>
-          <a:p>
-            <a:r>
-              <a:rPr lang="en-US"/>
-              <a:t>Have a Question?</a:t>
-            </a:r>
-            <a:endParaRPr lang="en-US" dirty="0"/>
-          </a:p>
-        </p:txBody>
-      </p:sp>
-      <p:sp>
-        <p:nvSpPr>
-          <p:cNvPr id="3" name="Content Placeholder 2"/>
-          <p:cNvSpPr>
-            <a:spLocks noGrp="1"/>
-          </p:cNvSpPr>
-          <p:nvPr>
-            <p:ph idx="4294967295"/>
-          </p:nvPr>
-        </p:nvSpPr>
-        <p:spPr>
-          <a:xfrm>
-            <a:off x="1588" y="1150939"/>
-            <a:ext cx="11804650" cy="5373687"/>
-          </a:xfrm>
-        </p:spPr>
-        <p:txBody>
-          <a:bodyPr>
-            <a:normAutofit/>
-          </a:bodyPr>
-          <a:lstStyle/>
-          <a:p>
-            <a:pPr marL="0" indent="0" algn="ctr">
-              <a:buNone/>
-            </a:pPr>
-            <a:endParaRPr lang="bg-BG" b="1" dirty="0"/>
-          </a:p>
-          <a:p>
-            <a:pPr marL="0" indent="0" algn="ctr">
-              <a:buNone/>
-            </a:pPr>
-            <a:r>
-              <a:rPr lang="en-US" sz="8800" b="1" dirty="0">
-                <a:solidFill>
-                  <a:schemeClr val="bg1"/>
-                </a:solidFill>
-              </a:rPr>
-              <a:t>sli.do</a:t>
-            </a:r>
-            <a:br>
-              <a:rPr lang="en-US" sz="6000" b="1" dirty="0"/>
-            </a:br>
-            <a:r>
-              <a:rPr lang="en-US" sz="11500" b="1" dirty="0"/>
-              <a:t>#JS-CORE</a:t>
-            </a:r>
-            <a:endParaRPr lang="en-US" sz="6000" b="1" dirty="0"/>
-          </a:p>
-          <a:p>
-            <a:endParaRPr lang="en-US" dirty="0"/>
-          </a:p>
-        </p:txBody>
-      </p:sp>
-      <p:sp>
-        <p:nvSpPr>
-          <p:cNvPr id="2" name="Slide Number Placeholder 1"/>
-          <p:cNvSpPr>
-            <a:spLocks noGrp="1"/>
-          </p:cNvSpPr>
-          <p:nvPr>
-            <p:ph type="sldNum" sz="quarter" idx="4294967295"/>
-          </p:nvPr>
-        </p:nvSpPr>
-        <p:spPr>
-          <a:xfrm>
-            <a:off x="11761789" y="6524625"/>
-            <a:ext cx="428625" cy="196850"/>
-          </a:xfrm>
-        </p:spPr>
-        <p:txBody>
-          <a:bodyPr/>
-          <a:lstStyle/>
-          <a:p>
-            <a:fld id="{C014DD1E-5D91-48A3-AD6D-45FBA980D106}" type="slidenum">
-              <a:rPr lang="en-US" smtClean="0"/>
-              <a:pPr/>
-              <a:t>3</a:t>
-            </a:fld>
-            <a:endParaRPr lang="en-US" dirty="0"/>
-          </a:p>
-        </p:txBody>
-      </p:sp>
-    </p:spTree>
-    <p:extLst>
-      <p:ext uri="{BB962C8B-B14F-4D97-AF65-F5344CB8AC3E}">
-        <p14:creationId xmlns:p14="http://schemas.microsoft.com/office/powerpoint/2010/main" val="1874243831"/>
       </p:ext>
     </p:extLst>
   </p:cSld>
@@ -19375,13 +26127,9 @@
             </a:r>
           </a:p>
           <a:p>
-            <a:endParaRPr lang="en-US" sz="3200" b="1" noProof="1">
-              <a:solidFill>
-                <a:schemeClr val="bg1"/>
-              </a:solidFill>
-            </a:endParaRPr>
-          </a:p>
-          <a:p>
+            <a:pPr marL="0" indent="0">
+              <a:buNone/>
+            </a:pPr>
             <a:endParaRPr lang="en-US" sz="3200" b="1" noProof="1">
               <a:solidFill>
                 <a:schemeClr val="bg1"/>
@@ -19437,6 +26185,33 @@
               </a:buClr>
             </a:pPr>
             <a:endParaRPr lang="en-US" sz="3200" b="1" noProof="1"/>
+          </a:p>
+          <a:p>
+            <a:pPr>
+              <a:buClr>
+                <a:schemeClr val="tx1"/>
+              </a:buClr>
+            </a:pPr>
+            <a:r>
+              <a:rPr lang="en-US" sz="3600" noProof="1"/>
+              <a:t>Install the add-on </a:t>
+            </a:r>
+            <a:r>
+              <a:rPr lang="en-US" sz="3600" b="1" noProof="1">
+                <a:solidFill>
+                  <a:schemeClr val="bg1"/>
+                </a:solidFill>
+              </a:rPr>
+              <a:t>development server</a:t>
+            </a:r>
+          </a:p>
+          <a:p>
+            <a:pPr>
+              <a:buClr>
+                <a:schemeClr val="tx1"/>
+              </a:buClr>
+            </a:pPr>
+            <a:endParaRPr lang="en-US" sz="4000" b="1" noProof="1"/>
           </a:p>
           <a:p>
             <a:pPr>
@@ -19556,7 +26331,7 @@
         </p:nvSpPr>
         <p:spPr bwMode="auto">
           <a:xfrm>
-            <a:off x="1103753" y="5278742"/>
+            <a:off x="1103753" y="4442318"/>
             <a:ext cx="5976317" cy="533205"/>
           </a:xfrm>
           <a:prstGeom prst="rect">
@@ -19616,6 +26391,88 @@
               <a:latin typeface="Consolas" pitchFamily="49" charset="0"/>
               <a:cs typeface="Consolas" pitchFamily="49" charset="0"/>
             </a:endParaRPr>
+          </a:p>
+        </p:txBody>
+      </p:sp>
+      <p:sp>
+        <p:nvSpPr>
+          <p:cNvPr id="6" name="Rectangle 3">
+            <a:extLst>
+              <a:ext uri="{FF2B5EF4-FFF2-40B4-BE49-F238E27FC236}">
+                <a16:creationId xmlns:a16="http://schemas.microsoft.com/office/drawing/2014/main" id="{72C16078-890D-49BA-A686-7313AEA48FFF}"/>
+              </a:ext>
+            </a:extLst>
+          </p:cNvPr>
+          <p:cNvSpPr>
+            <a:spLocks noChangeArrowheads="1"/>
+          </p:cNvSpPr>
+          <p:nvPr/>
+        </p:nvSpPr>
+        <p:spPr bwMode="auto">
+          <a:xfrm>
+            <a:off x="1141387" y="5863986"/>
+            <a:ext cx="5938683" cy="533205"/>
+          </a:xfrm>
+          <a:prstGeom prst="rect">
+            <a:avLst/>
+          </a:prstGeom>
+          <a:solidFill>
+            <a:schemeClr val="accent5">
+              <a:lumMod val="40000"/>
+              <a:lumOff val="60000"/>
+              <a:alpha val="15000"/>
+            </a:schemeClr>
+          </a:solidFill>
+          <a:ln w="12700">
+            <a:solidFill>
+              <a:schemeClr val="tx1">
+                <a:lumMod val="75000"/>
+              </a:schemeClr>
+            </a:solidFill>
+          </a:ln>
+        </p:spPr>
+        <p:txBody>
+          <a:bodyPr wrap="square" lIns="108000" tIns="72000" rIns="108000" bIns="72000">
+            <a:spAutoFit/>
+          </a:bodyPr>
+          <a:lstStyle/>
+          <a:p>
+            <a:pPr eaLnBrk="0" hangingPunct="0">
+              <a:lnSpc>
+                <a:spcPct val="105000"/>
+              </a:lnSpc>
+              <a:buClr>
+                <a:schemeClr val="accent5">
+                  <a:lumMod val="40000"/>
+                  <a:lumOff val="60000"/>
+                </a:schemeClr>
+              </a:buClr>
+              <a:buSzPct val="70000"/>
+            </a:pPr>
+            <a:r>
+              <a:rPr lang="en-US" sz="2400" b="1" noProof="1">
+                <a:latin typeface="Consolas" pitchFamily="49" charset="0"/>
+                <a:cs typeface="Consolas" pitchFamily="49" charset="0"/>
+              </a:rPr>
+              <a:t>npm install </a:t>
+            </a:r>
+            <a:r>
+              <a:rPr lang="en-US" sz="2400" b="1" noProof="1">
+                <a:solidFill>
+                  <a:schemeClr val="bg1"/>
+                </a:solidFill>
+                <a:latin typeface="Consolas" pitchFamily="49" charset="0"/>
+                <a:cs typeface="Consolas" pitchFamily="49" charset="0"/>
+              </a:rPr>
+              <a:t>webpack-dev-server</a:t>
+            </a:r>
+            <a:r>
+              <a:rPr lang="en-US" sz="2400" b="1" noProof="1">
+                <a:latin typeface="Consolas" pitchFamily="49" charset="0"/>
+                <a:cs typeface="Consolas" pitchFamily="49" charset="0"/>
+              </a:rPr>
+              <a:t> -g</a:t>
+            </a:r>
           </a:p>
         </p:txBody>
       </p:sp>
@@ -19665,7 +26522,7 @@
                                         <p:tgtEl>
                                           <p:spTgt spid="2">
                                             <p:txEl>
-                                              <p:pRg st="4" end="4"/>
+                                              <p:pRg st="3" end="3"/>
                                             </p:txEl>
                                           </p:spTgt>
                                         </p:tgtEl>
@@ -19696,7 +26553,7 @@
                                         <p:tgtEl>
                                           <p:spTgt spid="2">
                                             <p:txEl>
-                                              <p:pRg st="5" end="5"/>
+                                              <p:pRg st="4" end="4"/>
                                             </p:txEl>
                                           </p:spTgt>
                                         </p:tgtEl>
@@ -19712,7 +26569,7 @@
                                 </p:cTn>
                               </p:par>
                               <p:par>
-                                <p:cTn id="9" presetID="1" presetClass="entr" presetSubtype="0" fill="hold" grpId="0" nodeType="withEffect">
+                                <p:cTn id="9" presetID="1" presetClass="entr" presetSubtype="0" fill="hold" nodeType="withEffect">
                                   <p:stCondLst>
                                     <p:cond delay="0"/>
                                   </p:stCondLst>
@@ -19725,7 +26582,65 @@
                                           </p:stCondLst>
                                         </p:cTn>
                                         <p:tgtEl>
+                                          <p:spTgt spid="2">
+                                            <p:txEl>
+                                              <p:pRg st="6" end="6"/>
+                                            </p:txEl>
+                                          </p:spTgt>
+                                        </p:tgtEl>
+                                        <p:attrNameLst>
+                                          <p:attrName>style.visibility</p:attrName>
+                                        </p:attrNameLst>
+                                      </p:cBhvr>
+                                      <p:to>
+                                        <p:strVal val="visible"/>
+                                      </p:to>
+                                    </p:set>
+                                  </p:childTnLst>
+                                </p:cTn>
+                              </p:par>
+                              <p:par>
+                                <p:cTn id="11" presetID="1" presetClass="entr" presetSubtype="0" fill="hold" grpId="0" nodeType="withEffect">
+                                  <p:stCondLst>
+                                    <p:cond delay="0"/>
+                                  </p:stCondLst>
+                                  <p:childTnLst>
+                                    <p:set>
+                                      <p:cBhvr>
+                                        <p:cTn id="12" dur="1" fill="hold">
+                                          <p:stCondLst>
+                                            <p:cond delay="0"/>
+                                          </p:stCondLst>
+                                        </p:cTn>
+                                        <p:tgtEl>
                                           <p:spTgt spid="5"/>
+                                        </p:tgtEl>
+                                        <p:attrNameLst>
+                                          <p:attrName>style.visibility</p:attrName>
+                                        </p:attrNameLst>
+                                      </p:cBhvr>
+                                      <p:to>
+                                        <p:strVal val="visible"/>
+                                      </p:to>
+                                    </p:set>
+                                  </p:childTnLst>
+                                </p:cTn>
+                              </p:par>
+                              <p:par>
+                                <p:cTn id="13" presetID="1" presetClass="entr" presetSubtype="0" fill="hold" grpId="0" nodeType="withEffect">
+                                  <p:stCondLst>
+                                    <p:cond delay="0"/>
+                                  </p:stCondLst>
+                                  <p:childTnLst>
+                                    <p:set>
+                                      <p:cBhvr>
+                                        <p:cTn id="14" dur="1" fill="hold">
+                                          <p:stCondLst>
+                                            <p:cond delay="0"/>
+                                          </p:stCondLst>
+                                        </p:cTn>
+                                        <p:tgtEl>
+                                          <p:spTgt spid="6"/>
                                         </p:tgtEl>
                                         <p:attrNameLst>
                                           <p:attrName>style.visibility</p:attrName>
@@ -19767,6 +26682,7 @@
     </p:tnLst>
     <p:bldLst>
       <p:bldP spid="5" grpId="0" animBg="1"/>
+      <p:bldP spid="6" grpId="0" animBg="1"/>
     </p:bldLst>
   </p:timing>
 </p:sld>
